--- a/Slides/Gambling 1/Gambling_1_Lecture.pptx
+++ b/Slides/Gambling 1/Gambling_1_Lecture.pptx
@@ -5,7 +5,7 @@
     <p:sldMasterId id="2147484545" r:id="rId1"/>
   </p:sldMasterIdLst>
   <p:notesMasterIdLst>
-    <p:notesMasterId r:id="rId20"/>
+    <p:notesMasterId r:id="rId24"/>
   </p:notesMasterIdLst>
   <p:sldIdLst>
     <p:sldId id="298" r:id="rId2"/>
@@ -25,7 +25,11 @@
     <p:sldId id="312" r:id="rId16"/>
     <p:sldId id="313" r:id="rId17"/>
     <p:sldId id="314" r:id="rId18"/>
-    <p:sldId id="281" r:id="rId19"/>
+    <p:sldId id="323" r:id="rId19"/>
+    <p:sldId id="324" r:id="rId20"/>
+    <p:sldId id="325" r:id="rId21"/>
+    <p:sldId id="326" r:id="rId22"/>
+    <p:sldId id="281" r:id="rId23"/>
   </p:sldIdLst>
   <p:sldSz cx="12192000" cy="6858000"/>
   <p:notesSz cx="6858000" cy="9144000"/>
@@ -226,7 +230,7 @@
           <a:p>
             <a:fld id="{C04E5E84-956F-4423-97B3-5936A6D8EEEE}" type="datetimeFigureOut">
               <a:rPr lang="en-US" smtClean="0"/>
-              <a:t>11/3/2019</a:t>
+              <a:t>11/5/2019</a:t>
             </a:fld>
             <a:endParaRPr lang="en-US"/>
           </a:p>
@@ -896,7 +900,7 @@
           <a:p>
             <a:fld id="{3881C039-66A3-4640-815B-3B5A8B7D868D}" type="datetimeFigureOut">
               <a:rPr lang="en-US" smtClean="0"/>
-              <a:t>11/3/2019</a:t>
+              <a:t>11/5/2019</a:t>
             </a:fld>
             <a:endParaRPr lang="en-US"/>
           </a:p>
@@ -1080,7 +1084,7 @@
           <a:p>
             <a:fld id="{3881C039-66A3-4640-815B-3B5A8B7D868D}" type="datetimeFigureOut">
               <a:rPr lang="en-US" smtClean="0"/>
-              <a:t>11/3/2019</a:t>
+              <a:t>11/5/2019</a:t>
             </a:fld>
             <a:endParaRPr lang="en-US"/>
           </a:p>
@@ -1260,7 +1264,7 @@
           <a:p>
             <a:fld id="{3881C039-66A3-4640-815B-3B5A8B7D868D}" type="datetimeFigureOut">
               <a:rPr lang="en-US" smtClean="0"/>
-              <a:t>11/3/2019</a:t>
+              <a:t>11/5/2019</a:t>
             </a:fld>
             <a:endParaRPr lang="en-US"/>
           </a:p>
@@ -1430,7 +1434,7 @@
           <a:p>
             <a:fld id="{3881C039-66A3-4640-815B-3B5A8B7D868D}" type="datetimeFigureOut">
               <a:rPr lang="en-US" smtClean="0"/>
-              <a:t>11/3/2019</a:t>
+              <a:t>11/5/2019</a:t>
             </a:fld>
             <a:endParaRPr lang="en-US"/>
           </a:p>
@@ -1743,7 +1747,7 @@
           <a:p>
             <a:fld id="{3881C039-66A3-4640-815B-3B5A8B7D868D}" type="datetimeFigureOut">
               <a:rPr lang="en-US" smtClean="0"/>
-              <a:t>11/3/2019</a:t>
+              <a:t>11/5/2019</a:t>
             </a:fld>
             <a:endParaRPr lang="en-US"/>
           </a:p>
@@ -2129,7 +2133,7 @@
           <a:p>
             <a:fld id="{3881C039-66A3-4640-815B-3B5A8B7D868D}" type="datetimeFigureOut">
               <a:rPr lang="en-US" smtClean="0"/>
-              <a:t>11/3/2019</a:t>
+              <a:t>11/5/2019</a:t>
             </a:fld>
             <a:endParaRPr lang="en-US"/>
           </a:p>
@@ -2563,7 +2567,7 @@
           <a:p>
             <a:fld id="{3881C039-66A3-4640-815B-3B5A8B7D868D}" type="datetimeFigureOut">
               <a:rPr lang="en-US" smtClean="0"/>
-              <a:t>11/3/2019</a:t>
+              <a:t>11/5/2019</a:t>
             </a:fld>
             <a:endParaRPr lang="en-US"/>
           </a:p>
@@ -2681,7 +2685,7 @@
           <a:p>
             <a:fld id="{3881C039-66A3-4640-815B-3B5A8B7D868D}" type="datetimeFigureOut">
               <a:rPr lang="en-US" smtClean="0"/>
-              <a:t>11/3/2019</a:t>
+              <a:t>11/5/2019</a:t>
             </a:fld>
             <a:endParaRPr lang="en-US"/>
           </a:p>
@@ -2776,7 +2780,7 @@
           <a:p>
             <a:fld id="{3881C039-66A3-4640-815B-3B5A8B7D868D}" type="datetimeFigureOut">
               <a:rPr lang="en-US" smtClean="0"/>
-              <a:t>11/3/2019</a:t>
+              <a:t>11/5/2019</a:t>
             </a:fld>
             <a:endParaRPr lang="en-US"/>
           </a:p>
@@ -3131,7 +3135,7 @@
           <a:p>
             <a:fld id="{3881C039-66A3-4640-815B-3B5A8B7D868D}" type="datetimeFigureOut">
               <a:rPr lang="en-US" smtClean="0"/>
-              <a:t>11/3/2019</a:t>
+              <a:t>11/5/2019</a:t>
             </a:fld>
             <a:endParaRPr lang="en-US"/>
           </a:p>
@@ -3561,7 +3565,7 @@
           <a:p>
             <a:fld id="{3881C039-66A3-4640-815B-3B5A8B7D868D}" type="datetimeFigureOut">
               <a:rPr lang="en-US" smtClean="0"/>
-              <a:t>11/3/2019</a:t>
+              <a:t>11/5/2019</a:t>
             </a:fld>
             <a:endParaRPr lang="en-US"/>
           </a:p>
@@ -3842,7 +3846,7 @@
           <a:p>
             <a:fld id="{3881C039-66A3-4640-815B-3B5A8B7D868D}" type="datetimeFigureOut">
               <a:rPr lang="en-US" smtClean="0"/>
-              <a:t>11/3/2019</a:t>
+              <a:t>11/5/2019</a:t>
             </a:fld>
             <a:endParaRPr lang="en-US"/>
           </a:p>
@@ -7632,8 +7636,8 @@
           </a:effectLst>
         </p:spPr>
       </p:pic>
-      <mc:AlternateContent xmlns:mc="http://schemas.openxmlformats.org/markup-compatibility/2006">
-        <mc:Choice xmlns:a14="http://schemas.microsoft.com/office/drawing/2010/main" Requires="a14">
+      <mc:AlternateContent xmlns:mc="http://schemas.openxmlformats.org/markup-compatibility/2006" xmlns:a14="http://schemas.microsoft.com/office/drawing/2010/main">
+        <mc:Choice Requires="a14">
           <p:sp>
             <p:nvSpPr>
               <p:cNvPr id="8" name="TextBox 7">
@@ -7662,6 +7666,7 @@
               </a:bodyPr>
               <a:lstStyle/>
               <a:p>
+                <a:pPr/>
                 <a14:m>
                   <m:oMathPara xmlns:m="http://schemas.openxmlformats.org/officeDocument/2006/math">
                     <m:oMathParaPr>
@@ -7782,7 +7787,7 @@
             </p:txBody>
           </p:sp>
         </mc:Choice>
-        <mc:Fallback>
+        <mc:Fallback xmlns="">
           <p:sp>
             <p:nvSpPr>
               <p:cNvPr id="8" name="TextBox 7">
@@ -7827,8 +7832,8 @@
           </p:sp>
         </mc:Fallback>
       </mc:AlternateContent>
-      <mc:AlternateContent xmlns:mc="http://schemas.openxmlformats.org/markup-compatibility/2006">
-        <mc:Choice xmlns:a14="http://schemas.microsoft.com/office/drawing/2010/main" Requires="a14">
+      <mc:AlternateContent xmlns:mc="http://schemas.openxmlformats.org/markup-compatibility/2006" xmlns:a14="http://schemas.microsoft.com/office/drawing/2010/main">
+        <mc:Choice Requires="a14">
           <p:sp>
             <p:nvSpPr>
               <p:cNvPr id="10" name="TextBox 9">
@@ -7857,6 +7862,7 @@
               </a:bodyPr>
               <a:lstStyle/>
               <a:p>
+                <a:pPr/>
                 <a14:m>
                   <m:oMathPara xmlns:m="http://schemas.openxmlformats.org/officeDocument/2006/math">
                     <m:oMathParaPr>
@@ -7938,7 +7944,7 @@
             </p:txBody>
           </p:sp>
         </mc:Choice>
-        <mc:Fallback>
+        <mc:Fallback xmlns="">
           <p:sp>
             <p:nvSpPr>
               <p:cNvPr id="10" name="TextBox 9">
@@ -8173,8 +8179,8 @@
           </a:sp3d>
         </p:spPr>
       </p:pic>
-      <mc:AlternateContent xmlns:mc="http://schemas.openxmlformats.org/markup-compatibility/2006">
-        <mc:Choice xmlns:a14="http://schemas.microsoft.com/office/drawing/2010/main" Requires="a14">
+      <mc:AlternateContent xmlns:mc="http://schemas.openxmlformats.org/markup-compatibility/2006" xmlns:a14="http://schemas.microsoft.com/office/drawing/2010/main">
+        <mc:Choice Requires="a14">
           <p:sp>
             <p:nvSpPr>
               <p:cNvPr id="22" name="Subtitle 2">
@@ -8936,7 +8942,7 @@
             </p:txBody>
           </p:sp>
         </mc:Choice>
-        <mc:Fallback>
+        <mc:Fallback xmlns="">
           <p:sp>
             <p:nvSpPr>
               <p:cNvPr id="22" name="Subtitle 2">
@@ -9830,8 +9836,8 @@
           </a:effectLst>
         </p:spPr>
       </p:pic>
-      <mc:AlternateContent xmlns:mc="http://schemas.openxmlformats.org/markup-compatibility/2006">
-        <mc:Choice xmlns:a14="http://schemas.microsoft.com/office/drawing/2010/main" Requires="a14">
+      <mc:AlternateContent xmlns:mc="http://schemas.openxmlformats.org/markup-compatibility/2006" xmlns:a14="http://schemas.microsoft.com/office/drawing/2010/main">
+        <mc:Choice Requires="a14">
           <p:sp>
             <p:nvSpPr>
               <p:cNvPr id="7" name="TextBox 6">
@@ -9860,6 +9866,7 @@
               </a:bodyPr>
               <a:lstStyle/>
               <a:p>
+                <a:pPr/>
                 <a14:m>
                   <m:oMathPara xmlns:m="http://schemas.openxmlformats.org/officeDocument/2006/math">
                     <m:oMathParaPr>
@@ -9921,7 +9928,7 @@
             </p:txBody>
           </p:sp>
         </mc:Choice>
-        <mc:Fallback>
+        <mc:Fallback xmlns="">
           <p:sp>
             <p:nvSpPr>
               <p:cNvPr id="7" name="TextBox 6">
@@ -10952,8 +10959,8 @@
           </a:effectLst>
         </p:spPr>
       </p:pic>
-      <mc:AlternateContent xmlns:mc="http://schemas.openxmlformats.org/markup-compatibility/2006">
-        <mc:Choice xmlns:a14="http://schemas.microsoft.com/office/drawing/2010/main" Requires="a14">
+      <mc:AlternateContent xmlns:mc="http://schemas.openxmlformats.org/markup-compatibility/2006" xmlns:a14="http://schemas.microsoft.com/office/drawing/2010/main">
+        <mc:Choice Requires="a14">
           <p:sp>
             <p:nvSpPr>
               <p:cNvPr id="10" name="TextBox 9">
@@ -10982,6 +10989,7 @@
               </a:bodyPr>
               <a:lstStyle/>
               <a:p>
+                <a:pPr/>
                 <a14:m>
                   <m:oMathPara xmlns:m="http://schemas.openxmlformats.org/officeDocument/2006/math">
                     <m:oMathParaPr>
@@ -11068,7 +11076,7 @@
             </p:txBody>
           </p:sp>
         </mc:Choice>
-        <mc:Fallback>
+        <mc:Fallback xmlns="">
           <p:sp>
             <p:nvSpPr>
               <p:cNvPr id="10" name="TextBox 9">
@@ -11113,8 +11121,8 @@
           </p:sp>
         </mc:Fallback>
       </mc:AlternateContent>
-      <mc:AlternateContent xmlns:mc="http://schemas.openxmlformats.org/markup-compatibility/2006">
-        <mc:Choice xmlns:a14="http://schemas.microsoft.com/office/drawing/2010/main" Requires="a14">
+      <mc:AlternateContent xmlns:mc="http://schemas.openxmlformats.org/markup-compatibility/2006" xmlns:a14="http://schemas.microsoft.com/office/drawing/2010/main">
+        <mc:Choice Requires="a14">
           <p:sp>
             <p:nvSpPr>
               <p:cNvPr id="12" name="TextBox 11">
@@ -11143,6 +11151,7 @@
               </a:bodyPr>
               <a:lstStyle/>
               <a:p>
+                <a:pPr/>
                 <a14:m>
                   <m:oMathPara xmlns:m="http://schemas.openxmlformats.org/officeDocument/2006/math">
                     <m:oMathParaPr>
@@ -11229,7 +11238,7 @@
             </p:txBody>
           </p:sp>
         </mc:Choice>
-        <mc:Fallback>
+        <mc:Fallback xmlns="">
           <p:sp>
             <p:nvSpPr>
               <p:cNvPr id="12" name="TextBox 11">
@@ -11274,8 +11283,8 @@
           </p:sp>
         </mc:Fallback>
       </mc:AlternateContent>
-      <mc:AlternateContent xmlns:mc="http://schemas.openxmlformats.org/markup-compatibility/2006">
-        <mc:Choice xmlns:a14="http://schemas.microsoft.com/office/drawing/2010/main" Requires="a14">
+      <mc:AlternateContent xmlns:mc="http://schemas.openxmlformats.org/markup-compatibility/2006" xmlns:a14="http://schemas.microsoft.com/office/drawing/2010/main">
+        <mc:Choice Requires="a14">
           <p:sp>
             <p:nvSpPr>
               <p:cNvPr id="14" name="TextBox 13">
@@ -11304,6 +11313,7 @@
               </a:bodyPr>
               <a:lstStyle/>
               <a:p>
+                <a:pPr/>
                 <a14:m>
                   <m:oMathPara xmlns:m="http://schemas.openxmlformats.org/officeDocument/2006/math">
                     <m:oMathParaPr>
@@ -11428,7 +11438,7 @@
             </p:txBody>
           </p:sp>
         </mc:Choice>
-        <mc:Fallback>
+        <mc:Fallback xmlns="">
           <p:sp>
             <p:nvSpPr>
               <p:cNvPr id="14" name="TextBox 13">
@@ -11473,8 +11483,8 @@
           </p:sp>
         </mc:Fallback>
       </mc:AlternateContent>
-      <mc:AlternateContent xmlns:mc="http://schemas.openxmlformats.org/markup-compatibility/2006">
-        <mc:Choice xmlns:a14="http://schemas.microsoft.com/office/drawing/2010/main" Requires="a14">
+      <mc:AlternateContent xmlns:mc="http://schemas.openxmlformats.org/markup-compatibility/2006" xmlns:a14="http://schemas.microsoft.com/office/drawing/2010/main">
+        <mc:Choice Requires="a14">
           <p:sp>
             <p:nvSpPr>
               <p:cNvPr id="15" name="TextBox 14">
@@ -11503,6 +11513,7 @@
               </a:bodyPr>
               <a:lstStyle/>
               <a:p>
+                <a:pPr/>
                 <a14:m>
                   <m:oMathPara xmlns:m="http://schemas.openxmlformats.org/officeDocument/2006/math">
                     <m:oMathParaPr>
@@ -11738,7 +11749,7 @@
             </p:txBody>
           </p:sp>
         </mc:Choice>
-        <mc:Fallback>
+        <mc:Fallback xmlns="">
           <p:sp>
             <p:nvSpPr>
               <p:cNvPr id="15" name="TextBox 14">
@@ -11973,8 +11984,8 @@
           </a:sp3d>
         </p:spPr>
       </p:pic>
-      <mc:AlternateContent xmlns:mc="http://schemas.openxmlformats.org/markup-compatibility/2006">
-        <mc:Choice xmlns:a14="http://schemas.microsoft.com/office/drawing/2010/main" Requires="a14">
+      <mc:AlternateContent xmlns:mc="http://schemas.openxmlformats.org/markup-compatibility/2006" xmlns:a14="http://schemas.microsoft.com/office/drawing/2010/main">
+        <mc:Choice Requires="a14">
           <p:sp>
             <p:nvSpPr>
               <p:cNvPr id="22" name="Subtitle 2">
@@ -12793,31 +12804,7 @@
                         </a:solidFill>
                         <a:latin typeface="Cambria Math" panose="02040503050406030204" pitchFamily="18" charset="0"/>
                       </a:rPr>
-                      <m:t> −</m:t>
-                    </m:r>
-                    <m:r>
-                      <a:rPr lang="en-US" sz="2000" b="0" i="1" smtClean="0">
-                        <a:solidFill>
-                          <a:schemeClr val="accent5">
-                            <a:lumMod val="60000"/>
-                            <a:lumOff val="40000"/>
-                          </a:schemeClr>
-                        </a:solidFill>
-                        <a:latin typeface="Cambria Math" panose="02040503050406030204" pitchFamily="18" charset="0"/>
-                      </a:rPr>
-                      <m:t>10</m:t>
-                    </m:r>
-                    <m:r>
-                      <a:rPr lang="en-US" sz="2000" i="1">
-                        <a:solidFill>
-                          <a:schemeClr val="accent5">
-                            <a:lumMod val="60000"/>
-                            <a:lumOff val="40000"/>
-                          </a:schemeClr>
-                        </a:solidFill>
-                        <a:latin typeface="Cambria Math" panose="02040503050406030204" pitchFamily="18" charset="0"/>
-                      </a:rPr>
-                      <m:t>   /  </m:t>
+                      <m:t> −10   /  </m:t>
                     </m:r>
                     <m:r>
                       <a:rPr lang="en-US" sz="2000" i="1">
@@ -12841,19 +12828,7 @@
                         </a:solidFill>
                         <a:latin typeface="Cambria Math" panose="02040503050406030204" pitchFamily="18" charset="0"/>
                       </a:rPr>
-                      <m:t>+</m:t>
-                    </m:r>
-                    <m:r>
-                      <a:rPr lang="en-US" sz="2000" b="0" i="1" smtClean="0">
-                        <a:solidFill>
-                          <a:schemeClr val="accent5">
-                            <a:lumMod val="60000"/>
-                            <a:lumOff val="40000"/>
-                          </a:schemeClr>
-                        </a:solidFill>
-                        <a:latin typeface="Cambria Math" panose="02040503050406030204" pitchFamily="18" charset="0"/>
-                      </a:rPr>
-                      <m:t>10</m:t>
+                      <m:t>+10</m:t>
                     </m:r>
                   </m:oMath>
                 </a14:m>
@@ -12977,7 +12952,7 @@
             </p:txBody>
           </p:sp>
         </mc:Choice>
-        <mc:Fallback>
+        <mc:Fallback xmlns="">
           <p:sp>
             <p:nvSpPr>
               <p:cNvPr id="22" name="Subtitle 2">
@@ -14788,8 +14763,8 @@
           </a:effectLst>
         </p:spPr>
       </p:pic>
-      <mc:AlternateContent xmlns:mc="http://schemas.openxmlformats.org/markup-compatibility/2006">
-        <mc:Choice xmlns:a14="http://schemas.microsoft.com/office/drawing/2010/main" Requires="a14">
+      <mc:AlternateContent xmlns:mc="http://schemas.openxmlformats.org/markup-compatibility/2006" xmlns:a14="http://schemas.microsoft.com/office/drawing/2010/main">
+        <mc:Choice Requires="a14">
           <p:sp>
             <p:nvSpPr>
               <p:cNvPr id="12" name="TextBox 11">
@@ -14818,6 +14793,7 @@
               </a:bodyPr>
               <a:lstStyle/>
               <a:p>
+                <a:pPr/>
                 <a14:m>
                   <m:oMathPara xmlns:m="http://schemas.openxmlformats.org/officeDocument/2006/math">
                     <m:oMathParaPr>
@@ -14928,7 +14904,7 @@
             </p:txBody>
           </p:sp>
         </mc:Choice>
-        <mc:Fallback>
+        <mc:Fallback xmlns="">
           <p:sp>
             <p:nvSpPr>
               <p:cNvPr id="12" name="TextBox 11">
@@ -14973,8 +14949,8 @@
           </p:sp>
         </mc:Fallback>
       </mc:AlternateContent>
-      <mc:AlternateContent xmlns:mc="http://schemas.openxmlformats.org/markup-compatibility/2006">
-        <mc:Choice xmlns:a14="http://schemas.microsoft.com/office/drawing/2010/main" Requires="a14">
+      <mc:AlternateContent xmlns:mc="http://schemas.openxmlformats.org/markup-compatibility/2006" xmlns:a14="http://schemas.microsoft.com/office/drawing/2010/main">
+        <mc:Choice Requires="a14">
           <p:sp>
             <p:nvSpPr>
               <p:cNvPr id="17" name="TextBox 16">
@@ -15003,6 +14979,7 @@
               </a:bodyPr>
               <a:lstStyle/>
               <a:p>
+                <a:pPr/>
                 <a14:m>
                   <m:oMathPara xmlns:m="http://schemas.openxmlformats.org/officeDocument/2006/math">
                     <m:oMathParaPr>
@@ -15070,7 +15047,7 @@
             </p:txBody>
           </p:sp>
         </mc:Choice>
-        <mc:Fallback>
+        <mc:Fallback xmlns="">
           <p:sp>
             <p:nvSpPr>
               <p:cNvPr id="17" name="TextBox 16">
@@ -15115,8 +15092,8 @@
           </p:sp>
         </mc:Fallback>
       </mc:AlternateContent>
-      <mc:AlternateContent xmlns:mc="http://schemas.openxmlformats.org/markup-compatibility/2006">
-        <mc:Choice xmlns:a14="http://schemas.microsoft.com/office/drawing/2010/main" Requires="a14">
+      <mc:AlternateContent xmlns:mc="http://schemas.openxmlformats.org/markup-compatibility/2006" xmlns:a14="http://schemas.microsoft.com/office/drawing/2010/main">
+        <mc:Choice Requires="a14">
           <p:sp>
             <p:nvSpPr>
               <p:cNvPr id="18" name="TextBox 17">
@@ -15145,6 +15122,7 @@
               </a:bodyPr>
               <a:lstStyle/>
               <a:p>
+                <a:pPr/>
                 <a14:m>
                   <m:oMathPara xmlns:m="http://schemas.openxmlformats.org/officeDocument/2006/math">
                     <m:oMathParaPr>
@@ -15212,7 +15190,7 @@
             </p:txBody>
           </p:sp>
         </mc:Choice>
-        <mc:Fallback>
+        <mc:Fallback xmlns="">
           <p:sp>
             <p:nvSpPr>
               <p:cNvPr id="18" name="TextBox 17">
@@ -15257,8 +15235,8 @@
           </p:sp>
         </mc:Fallback>
       </mc:AlternateContent>
-      <mc:AlternateContent xmlns:mc="http://schemas.openxmlformats.org/markup-compatibility/2006">
-        <mc:Choice xmlns:a14="http://schemas.microsoft.com/office/drawing/2010/main" Requires="a14">
+      <mc:AlternateContent xmlns:mc="http://schemas.openxmlformats.org/markup-compatibility/2006" xmlns:a14="http://schemas.microsoft.com/office/drawing/2010/main">
+        <mc:Choice Requires="a14">
           <p:sp>
             <p:nvSpPr>
               <p:cNvPr id="19" name="TextBox 18">
@@ -15287,6 +15265,7 @@
               </a:bodyPr>
               <a:lstStyle/>
               <a:p>
+                <a:pPr/>
                 <a14:m>
                   <m:oMathPara xmlns:m="http://schemas.openxmlformats.org/officeDocument/2006/math">
                     <m:oMathParaPr>
@@ -15349,7 +15328,7 @@
             </p:txBody>
           </p:sp>
         </mc:Choice>
-        <mc:Fallback>
+        <mc:Fallback xmlns="">
           <p:sp>
             <p:nvSpPr>
               <p:cNvPr id="19" name="TextBox 18">
@@ -15408,6 +15387,4726 @@
 </file>
 
 <file path=ppt/slides/slide18.xml><?xml version="1.0" encoding="utf-8"?>
+<p:sld xmlns:a="http://schemas.openxmlformats.org/drawingml/2006/main" xmlns:r="http://schemas.openxmlformats.org/officeDocument/2006/relationships" xmlns:p="http://schemas.openxmlformats.org/presentationml/2006/main" showMasterSp="0">
+  <p:cSld>
+    <p:bg>
+      <p:bgPr>
+        <a:blipFill dpi="0" rotWithShape="1">
+          <a:blip r:embed="rId2">
+            <a:lum/>
+          </a:blip>
+          <a:srcRect/>
+          <a:tile tx="0" ty="0" sx="100000" sy="100000" flip="none" algn="tl"/>
+        </a:blipFill>
+        <a:effectLst/>
+      </p:bgPr>
+    </p:bg>
+    <p:spTree>
+      <p:nvGrpSpPr>
+        <p:cNvPr id="1" name=""/>
+        <p:cNvGrpSpPr/>
+        <p:nvPr/>
+      </p:nvGrpSpPr>
+      <p:grpSpPr>
+        <a:xfrm>
+          <a:off x="0" y="0"/>
+          <a:ext cx="0" cy="0"/>
+          <a:chOff x="0" y="0"/>
+          <a:chExt cx="0" cy="0"/>
+        </a:xfrm>
+      </p:grpSpPr>
+      <p:sp>
+        <p:nvSpPr>
+          <p:cNvPr id="9" name="Arrow: Chevron 8">
+            <a:extLst>
+              <a:ext uri="{FF2B5EF4-FFF2-40B4-BE49-F238E27FC236}">
+                <a16:creationId xmlns:a16="http://schemas.microsoft.com/office/drawing/2014/main" id="{24415BF9-56C9-403E-8BE8-95CC8185EFB1}"/>
+              </a:ext>
+            </a:extLst>
+          </p:cNvPr>
+          <p:cNvSpPr/>
+          <p:nvPr/>
+        </p:nvSpPr>
+        <p:spPr>
+          <a:xfrm rot="10800000">
+            <a:off x="2115070" y="336369"/>
+            <a:ext cx="10534129" cy="837148"/>
+          </a:xfrm>
+          <a:prstGeom prst="chevron">
+            <a:avLst/>
+          </a:prstGeom>
+        </p:spPr>
+        <p:style>
+          <a:lnRef idx="2">
+            <a:schemeClr val="accent2">
+              <a:shade val="50000"/>
+            </a:schemeClr>
+          </a:lnRef>
+          <a:fillRef idx="1">
+            <a:schemeClr val="accent2"/>
+          </a:fillRef>
+          <a:effectRef idx="0">
+            <a:schemeClr val="accent2"/>
+          </a:effectRef>
+          <a:fontRef idx="minor">
+            <a:schemeClr val="lt1"/>
+          </a:fontRef>
+        </p:style>
+        <p:txBody>
+          <a:bodyPr rtlCol="0" anchor="ctr"/>
+          <a:lstStyle/>
+          <a:p>
+            <a:pPr algn="ctr"/>
+            <a:endParaRPr lang="en-US">
+              <a:solidFill>
+                <a:schemeClr val="accent1">
+                  <a:lumMod val="75000"/>
+                </a:schemeClr>
+              </a:solidFill>
+            </a:endParaRPr>
+          </a:p>
+        </p:txBody>
+      </p:sp>
+      <p:sp>
+        <p:nvSpPr>
+          <p:cNvPr id="2" name="Title 1">
+            <a:extLst>
+              <a:ext uri="{FF2B5EF4-FFF2-40B4-BE49-F238E27FC236}">
+                <a16:creationId xmlns:a16="http://schemas.microsoft.com/office/drawing/2014/main" id="{9392CDF9-6C62-44DD-B489-EA9E8C54097A}"/>
+              </a:ext>
+            </a:extLst>
+          </p:cNvPr>
+          <p:cNvSpPr>
+            <a:spLocks noGrp="1"/>
+          </p:cNvSpPr>
+          <p:nvPr>
+            <p:ph type="title"/>
+          </p:nvPr>
+        </p:nvSpPr>
+        <p:spPr>
+          <a:xfrm>
+            <a:off x="2590799" y="0"/>
+            <a:ext cx="10058400" cy="1609344"/>
+          </a:xfrm>
+        </p:spPr>
+        <p:txBody>
+          <a:bodyPr>
+            <a:normAutofit/>
+          </a:bodyPr>
+          <a:lstStyle/>
+          <a:p>
+            <a:r>
+              <a:rPr lang="en-US" sz="4800" dirty="0">
+                <a:solidFill>
+                  <a:schemeClr val="bg2">
+                    <a:lumMod val="75000"/>
+                  </a:schemeClr>
+                </a:solidFill>
+                <a:latin typeface="Selawik Semibold" panose="020B0702040204020203" pitchFamily="34" charset="0"/>
+              </a:rPr>
+              <a:t>Freakonomics for bookies</a:t>
+            </a:r>
+          </a:p>
+        </p:txBody>
+      </p:sp>
+      <p:pic>
+        <p:nvPicPr>
+          <p:cNvPr id="21" name="Picture 20" descr="A picture containing drawing&#10;&#10;Description automatically generated">
+            <a:extLst>
+              <a:ext uri="{FF2B5EF4-FFF2-40B4-BE49-F238E27FC236}">
+                <a16:creationId xmlns:a16="http://schemas.microsoft.com/office/drawing/2014/main" id="{8EEF3E12-DB8E-44B9-9B4D-69802D584DAA}"/>
+              </a:ext>
+            </a:extLst>
+          </p:cNvPr>
+          <p:cNvPicPr>
+            <a:picLocks noChangeAspect="1"/>
+          </p:cNvPicPr>
+          <p:nvPr/>
+        </p:nvPicPr>
+        <p:blipFill>
+          <a:blip r:embed="rId3">
+            <a:alphaModFix amt="70000"/>
+            <a:extLst>
+              <a:ext uri="{28A0092B-C50C-407E-A947-70E740481C1C}">
+                <a14:useLocalDpi xmlns:a14="http://schemas.microsoft.com/office/drawing/2010/main" val="0"/>
+              </a:ext>
+            </a:extLst>
+          </a:blip>
+          <a:stretch>
+            <a:fillRect/>
+          </a:stretch>
+        </p:blipFill>
+        <p:spPr>
+          <a:xfrm>
+            <a:off x="9044865" y="5190564"/>
+            <a:ext cx="3057487" cy="1331067"/>
+          </a:xfrm>
+          <a:prstGeom prst="rect">
+            <a:avLst/>
+          </a:prstGeom>
+          <a:ln>
+            <a:noFill/>
+          </a:ln>
+          <a:effectLst>
+            <a:reflection blurRad="12700" stA="30000" endPos="30000" dist="5000" dir="5400000" sy="-100000" algn="bl" rotWithShape="0"/>
+          </a:effectLst>
+          <a:scene3d>
+            <a:camera prst="perspectiveContrastingLeftFacing">
+              <a:rot lat="300000" lon="19800000" rev="0"/>
+            </a:camera>
+            <a:lightRig rig="threePt" dir="t">
+              <a:rot lat="0" lon="0" rev="2700000"/>
+            </a:lightRig>
+          </a:scene3d>
+          <a:sp3d>
+            <a:bevelT w="63500" h="50800"/>
+          </a:sp3d>
+        </p:spPr>
+      </p:pic>
+      <p:sp>
+        <p:nvSpPr>
+          <p:cNvPr id="22" name="Subtitle 2">
+            <a:extLst>
+              <a:ext uri="{FF2B5EF4-FFF2-40B4-BE49-F238E27FC236}">
+                <a16:creationId xmlns:a16="http://schemas.microsoft.com/office/drawing/2014/main" id="{66F7651F-9E92-431E-8D7F-7A494EDA9257}"/>
+              </a:ext>
+            </a:extLst>
+          </p:cNvPr>
+          <p:cNvSpPr txBox="1">
+            <a:spLocks/>
+          </p:cNvSpPr>
+          <p:nvPr/>
+        </p:nvSpPr>
+        <p:spPr>
+          <a:xfrm>
+            <a:off x="2677457" y="1541441"/>
+            <a:ext cx="8723359" cy="5316559"/>
+          </a:xfrm>
+          <a:prstGeom prst="rect">
+            <a:avLst/>
+          </a:prstGeom>
+        </p:spPr>
+        <p:txBody>
+          <a:bodyPr vert="horz" lIns="91440" tIns="45720" rIns="91440" bIns="45720" rtlCol="0" anchor="t">
+            <a:normAutofit/>
+          </a:bodyPr>
+          <a:lstStyle>
+            <a:lvl1pPr marL="182880" indent="-182880" algn="l" defTabSz="914400" rtl="0" eaLnBrk="1" latinLnBrk="0" hangingPunct="1">
+              <a:lnSpc>
+                <a:spcPct val="90000"/>
+              </a:lnSpc>
+              <a:spcBef>
+                <a:spcPts val="1200"/>
+              </a:spcBef>
+              <a:buClr>
+                <a:schemeClr val="accent1">
+                  <a:lumMod val="75000"/>
+                </a:schemeClr>
+              </a:buClr>
+              <a:buSzPct val="85000"/>
+              <a:buFont typeface="Wingdings" pitchFamily="2" charset="2"/>
+              <a:buChar char="§"/>
+              <a:defRPr sz="2000" kern="1200">
+                <a:solidFill>
+                  <a:schemeClr val="tx1"/>
+                </a:solidFill>
+                <a:latin typeface="+mn-lt"/>
+                <a:ea typeface="+mn-ea"/>
+                <a:cs typeface="+mn-cs"/>
+              </a:defRPr>
+            </a:lvl1pPr>
+            <a:lvl2pPr marL="457200" indent="-182880" algn="l" defTabSz="914400" rtl="0" eaLnBrk="1" latinLnBrk="0" hangingPunct="1">
+              <a:lnSpc>
+                <a:spcPct val="90000"/>
+              </a:lnSpc>
+              <a:spcBef>
+                <a:spcPts val="400"/>
+              </a:spcBef>
+              <a:spcAft>
+                <a:spcPts val="200"/>
+              </a:spcAft>
+              <a:buClr>
+                <a:schemeClr val="accent1">
+                  <a:lumMod val="75000"/>
+                </a:schemeClr>
+              </a:buClr>
+              <a:buSzPct val="85000"/>
+              <a:buFont typeface="Wingdings" pitchFamily="2" charset="2"/>
+              <a:buChar char="§"/>
+              <a:defRPr sz="1800" kern="1200">
+                <a:solidFill>
+                  <a:schemeClr val="tx1"/>
+                </a:solidFill>
+                <a:latin typeface="+mn-lt"/>
+                <a:ea typeface="+mn-ea"/>
+                <a:cs typeface="+mn-cs"/>
+              </a:defRPr>
+            </a:lvl2pPr>
+            <a:lvl3pPr marL="731520" indent="-182880" algn="l" defTabSz="914400" rtl="0" eaLnBrk="1" latinLnBrk="0" hangingPunct="1">
+              <a:lnSpc>
+                <a:spcPct val="90000"/>
+              </a:lnSpc>
+              <a:spcBef>
+                <a:spcPts val="400"/>
+              </a:spcBef>
+              <a:spcAft>
+                <a:spcPts val="200"/>
+              </a:spcAft>
+              <a:buClr>
+                <a:schemeClr val="accent1">
+                  <a:lumMod val="75000"/>
+                </a:schemeClr>
+              </a:buClr>
+              <a:buSzPct val="85000"/>
+              <a:buFont typeface="Wingdings" pitchFamily="2" charset="2"/>
+              <a:buChar char="§"/>
+              <a:defRPr sz="1600" kern="1200">
+                <a:solidFill>
+                  <a:schemeClr val="tx1"/>
+                </a:solidFill>
+                <a:latin typeface="+mn-lt"/>
+                <a:ea typeface="+mn-ea"/>
+                <a:cs typeface="+mn-cs"/>
+              </a:defRPr>
+            </a:lvl3pPr>
+            <a:lvl4pPr marL="1005840" indent="-182880" algn="l" defTabSz="914400" rtl="0" eaLnBrk="1" latinLnBrk="0" hangingPunct="1">
+              <a:lnSpc>
+                <a:spcPct val="90000"/>
+              </a:lnSpc>
+              <a:spcBef>
+                <a:spcPts val="400"/>
+              </a:spcBef>
+              <a:spcAft>
+                <a:spcPts val="200"/>
+              </a:spcAft>
+              <a:buClr>
+                <a:schemeClr val="accent1">
+                  <a:lumMod val="75000"/>
+                </a:schemeClr>
+              </a:buClr>
+              <a:buSzPct val="85000"/>
+              <a:buFont typeface="Wingdings" pitchFamily="2" charset="2"/>
+              <a:buChar char="§"/>
+              <a:defRPr sz="1600" kern="1200">
+                <a:solidFill>
+                  <a:schemeClr val="tx1"/>
+                </a:solidFill>
+                <a:latin typeface="+mn-lt"/>
+                <a:ea typeface="+mn-ea"/>
+                <a:cs typeface="+mn-cs"/>
+              </a:defRPr>
+            </a:lvl4pPr>
+            <a:lvl5pPr marL="1280160" indent="-182880" algn="l" defTabSz="914400" rtl="0" eaLnBrk="1" latinLnBrk="0" hangingPunct="1">
+              <a:lnSpc>
+                <a:spcPct val="90000"/>
+              </a:lnSpc>
+              <a:spcBef>
+                <a:spcPts val="400"/>
+              </a:spcBef>
+              <a:spcAft>
+                <a:spcPts val="200"/>
+              </a:spcAft>
+              <a:buClr>
+                <a:schemeClr val="accent1">
+                  <a:lumMod val="75000"/>
+                </a:schemeClr>
+              </a:buClr>
+              <a:buSzPct val="85000"/>
+              <a:buFont typeface="Wingdings" pitchFamily="2" charset="2"/>
+              <a:buChar char="§"/>
+              <a:defRPr sz="1600" kern="1200">
+                <a:solidFill>
+                  <a:schemeClr val="tx1"/>
+                </a:solidFill>
+                <a:latin typeface="+mn-lt"/>
+                <a:ea typeface="+mn-ea"/>
+                <a:cs typeface="+mn-cs"/>
+              </a:defRPr>
+            </a:lvl5pPr>
+            <a:lvl6pPr marL="1600000" indent="-228600" algn="l" defTabSz="914400" rtl="0" eaLnBrk="1" latinLnBrk="0" hangingPunct="1">
+              <a:lnSpc>
+                <a:spcPct val="90000"/>
+              </a:lnSpc>
+              <a:spcBef>
+                <a:spcPts val="400"/>
+              </a:spcBef>
+              <a:spcAft>
+                <a:spcPts val="200"/>
+              </a:spcAft>
+              <a:buClr>
+                <a:schemeClr val="accent1">
+                  <a:lumMod val="75000"/>
+                </a:schemeClr>
+              </a:buClr>
+              <a:buSzPct val="85000"/>
+              <a:buFont typeface="Wingdings" pitchFamily="2" charset="2"/>
+              <a:buChar char="§"/>
+              <a:defRPr sz="1600" kern="1200">
+                <a:solidFill>
+                  <a:schemeClr val="tx1"/>
+                </a:solidFill>
+                <a:latin typeface="+mn-lt"/>
+                <a:ea typeface="+mn-ea"/>
+                <a:cs typeface="+mn-cs"/>
+              </a:defRPr>
+            </a:lvl6pPr>
+            <a:lvl7pPr marL="1900000" indent="-228600" algn="l" defTabSz="914400" rtl="0" eaLnBrk="1" latinLnBrk="0" hangingPunct="1">
+              <a:lnSpc>
+                <a:spcPct val="90000"/>
+              </a:lnSpc>
+              <a:spcBef>
+                <a:spcPts val="400"/>
+              </a:spcBef>
+              <a:spcAft>
+                <a:spcPts val="200"/>
+              </a:spcAft>
+              <a:buClr>
+                <a:schemeClr val="accent1">
+                  <a:lumMod val="75000"/>
+                </a:schemeClr>
+              </a:buClr>
+              <a:buSzPct val="85000"/>
+              <a:buFont typeface="Wingdings" pitchFamily="2" charset="2"/>
+              <a:buChar char="§"/>
+              <a:defRPr sz="1600" kern="1200">
+                <a:solidFill>
+                  <a:schemeClr val="tx1"/>
+                </a:solidFill>
+                <a:latin typeface="+mn-lt"/>
+                <a:ea typeface="+mn-ea"/>
+                <a:cs typeface="+mn-cs"/>
+              </a:defRPr>
+            </a:lvl7pPr>
+            <a:lvl8pPr marL="2200000" indent="-228600" algn="l" defTabSz="914400" rtl="0" eaLnBrk="1" latinLnBrk="0" hangingPunct="1">
+              <a:lnSpc>
+                <a:spcPct val="90000"/>
+              </a:lnSpc>
+              <a:spcBef>
+                <a:spcPts val="400"/>
+              </a:spcBef>
+              <a:spcAft>
+                <a:spcPts val="200"/>
+              </a:spcAft>
+              <a:buClr>
+                <a:schemeClr val="accent1">
+                  <a:lumMod val="75000"/>
+                </a:schemeClr>
+              </a:buClr>
+              <a:buSzPct val="85000"/>
+              <a:buFont typeface="Wingdings" pitchFamily="2" charset="2"/>
+              <a:buChar char="§"/>
+              <a:defRPr sz="1600" kern="1200">
+                <a:solidFill>
+                  <a:schemeClr val="tx1"/>
+                </a:solidFill>
+                <a:latin typeface="+mn-lt"/>
+                <a:ea typeface="+mn-ea"/>
+                <a:cs typeface="+mn-cs"/>
+              </a:defRPr>
+            </a:lvl8pPr>
+            <a:lvl9pPr marL="2500000" indent="-228600" algn="l" defTabSz="914400" rtl="0" eaLnBrk="1" latinLnBrk="0" hangingPunct="1">
+              <a:lnSpc>
+                <a:spcPct val="90000"/>
+              </a:lnSpc>
+              <a:spcBef>
+                <a:spcPts val="400"/>
+              </a:spcBef>
+              <a:spcAft>
+                <a:spcPts val="200"/>
+              </a:spcAft>
+              <a:buClr>
+                <a:schemeClr val="accent1">
+                  <a:lumMod val="75000"/>
+                </a:schemeClr>
+              </a:buClr>
+              <a:buSzPct val="85000"/>
+              <a:buFont typeface="Wingdings" pitchFamily="2" charset="2"/>
+              <a:buChar char="§"/>
+              <a:defRPr sz="1600" kern="1200">
+                <a:solidFill>
+                  <a:schemeClr val="tx1"/>
+                </a:solidFill>
+                <a:latin typeface="+mn-lt"/>
+                <a:ea typeface="+mn-ea"/>
+                <a:cs typeface="+mn-cs"/>
+              </a:defRPr>
+            </a:lvl9pPr>
+          </a:lstStyle>
+          <a:p>
+            <a:pPr>
+              <a:buClr>
+                <a:schemeClr val="bg2">
+                  <a:lumMod val="90000"/>
+                </a:schemeClr>
+              </a:buClr>
+              <a:buSzPct val="100000"/>
+            </a:pPr>
+            <a:r>
+              <a:rPr lang="en-US" sz="2400" dirty="0">
+                <a:solidFill>
+                  <a:schemeClr val="accent5">
+                    <a:lumMod val="60000"/>
+                    <a:lumOff val="40000"/>
+                  </a:schemeClr>
+                </a:solidFill>
+                <a:latin typeface="Selawik Semibold" panose="020B0702040204020203" pitchFamily="34" charset="0"/>
+              </a:rPr>
+              <a:t>Steven Levitt</a:t>
+            </a:r>
+          </a:p>
+          <a:p>
+            <a:pPr lvl="1">
+              <a:buClr>
+                <a:schemeClr val="bg2">
+                  <a:lumMod val="90000"/>
+                </a:schemeClr>
+              </a:buClr>
+              <a:buSzPct val="100000"/>
+            </a:pPr>
+            <a:r>
+              <a:rPr lang="en-US" sz="2000" dirty="0">
+                <a:solidFill>
+                  <a:schemeClr val="accent5">
+                    <a:lumMod val="60000"/>
+                    <a:lumOff val="40000"/>
+                  </a:schemeClr>
+                </a:solidFill>
+                <a:latin typeface="Selawik Semibold" panose="020B0702040204020203" pitchFamily="34" charset="0"/>
+              </a:rPr>
+              <a:t>Famous for </a:t>
+            </a:r>
+            <a:r>
+              <a:rPr lang="en-US" sz="2000" i="1" dirty="0">
+                <a:solidFill>
+                  <a:schemeClr val="accent5">
+                    <a:lumMod val="60000"/>
+                    <a:lumOff val="40000"/>
+                  </a:schemeClr>
+                </a:solidFill>
+                <a:latin typeface="Selawik Semibold" panose="020B0702040204020203" pitchFamily="34" charset="0"/>
+              </a:rPr>
+              <a:t>Freakonomics</a:t>
+            </a:r>
+          </a:p>
+          <a:p>
+            <a:pPr lvl="1">
+              <a:buClr>
+                <a:schemeClr val="bg2">
+                  <a:lumMod val="90000"/>
+                </a:schemeClr>
+              </a:buClr>
+              <a:buSzPct val="100000"/>
+            </a:pPr>
+            <a:r>
+              <a:rPr lang="en-US" sz="2000" dirty="0">
+                <a:solidFill>
+                  <a:schemeClr val="accent5">
+                    <a:lumMod val="60000"/>
+                    <a:lumOff val="40000"/>
+                  </a:schemeClr>
+                </a:solidFill>
+                <a:latin typeface="Selawik Semibold" panose="020B0702040204020203" pitchFamily="34" charset="0"/>
+              </a:rPr>
+              <a:t>Showed Bookmakers Can Get a Profit Exceeding 4.5% Per Dollar Bet</a:t>
+            </a:r>
+          </a:p>
+          <a:p>
+            <a:pPr lvl="1">
+              <a:buClr>
+                <a:schemeClr val="bg2">
+                  <a:lumMod val="90000"/>
+                </a:schemeClr>
+              </a:buClr>
+              <a:buSzPct val="100000"/>
+            </a:pPr>
+            <a:r>
+              <a:rPr lang="en-US" sz="2000" dirty="0">
+                <a:solidFill>
+                  <a:schemeClr val="accent5">
+                    <a:lumMod val="60000"/>
+                    <a:lumOff val="40000"/>
+                  </a:schemeClr>
+                </a:solidFill>
+                <a:latin typeface="Selawik Semibold" panose="020B0702040204020203" pitchFamily="34" charset="0"/>
+              </a:rPr>
+              <a:t>People Believe Bookmakers Try to Set “Prices” So Half on Both Sides</a:t>
+            </a:r>
+          </a:p>
+          <a:p>
+            <a:pPr lvl="1">
+              <a:buClr>
+                <a:schemeClr val="bg2">
+                  <a:lumMod val="90000"/>
+                </a:schemeClr>
+              </a:buClr>
+              <a:buSzPct val="100000"/>
+            </a:pPr>
+            <a:r>
+              <a:rPr lang="en-US" sz="2000" dirty="0">
+                <a:solidFill>
+                  <a:schemeClr val="accent5">
+                    <a:lumMod val="60000"/>
+                    <a:lumOff val="40000"/>
+                  </a:schemeClr>
+                </a:solidFill>
+                <a:latin typeface="Selawik Semibold" panose="020B0702040204020203" pitchFamily="34" charset="0"/>
+              </a:rPr>
+              <a:t>NFL Data Shows Contradiction to This Notion</a:t>
+            </a:r>
+          </a:p>
+          <a:p>
+            <a:pPr lvl="1">
+              <a:buClr>
+                <a:schemeClr val="bg2">
+                  <a:lumMod val="90000"/>
+                </a:schemeClr>
+              </a:buClr>
+              <a:buSzPct val="100000"/>
+            </a:pPr>
+            <a:r>
+              <a:rPr lang="en-US" sz="2000" dirty="0">
+                <a:solidFill>
+                  <a:schemeClr val="accent5">
+                    <a:lumMod val="60000"/>
+                    <a:lumOff val="40000"/>
+                  </a:schemeClr>
+                </a:solidFill>
+                <a:latin typeface="Selawik Semibold" panose="020B0702040204020203" pitchFamily="34" charset="0"/>
+              </a:rPr>
+              <a:t>½ of Games Have Uneven Split of Bets</a:t>
+            </a:r>
+          </a:p>
+          <a:p>
+            <a:pPr lvl="1">
+              <a:buClr>
+                <a:schemeClr val="bg2">
+                  <a:lumMod val="90000"/>
+                </a:schemeClr>
+              </a:buClr>
+              <a:buSzPct val="100000"/>
+            </a:pPr>
+            <a:r>
+              <a:rPr lang="en-US" sz="2000" dirty="0">
+                <a:solidFill>
+                  <a:schemeClr val="accent5">
+                    <a:lumMod val="60000"/>
+                    <a:lumOff val="40000"/>
+                  </a:schemeClr>
+                </a:solidFill>
+                <a:latin typeface="Selawik Semibold" panose="020B0702040204020203" pitchFamily="34" charset="0"/>
+              </a:rPr>
+              <a:t>Specifically Seen in Games Where Home Team is Underdog</a:t>
+            </a:r>
+          </a:p>
+          <a:p>
+            <a:pPr lvl="1">
+              <a:buClr>
+                <a:schemeClr val="bg2">
+                  <a:lumMod val="90000"/>
+                </a:schemeClr>
+              </a:buClr>
+              <a:buSzPct val="100000"/>
+            </a:pPr>
+            <a:r>
+              <a:rPr lang="en-US" sz="2000" dirty="0">
+                <a:solidFill>
+                  <a:schemeClr val="accent5">
+                    <a:lumMod val="60000"/>
+                    <a:lumOff val="40000"/>
+                  </a:schemeClr>
+                </a:solidFill>
+                <a:latin typeface="Selawik Semibold" panose="020B0702040204020203" pitchFamily="34" charset="0"/>
+              </a:rPr>
+              <a:t>Most Wagers on Visiting Team In These Cases</a:t>
+            </a:r>
+          </a:p>
+          <a:p>
+            <a:pPr lvl="1">
+              <a:buClr>
+                <a:schemeClr val="bg2">
+                  <a:lumMod val="90000"/>
+                </a:schemeClr>
+              </a:buClr>
+              <a:buSzPct val="100000"/>
+            </a:pPr>
+            <a:r>
+              <a:rPr lang="en-US" sz="2000" dirty="0">
+                <a:solidFill>
+                  <a:schemeClr val="accent5">
+                    <a:lumMod val="60000"/>
+                    <a:lumOff val="40000"/>
+                  </a:schemeClr>
+                </a:solidFill>
+                <a:latin typeface="Selawik Semibold" panose="020B0702040204020203" pitchFamily="34" charset="0"/>
+              </a:rPr>
+              <a:t>Bookmakers Set Unfair Spreads to Exploit Systematic Biases</a:t>
+            </a:r>
+          </a:p>
+          <a:p>
+            <a:pPr lvl="2">
+              <a:buClr>
+                <a:schemeClr val="bg2">
+                  <a:lumMod val="90000"/>
+                </a:schemeClr>
+              </a:buClr>
+              <a:buSzPct val="100000"/>
+            </a:pPr>
+            <a:r>
+              <a:rPr lang="en-US" sz="1800" dirty="0">
+                <a:solidFill>
+                  <a:schemeClr val="accent5">
+                    <a:lumMod val="60000"/>
+                    <a:lumOff val="40000"/>
+                  </a:schemeClr>
+                </a:solidFill>
+                <a:latin typeface="Selawik Semibold" panose="020B0702040204020203" pitchFamily="34" charset="0"/>
+              </a:rPr>
+              <a:t>Bias Toward Favorites</a:t>
+            </a:r>
+          </a:p>
+          <a:p>
+            <a:pPr lvl="2">
+              <a:buClr>
+                <a:schemeClr val="bg2">
+                  <a:lumMod val="90000"/>
+                </a:schemeClr>
+              </a:buClr>
+              <a:buSzPct val="100000"/>
+            </a:pPr>
+            <a:r>
+              <a:rPr lang="en-US" sz="1800" dirty="0">
+                <a:solidFill>
+                  <a:schemeClr val="accent5">
+                    <a:lumMod val="60000"/>
+                    <a:lumOff val="40000"/>
+                  </a:schemeClr>
+                </a:solidFill>
+                <a:latin typeface="Selawik Semibold" panose="020B0702040204020203" pitchFamily="34" charset="0"/>
+              </a:rPr>
+              <a:t>Bias Toward Visiting Teams</a:t>
+            </a:r>
+          </a:p>
+          <a:p>
+            <a:pPr lvl="1">
+              <a:buClr>
+                <a:schemeClr val="bg2">
+                  <a:lumMod val="90000"/>
+                </a:schemeClr>
+              </a:buClr>
+              <a:buSzPct val="100000"/>
+            </a:pPr>
+            <a:r>
+              <a:rPr lang="en-US" sz="2000" dirty="0">
+                <a:solidFill>
+                  <a:schemeClr val="accent5">
+                    <a:lumMod val="60000"/>
+                    <a:lumOff val="40000"/>
+                  </a:schemeClr>
+                </a:solidFill>
+                <a:latin typeface="Selawik Semibold" panose="020B0702040204020203" pitchFamily="34" charset="0"/>
+              </a:rPr>
+              <a:t>Bookmakers are Gambling With Gamblers</a:t>
+            </a:r>
+          </a:p>
+          <a:p>
+            <a:pPr lvl="2">
+              <a:buClr>
+                <a:schemeClr val="bg2">
+                  <a:lumMod val="90000"/>
+                </a:schemeClr>
+              </a:buClr>
+              <a:buSzPct val="100000"/>
+            </a:pPr>
+            <a:endParaRPr lang="en-US" sz="2000" dirty="0">
+              <a:solidFill>
+                <a:schemeClr val="accent5">
+                  <a:lumMod val="60000"/>
+                  <a:lumOff val="40000"/>
+                </a:schemeClr>
+              </a:solidFill>
+              <a:latin typeface="Selawik Semibold" panose="020B0702040204020203" pitchFamily="34" charset="0"/>
+            </a:endParaRPr>
+          </a:p>
+        </p:txBody>
+      </p:sp>
+      <p:pic>
+        <p:nvPicPr>
+          <p:cNvPr id="5" name="Content Placeholder 4" descr="A picture containing banana, sitting, yellow&#10;&#10;Description automatically generated">
+            <a:extLst>
+              <a:ext uri="{FF2B5EF4-FFF2-40B4-BE49-F238E27FC236}">
+                <a16:creationId xmlns:a16="http://schemas.microsoft.com/office/drawing/2014/main" id="{9F9AFDF2-6918-4AB4-A081-4ACBF234EB6E}"/>
+              </a:ext>
+            </a:extLst>
+          </p:cNvPr>
+          <p:cNvPicPr>
+            <a:picLocks noGrp="1" noChangeAspect="1"/>
+          </p:cNvPicPr>
+          <p:nvPr>
+            <p:ph idx="1"/>
+          </p:nvPr>
+        </p:nvPicPr>
+        <p:blipFill>
+          <a:blip r:embed="rId4">
+            <a:alphaModFix amt="69000"/>
+            <a:extLst>
+              <a:ext uri="{28A0092B-C50C-407E-A947-70E740481C1C}">
+                <a14:useLocalDpi xmlns:a14="http://schemas.microsoft.com/office/drawing/2010/main" val="0"/>
+              </a:ext>
+            </a:extLst>
+          </a:blip>
+          <a:stretch>
+            <a:fillRect/>
+          </a:stretch>
+        </p:blipFill>
+        <p:spPr>
+          <a:xfrm>
+            <a:off x="-4045184" y="-235089"/>
+            <a:ext cx="5823184" cy="7570140"/>
+          </a:xfrm>
+          <a:prstGeom prst="rect">
+            <a:avLst/>
+          </a:prstGeom>
+          <a:ln>
+            <a:noFill/>
+          </a:ln>
+          <a:effectLst>
+            <a:softEdge rad="112500"/>
+          </a:effectLst>
+        </p:spPr>
+      </p:pic>
+    </p:spTree>
+    <p:extLst>
+      <p:ext uri="{BB962C8B-B14F-4D97-AF65-F5344CB8AC3E}">
+        <p14:creationId xmlns:p14="http://schemas.microsoft.com/office/powerpoint/2010/main" val="1142575392"/>
+      </p:ext>
+    </p:extLst>
+  </p:cSld>
+  <p:clrMapOvr>
+    <a:masterClrMapping/>
+  </p:clrMapOvr>
+</p:sld>
+</file>
+
+<file path=ppt/slides/slide19.xml><?xml version="1.0" encoding="utf-8"?>
+<p:sld xmlns:a="http://schemas.openxmlformats.org/drawingml/2006/main" xmlns:r="http://schemas.openxmlformats.org/officeDocument/2006/relationships" xmlns:p="http://schemas.openxmlformats.org/presentationml/2006/main" showMasterSp="0">
+  <p:cSld>
+    <p:bg>
+      <p:bgPr>
+        <a:blipFill dpi="0" rotWithShape="1">
+          <a:blip r:embed="rId2">
+            <a:lum/>
+          </a:blip>
+          <a:srcRect/>
+          <a:tile tx="0" ty="0" sx="100000" sy="100000" flip="none" algn="tl"/>
+        </a:blipFill>
+        <a:effectLst/>
+      </p:bgPr>
+    </p:bg>
+    <p:spTree>
+      <p:nvGrpSpPr>
+        <p:cNvPr id="1" name=""/>
+        <p:cNvGrpSpPr/>
+        <p:nvPr/>
+      </p:nvGrpSpPr>
+      <p:grpSpPr>
+        <a:xfrm>
+          <a:off x="0" y="0"/>
+          <a:ext cx="0" cy="0"/>
+          <a:chOff x="0" y="0"/>
+          <a:chExt cx="0" cy="0"/>
+        </a:xfrm>
+      </p:grpSpPr>
+      <p:sp>
+        <p:nvSpPr>
+          <p:cNvPr id="9" name="Arrow: Chevron 8">
+            <a:extLst>
+              <a:ext uri="{FF2B5EF4-FFF2-40B4-BE49-F238E27FC236}">
+                <a16:creationId xmlns:a16="http://schemas.microsoft.com/office/drawing/2014/main" id="{24415BF9-56C9-403E-8BE8-95CC8185EFB1}"/>
+              </a:ext>
+            </a:extLst>
+          </p:cNvPr>
+          <p:cNvSpPr/>
+          <p:nvPr/>
+        </p:nvSpPr>
+        <p:spPr>
+          <a:xfrm rot="10800000">
+            <a:off x="2115070" y="336369"/>
+            <a:ext cx="10534129" cy="837148"/>
+          </a:xfrm>
+          <a:prstGeom prst="chevron">
+            <a:avLst/>
+          </a:prstGeom>
+        </p:spPr>
+        <p:style>
+          <a:lnRef idx="2">
+            <a:schemeClr val="accent2">
+              <a:shade val="50000"/>
+            </a:schemeClr>
+          </a:lnRef>
+          <a:fillRef idx="1">
+            <a:schemeClr val="accent2"/>
+          </a:fillRef>
+          <a:effectRef idx="0">
+            <a:schemeClr val="accent2"/>
+          </a:effectRef>
+          <a:fontRef idx="minor">
+            <a:schemeClr val="lt1"/>
+          </a:fontRef>
+        </p:style>
+        <p:txBody>
+          <a:bodyPr rtlCol="0" anchor="ctr"/>
+          <a:lstStyle/>
+          <a:p>
+            <a:pPr algn="ctr"/>
+            <a:endParaRPr lang="en-US">
+              <a:solidFill>
+                <a:schemeClr val="accent1">
+                  <a:lumMod val="75000"/>
+                </a:schemeClr>
+              </a:solidFill>
+            </a:endParaRPr>
+          </a:p>
+        </p:txBody>
+      </p:sp>
+      <p:sp>
+        <p:nvSpPr>
+          <p:cNvPr id="2" name="Title 1">
+            <a:extLst>
+              <a:ext uri="{FF2B5EF4-FFF2-40B4-BE49-F238E27FC236}">
+                <a16:creationId xmlns:a16="http://schemas.microsoft.com/office/drawing/2014/main" id="{9392CDF9-6C62-44DD-B489-EA9E8C54097A}"/>
+              </a:ext>
+            </a:extLst>
+          </p:cNvPr>
+          <p:cNvSpPr>
+            <a:spLocks noGrp="1"/>
+          </p:cNvSpPr>
+          <p:nvPr>
+            <p:ph type="title"/>
+          </p:nvPr>
+        </p:nvSpPr>
+        <p:spPr>
+          <a:xfrm>
+            <a:off x="2590799" y="0"/>
+            <a:ext cx="10058400" cy="1609344"/>
+          </a:xfrm>
+        </p:spPr>
+        <p:txBody>
+          <a:bodyPr>
+            <a:normAutofit/>
+          </a:bodyPr>
+          <a:lstStyle/>
+          <a:p>
+            <a:r>
+              <a:rPr lang="en-US" sz="4800" dirty="0">
+                <a:solidFill>
+                  <a:schemeClr val="bg2">
+                    <a:lumMod val="75000"/>
+                  </a:schemeClr>
+                </a:solidFill>
+                <a:latin typeface="Selawik Semibold" panose="020B0702040204020203" pitchFamily="34" charset="0"/>
+              </a:rPr>
+              <a:t>Freakonomics for bookies</a:t>
+            </a:r>
+          </a:p>
+        </p:txBody>
+      </p:sp>
+      <p:pic>
+        <p:nvPicPr>
+          <p:cNvPr id="21" name="Picture 20" descr="A picture containing drawing&#10;&#10;Description automatically generated">
+            <a:extLst>
+              <a:ext uri="{FF2B5EF4-FFF2-40B4-BE49-F238E27FC236}">
+                <a16:creationId xmlns:a16="http://schemas.microsoft.com/office/drawing/2014/main" id="{8EEF3E12-DB8E-44B9-9B4D-69802D584DAA}"/>
+              </a:ext>
+            </a:extLst>
+          </p:cNvPr>
+          <p:cNvPicPr>
+            <a:picLocks noChangeAspect="1"/>
+          </p:cNvPicPr>
+          <p:nvPr/>
+        </p:nvPicPr>
+        <p:blipFill>
+          <a:blip r:embed="rId3">
+            <a:alphaModFix amt="70000"/>
+            <a:extLst>
+              <a:ext uri="{28A0092B-C50C-407E-A947-70E740481C1C}">
+                <a14:useLocalDpi xmlns:a14="http://schemas.microsoft.com/office/drawing/2010/main" val="0"/>
+              </a:ext>
+            </a:extLst>
+          </a:blip>
+          <a:stretch>
+            <a:fillRect/>
+          </a:stretch>
+        </p:blipFill>
+        <p:spPr>
+          <a:xfrm>
+            <a:off x="9044865" y="5190564"/>
+            <a:ext cx="3057487" cy="1331067"/>
+          </a:xfrm>
+          <a:prstGeom prst="rect">
+            <a:avLst/>
+          </a:prstGeom>
+          <a:ln>
+            <a:noFill/>
+          </a:ln>
+          <a:effectLst>
+            <a:reflection blurRad="12700" stA="30000" endPos="30000" dist="5000" dir="5400000" sy="-100000" algn="bl" rotWithShape="0"/>
+          </a:effectLst>
+          <a:scene3d>
+            <a:camera prst="perspectiveContrastingLeftFacing">
+              <a:rot lat="300000" lon="19800000" rev="0"/>
+            </a:camera>
+            <a:lightRig rig="threePt" dir="t">
+              <a:rot lat="0" lon="0" rev="2700000"/>
+            </a:lightRig>
+          </a:scene3d>
+          <a:sp3d>
+            <a:bevelT w="63500" h="50800"/>
+          </a:sp3d>
+        </p:spPr>
+      </p:pic>
+      <p:sp>
+        <p:nvSpPr>
+          <p:cNvPr id="22" name="Subtitle 2">
+            <a:extLst>
+              <a:ext uri="{FF2B5EF4-FFF2-40B4-BE49-F238E27FC236}">
+                <a16:creationId xmlns:a16="http://schemas.microsoft.com/office/drawing/2014/main" id="{66F7651F-9E92-431E-8D7F-7A494EDA9257}"/>
+              </a:ext>
+            </a:extLst>
+          </p:cNvPr>
+          <p:cNvSpPr txBox="1">
+            <a:spLocks/>
+          </p:cNvSpPr>
+          <p:nvPr/>
+        </p:nvSpPr>
+        <p:spPr>
+          <a:xfrm>
+            <a:off x="2677458" y="1541441"/>
+            <a:ext cx="6923743" cy="5316559"/>
+          </a:xfrm>
+          <a:prstGeom prst="rect">
+            <a:avLst/>
+          </a:prstGeom>
+        </p:spPr>
+        <p:txBody>
+          <a:bodyPr vert="horz" lIns="91440" tIns="45720" rIns="91440" bIns="45720" rtlCol="0" anchor="t">
+            <a:normAutofit/>
+          </a:bodyPr>
+          <a:lstStyle>
+            <a:lvl1pPr marL="182880" indent="-182880" algn="l" defTabSz="914400" rtl="0" eaLnBrk="1" latinLnBrk="0" hangingPunct="1">
+              <a:lnSpc>
+                <a:spcPct val="90000"/>
+              </a:lnSpc>
+              <a:spcBef>
+                <a:spcPts val="1200"/>
+              </a:spcBef>
+              <a:buClr>
+                <a:schemeClr val="accent1">
+                  <a:lumMod val="75000"/>
+                </a:schemeClr>
+              </a:buClr>
+              <a:buSzPct val="85000"/>
+              <a:buFont typeface="Wingdings" pitchFamily="2" charset="2"/>
+              <a:buChar char="§"/>
+              <a:defRPr sz="2000" kern="1200">
+                <a:solidFill>
+                  <a:schemeClr val="tx1"/>
+                </a:solidFill>
+                <a:latin typeface="+mn-lt"/>
+                <a:ea typeface="+mn-ea"/>
+                <a:cs typeface="+mn-cs"/>
+              </a:defRPr>
+            </a:lvl1pPr>
+            <a:lvl2pPr marL="457200" indent="-182880" algn="l" defTabSz="914400" rtl="0" eaLnBrk="1" latinLnBrk="0" hangingPunct="1">
+              <a:lnSpc>
+                <a:spcPct val="90000"/>
+              </a:lnSpc>
+              <a:spcBef>
+                <a:spcPts val="400"/>
+              </a:spcBef>
+              <a:spcAft>
+                <a:spcPts val="200"/>
+              </a:spcAft>
+              <a:buClr>
+                <a:schemeClr val="accent1">
+                  <a:lumMod val="75000"/>
+                </a:schemeClr>
+              </a:buClr>
+              <a:buSzPct val="85000"/>
+              <a:buFont typeface="Wingdings" pitchFamily="2" charset="2"/>
+              <a:buChar char="§"/>
+              <a:defRPr sz="1800" kern="1200">
+                <a:solidFill>
+                  <a:schemeClr val="tx1"/>
+                </a:solidFill>
+                <a:latin typeface="+mn-lt"/>
+                <a:ea typeface="+mn-ea"/>
+                <a:cs typeface="+mn-cs"/>
+              </a:defRPr>
+            </a:lvl2pPr>
+            <a:lvl3pPr marL="731520" indent="-182880" algn="l" defTabSz="914400" rtl="0" eaLnBrk="1" latinLnBrk="0" hangingPunct="1">
+              <a:lnSpc>
+                <a:spcPct val="90000"/>
+              </a:lnSpc>
+              <a:spcBef>
+                <a:spcPts val="400"/>
+              </a:spcBef>
+              <a:spcAft>
+                <a:spcPts val="200"/>
+              </a:spcAft>
+              <a:buClr>
+                <a:schemeClr val="accent1">
+                  <a:lumMod val="75000"/>
+                </a:schemeClr>
+              </a:buClr>
+              <a:buSzPct val="85000"/>
+              <a:buFont typeface="Wingdings" pitchFamily="2" charset="2"/>
+              <a:buChar char="§"/>
+              <a:defRPr sz="1600" kern="1200">
+                <a:solidFill>
+                  <a:schemeClr val="tx1"/>
+                </a:solidFill>
+                <a:latin typeface="+mn-lt"/>
+                <a:ea typeface="+mn-ea"/>
+                <a:cs typeface="+mn-cs"/>
+              </a:defRPr>
+            </a:lvl3pPr>
+            <a:lvl4pPr marL="1005840" indent="-182880" algn="l" defTabSz="914400" rtl="0" eaLnBrk="1" latinLnBrk="0" hangingPunct="1">
+              <a:lnSpc>
+                <a:spcPct val="90000"/>
+              </a:lnSpc>
+              <a:spcBef>
+                <a:spcPts val="400"/>
+              </a:spcBef>
+              <a:spcAft>
+                <a:spcPts val="200"/>
+              </a:spcAft>
+              <a:buClr>
+                <a:schemeClr val="accent1">
+                  <a:lumMod val="75000"/>
+                </a:schemeClr>
+              </a:buClr>
+              <a:buSzPct val="85000"/>
+              <a:buFont typeface="Wingdings" pitchFamily="2" charset="2"/>
+              <a:buChar char="§"/>
+              <a:defRPr sz="1600" kern="1200">
+                <a:solidFill>
+                  <a:schemeClr val="tx1"/>
+                </a:solidFill>
+                <a:latin typeface="+mn-lt"/>
+                <a:ea typeface="+mn-ea"/>
+                <a:cs typeface="+mn-cs"/>
+              </a:defRPr>
+            </a:lvl4pPr>
+            <a:lvl5pPr marL="1280160" indent="-182880" algn="l" defTabSz="914400" rtl="0" eaLnBrk="1" latinLnBrk="0" hangingPunct="1">
+              <a:lnSpc>
+                <a:spcPct val="90000"/>
+              </a:lnSpc>
+              <a:spcBef>
+                <a:spcPts val="400"/>
+              </a:spcBef>
+              <a:spcAft>
+                <a:spcPts val="200"/>
+              </a:spcAft>
+              <a:buClr>
+                <a:schemeClr val="accent1">
+                  <a:lumMod val="75000"/>
+                </a:schemeClr>
+              </a:buClr>
+              <a:buSzPct val="85000"/>
+              <a:buFont typeface="Wingdings" pitchFamily="2" charset="2"/>
+              <a:buChar char="§"/>
+              <a:defRPr sz="1600" kern="1200">
+                <a:solidFill>
+                  <a:schemeClr val="tx1"/>
+                </a:solidFill>
+                <a:latin typeface="+mn-lt"/>
+                <a:ea typeface="+mn-ea"/>
+                <a:cs typeface="+mn-cs"/>
+              </a:defRPr>
+            </a:lvl5pPr>
+            <a:lvl6pPr marL="1600000" indent="-228600" algn="l" defTabSz="914400" rtl="0" eaLnBrk="1" latinLnBrk="0" hangingPunct="1">
+              <a:lnSpc>
+                <a:spcPct val="90000"/>
+              </a:lnSpc>
+              <a:spcBef>
+                <a:spcPts val="400"/>
+              </a:spcBef>
+              <a:spcAft>
+                <a:spcPts val="200"/>
+              </a:spcAft>
+              <a:buClr>
+                <a:schemeClr val="accent1">
+                  <a:lumMod val="75000"/>
+                </a:schemeClr>
+              </a:buClr>
+              <a:buSzPct val="85000"/>
+              <a:buFont typeface="Wingdings" pitchFamily="2" charset="2"/>
+              <a:buChar char="§"/>
+              <a:defRPr sz="1600" kern="1200">
+                <a:solidFill>
+                  <a:schemeClr val="tx1"/>
+                </a:solidFill>
+                <a:latin typeface="+mn-lt"/>
+                <a:ea typeface="+mn-ea"/>
+                <a:cs typeface="+mn-cs"/>
+              </a:defRPr>
+            </a:lvl6pPr>
+            <a:lvl7pPr marL="1900000" indent="-228600" algn="l" defTabSz="914400" rtl="0" eaLnBrk="1" latinLnBrk="0" hangingPunct="1">
+              <a:lnSpc>
+                <a:spcPct val="90000"/>
+              </a:lnSpc>
+              <a:spcBef>
+                <a:spcPts val="400"/>
+              </a:spcBef>
+              <a:spcAft>
+                <a:spcPts val="200"/>
+              </a:spcAft>
+              <a:buClr>
+                <a:schemeClr val="accent1">
+                  <a:lumMod val="75000"/>
+                </a:schemeClr>
+              </a:buClr>
+              <a:buSzPct val="85000"/>
+              <a:buFont typeface="Wingdings" pitchFamily="2" charset="2"/>
+              <a:buChar char="§"/>
+              <a:defRPr sz="1600" kern="1200">
+                <a:solidFill>
+                  <a:schemeClr val="tx1"/>
+                </a:solidFill>
+                <a:latin typeface="+mn-lt"/>
+                <a:ea typeface="+mn-ea"/>
+                <a:cs typeface="+mn-cs"/>
+              </a:defRPr>
+            </a:lvl7pPr>
+            <a:lvl8pPr marL="2200000" indent="-228600" algn="l" defTabSz="914400" rtl="0" eaLnBrk="1" latinLnBrk="0" hangingPunct="1">
+              <a:lnSpc>
+                <a:spcPct val="90000"/>
+              </a:lnSpc>
+              <a:spcBef>
+                <a:spcPts val="400"/>
+              </a:spcBef>
+              <a:spcAft>
+                <a:spcPts val="200"/>
+              </a:spcAft>
+              <a:buClr>
+                <a:schemeClr val="accent1">
+                  <a:lumMod val="75000"/>
+                </a:schemeClr>
+              </a:buClr>
+              <a:buSzPct val="85000"/>
+              <a:buFont typeface="Wingdings" pitchFamily="2" charset="2"/>
+              <a:buChar char="§"/>
+              <a:defRPr sz="1600" kern="1200">
+                <a:solidFill>
+                  <a:schemeClr val="tx1"/>
+                </a:solidFill>
+                <a:latin typeface="+mn-lt"/>
+                <a:ea typeface="+mn-ea"/>
+                <a:cs typeface="+mn-cs"/>
+              </a:defRPr>
+            </a:lvl8pPr>
+            <a:lvl9pPr marL="2500000" indent="-228600" algn="l" defTabSz="914400" rtl="0" eaLnBrk="1" latinLnBrk="0" hangingPunct="1">
+              <a:lnSpc>
+                <a:spcPct val="90000"/>
+              </a:lnSpc>
+              <a:spcBef>
+                <a:spcPts val="400"/>
+              </a:spcBef>
+              <a:spcAft>
+                <a:spcPts val="200"/>
+              </a:spcAft>
+              <a:buClr>
+                <a:schemeClr val="accent1">
+                  <a:lumMod val="75000"/>
+                </a:schemeClr>
+              </a:buClr>
+              <a:buSzPct val="85000"/>
+              <a:buFont typeface="Wingdings" pitchFamily="2" charset="2"/>
+              <a:buChar char="§"/>
+              <a:defRPr sz="1600" kern="1200">
+                <a:solidFill>
+                  <a:schemeClr val="tx1"/>
+                </a:solidFill>
+                <a:latin typeface="+mn-lt"/>
+                <a:ea typeface="+mn-ea"/>
+                <a:cs typeface="+mn-cs"/>
+              </a:defRPr>
+            </a:lvl9pPr>
+          </a:lstStyle>
+          <a:p>
+            <a:pPr>
+              <a:buClr>
+                <a:schemeClr val="bg2">
+                  <a:lumMod val="90000"/>
+                </a:schemeClr>
+              </a:buClr>
+              <a:buSzPct val="100000"/>
+            </a:pPr>
+            <a:r>
+              <a:rPr lang="en-US" sz="2400" dirty="0">
+                <a:solidFill>
+                  <a:schemeClr val="accent5">
+                    <a:lumMod val="60000"/>
+                    <a:lumOff val="40000"/>
+                  </a:schemeClr>
+                </a:solidFill>
+                <a:latin typeface="Selawik Semibold" panose="020B0702040204020203" pitchFamily="34" charset="0"/>
+              </a:rPr>
+              <a:t>Implications on Gamblers</a:t>
+            </a:r>
+          </a:p>
+          <a:p>
+            <a:pPr lvl="1">
+              <a:buClr>
+                <a:schemeClr val="bg2">
+                  <a:lumMod val="90000"/>
+                </a:schemeClr>
+              </a:buClr>
+              <a:buSzPct val="100000"/>
+            </a:pPr>
+            <a:r>
+              <a:rPr lang="en-US" sz="2200" dirty="0">
+                <a:solidFill>
+                  <a:schemeClr val="accent5">
+                    <a:lumMod val="60000"/>
+                    <a:lumOff val="40000"/>
+                  </a:schemeClr>
+                </a:solidFill>
+                <a:latin typeface="Selawik Semibold" panose="020B0702040204020203" pitchFamily="34" charset="0"/>
+              </a:rPr>
+              <a:t>Percent of Bets That Win</a:t>
+            </a:r>
+          </a:p>
+          <a:p>
+            <a:pPr lvl="1">
+              <a:buClr>
+                <a:schemeClr val="bg2">
+                  <a:lumMod val="90000"/>
+                </a:schemeClr>
+              </a:buClr>
+              <a:buSzPct val="100000"/>
+            </a:pPr>
+            <a:endParaRPr lang="en-US" sz="2200" dirty="0">
+              <a:solidFill>
+                <a:schemeClr val="accent5">
+                  <a:lumMod val="60000"/>
+                  <a:lumOff val="40000"/>
+                </a:schemeClr>
+              </a:solidFill>
+              <a:latin typeface="Selawik Semibold" panose="020B0702040204020203" pitchFamily="34" charset="0"/>
+            </a:endParaRPr>
+          </a:p>
+          <a:p>
+            <a:pPr lvl="1">
+              <a:buClr>
+                <a:schemeClr val="bg2">
+                  <a:lumMod val="90000"/>
+                </a:schemeClr>
+              </a:buClr>
+              <a:buSzPct val="100000"/>
+            </a:pPr>
+            <a:endParaRPr lang="en-US" sz="2200" dirty="0">
+              <a:solidFill>
+                <a:schemeClr val="accent5">
+                  <a:lumMod val="60000"/>
+                  <a:lumOff val="40000"/>
+                </a:schemeClr>
+              </a:solidFill>
+              <a:latin typeface="Selawik Semibold" panose="020B0702040204020203" pitchFamily="34" charset="0"/>
+            </a:endParaRPr>
+          </a:p>
+          <a:p>
+            <a:pPr lvl="1">
+              <a:buClr>
+                <a:schemeClr val="bg2">
+                  <a:lumMod val="90000"/>
+                </a:schemeClr>
+              </a:buClr>
+              <a:buSzPct val="100000"/>
+            </a:pPr>
+            <a:endParaRPr lang="en-US" sz="2200" dirty="0">
+              <a:solidFill>
+                <a:schemeClr val="accent5">
+                  <a:lumMod val="60000"/>
+                  <a:lumOff val="40000"/>
+                </a:schemeClr>
+              </a:solidFill>
+              <a:latin typeface="Selawik Semibold" panose="020B0702040204020203" pitchFamily="34" charset="0"/>
+            </a:endParaRPr>
+          </a:p>
+          <a:p>
+            <a:pPr marL="274320" lvl="1" indent="0">
+              <a:buClr>
+                <a:schemeClr val="bg2">
+                  <a:lumMod val="90000"/>
+                </a:schemeClr>
+              </a:buClr>
+              <a:buSzPct val="100000"/>
+              <a:buNone/>
+            </a:pPr>
+            <a:endParaRPr lang="en-US" sz="2200" dirty="0">
+              <a:solidFill>
+                <a:schemeClr val="accent5">
+                  <a:lumMod val="60000"/>
+                  <a:lumOff val="40000"/>
+                </a:schemeClr>
+              </a:solidFill>
+              <a:latin typeface="Selawik Semibold" panose="020B0702040204020203" pitchFamily="34" charset="0"/>
+            </a:endParaRPr>
+          </a:p>
+          <a:p>
+            <a:pPr lvl="1">
+              <a:buClr>
+                <a:schemeClr val="bg2">
+                  <a:lumMod val="90000"/>
+                </a:schemeClr>
+              </a:buClr>
+              <a:buSzPct val="100000"/>
+            </a:pPr>
+            <a:r>
+              <a:rPr lang="en-US" sz="2200" dirty="0">
+                <a:solidFill>
+                  <a:schemeClr val="accent5">
+                    <a:lumMod val="60000"/>
+                    <a:lumOff val="40000"/>
+                  </a:schemeClr>
+                </a:solidFill>
+                <a:latin typeface="Selawik Semibold" panose="020B0702040204020203" pitchFamily="34" charset="0"/>
+              </a:rPr>
+              <a:t>Conclusion: Favorites Are Not Good Bets (&lt;50%)</a:t>
+            </a:r>
+          </a:p>
+          <a:p>
+            <a:pPr lvl="1">
+              <a:buClr>
+                <a:schemeClr val="bg2">
+                  <a:lumMod val="90000"/>
+                </a:schemeClr>
+              </a:buClr>
+              <a:buSzPct val="100000"/>
+            </a:pPr>
+            <a:endParaRPr lang="en-US" sz="2200" dirty="0">
+              <a:solidFill>
+                <a:schemeClr val="accent5">
+                  <a:lumMod val="60000"/>
+                  <a:lumOff val="40000"/>
+                </a:schemeClr>
+              </a:solidFill>
+              <a:latin typeface="Selawik Semibold" panose="020B0702040204020203" pitchFamily="34" charset="0"/>
+            </a:endParaRPr>
+          </a:p>
+          <a:p>
+            <a:pPr>
+              <a:buClr>
+                <a:schemeClr val="bg2">
+                  <a:lumMod val="90000"/>
+                </a:schemeClr>
+              </a:buClr>
+              <a:buSzPct val="100000"/>
+            </a:pPr>
+            <a:r>
+              <a:rPr lang="en-US" sz="2400" dirty="0">
+                <a:solidFill>
+                  <a:schemeClr val="accent5">
+                    <a:lumMod val="60000"/>
+                    <a:lumOff val="40000"/>
+                  </a:schemeClr>
+                </a:solidFill>
+                <a:latin typeface="Selawik Semibold" panose="020B0702040204020203" pitchFamily="34" charset="0"/>
+              </a:rPr>
+              <a:t>Example</a:t>
+            </a:r>
+          </a:p>
+          <a:p>
+            <a:pPr lvl="1">
+              <a:buClr>
+                <a:schemeClr val="bg2">
+                  <a:lumMod val="90000"/>
+                </a:schemeClr>
+              </a:buClr>
+              <a:buSzPct val="100000"/>
+            </a:pPr>
+            <a:r>
+              <a:rPr lang="en-US" sz="2200" dirty="0">
+                <a:solidFill>
+                  <a:schemeClr val="accent5">
+                    <a:lumMod val="60000"/>
+                    <a:lumOff val="40000"/>
+                  </a:schemeClr>
+                </a:solidFill>
+                <a:latin typeface="Selawik Semibold" panose="020B0702040204020203" pitchFamily="34" charset="0"/>
+              </a:rPr>
+              <a:t>UNC is 12 Points Better Than Duke</a:t>
+            </a:r>
+          </a:p>
+          <a:p>
+            <a:pPr lvl="1">
+              <a:buClr>
+                <a:schemeClr val="bg2">
+                  <a:lumMod val="90000"/>
+                </a:schemeClr>
+              </a:buClr>
+              <a:buSzPct val="100000"/>
+            </a:pPr>
+            <a:r>
+              <a:rPr lang="en-US" sz="2200" dirty="0">
+                <a:solidFill>
+                  <a:schemeClr val="accent5">
+                    <a:lumMod val="60000"/>
+                    <a:lumOff val="40000"/>
+                  </a:schemeClr>
+                </a:solidFill>
+                <a:latin typeface="Selawik Semibold" panose="020B0702040204020203" pitchFamily="34" charset="0"/>
+              </a:rPr>
+              <a:t>You Know Most People Will Bet on UNC</a:t>
+            </a:r>
+          </a:p>
+          <a:p>
+            <a:pPr lvl="1">
+              <a:buClr>
+                <a:schemeClr val="bg2">
+                  <a:lumMod val="90000"/>
+                </a:schemeClr>
+              </a:buClr>
+              <a:buSzPct val="100000"/>
+            </a:pPr>
+            <a:r>
+              <a:rPr lang="en-US" sz="2200" dirty="0">
+                <a:solidFill>
+                  <a:schemeClr val="accent5">
+                    <a:lumMod val="60000"/>
+                    <a:lumOff val="40000"/>
+                  </a:schemeClr>
+                </a:solidFill>
+                <a:latin typeface="Selawik Semibold" panose="020B0702040204020203" pitchFamily="34" charset="0"/>
+              </a:rPr>
+              <a:t>Bookmaker Line: UNC -12/ Duke +12</a:t>
+            </a:r>
+          </a:p>
+          <a:p>
+            <a:pPr lvl="1">
+              <a:buClr>
+                <a:schemeClr val="bg2">
+                  <a:lumMod val="90000"/>
+                </a:schemeClr>
+              </a:buClr>
+              <a:buSzPct val="100000"/>
+            </a:pPr>
+            <a:r>
+              <a:rPr lang="en-US" sz="2200" dirty="0">
+                <a:solidFill>
+                  <a:schemeClr val="accent5">
+                    <a:lumMod val="60000"/>
+                    <a:lumOff val="40000"/>
+                  </a:schemeClr>
+                </a:solidFill>
+                <a:latin typeface="Selawik Semibold" panose="020B0702040204020203" pitchFamily="34" charset="0"/>
+              </a:rPr>
+              <a:t>Trap People Who Have Definite Biases</a:t>
+            </a:r>
+          </a:p>
+          <a:p>
+            <a:pPr marL="274320" lvl="1" indent="0">
+              <a:buClr>
+                <a:schemeClr val="bg2">
+                  <a:lumMod val="90000"/>
+                </a:schemeClr>
+              </a:buClr>
+              <a:buSzPct val="100000"/>
+              <a:buNone/>
+            </a:pPr>
+            <a:endParaRPr lang="en-US" sz="2200" dirty="0">
+              <a:solidFill>
+                <a:schemeClr val="accent5">
+                  <a:lumMod val="60000"/>
+                  <a:lumOff val="40000"/>
+                </a:schemeClr>
+              </a:solidFill>
+              <a:latin typeface="Selawik Semibold" panose="020B0702040204020203" pitchFamily="34" charset="0"/>
+            </a:endParaRPr>
+          </a:p>
+        </p:txBody>
+      </p:sp>
+      <p:pic>
+        <p:nvPicPr>
+          <p:cNvPr id="5" name="Content Placeholder 4" descr="A picture containing banana, sitting, yellow&#10;&#10;Description automatically generated">
+            <a:extLst>
+              <a:ext uri="{FF2B5EF4-FFF2-40B4-BE49-F238E27FC236}">
+                <a16:creationId xmlns:a16="http://schemas.microsoft.com/office/drawing/2014/main" id="{9F9AFDF2-6918-4AB4-A081-4ACBF234EB6E}"/>
+              </a:ext>
+            </a:extLst>
+          </p:cNvPr>
+          <p:cNvPicPr>
+            <a:picLocks noGrp="1" noChangeAspect="1"/>
+          </p:cNvPicPr>
+          <p:nvPr>
+            <p:ph idx="1"/>
+          </p:nvPr>
+        </p:nvPicPr>
+        <p:blipFill>
+          <a:blip r:embed="rId4">
+            <a:alphaModFix amt="69000"/>
+            <a:extLst>
+              <a:ext uri="{28A0092B-C50C-407E-A947-70E740481C1C}">
+                <a14:useLocalDpi xmlns:a14="http://schemas.microsoft.com/office/drawing/2010/main" val="0"/>
+              </a:ext>
+            </a:extLst>
+          </a:blip>
+          <a:stretch>
+            <a:fillRect/>
+          </a:stretch>
+        </p:blipFill>
+        <p:spPr>
+          <a:xfrm>
+            <a:off x="-4045184" y="-235089"/>
+            <a:ext cx="5823184" cy="7570140"/>
+          </a:xfrm>
+          <a:prstGeom prst="rect">
+            <a:avLst/>
+          </a:prstGeom>
+          <a:ln>
+            <a:noFill/>
+          </a:ln>
+          <a:effectLst>
+            <a:softEdge rad="112500"/>
+          </a:effectLst>
+        </p:spPr>
+      </p:pic>
+      <p:graphicFrame>
+        <p:nvGraphicFramePr>
+          <p:cNvPr id="3" name="Table 3">
+            <a:extLst>
+              <a:ext uri="{FF2B5EF4-FFF2-40B4-BE49-F238E27FC236}">
+                <a16:creationId xmlns:a16="http://schemas.microsoft.com/office/drawing/2014/main" id="{FD7215B4-BBB8-4FBD-BD60-4C05909A0952}"/>
+              </a:ext>
+            </a:extLst>
+          </p:cNvPr>
+          <p:cNvGraphicFramePr>
+            <a:graphicFrameLocks noGrp="1"/>
+          </p:cNvGraphicFramePr>
+          <p:nvPr>
+            <p:extLst>
+              <p:ext uri="{D42A27DB-BD31-4B8C-83A1-F6EECF244321}">
+                <p14:modId xmlns:p14="http://schemas.microsoft.com/office/powerpoint/2010/main" val="3145848631"/>
+              </p:ext>
+            </p:extLst>
+          </p:nvPr>
+        </p:nvGraphicFramePr>
+        <p:xfrm>
+          <a:off x="3270465" y="2365872"/>
+          <a:ext cx="4760832" cy="1371600"/>
+        </p:xfrm>
+        <a:graphic>
+          <a:graphicData uri="http://schemas.openxmlformats.org/drawingml/2006/table">
+            <a:tbl>
+              <a:tblPr firstRow="1" bandRow="1">
+                <a:tableStyleId>{5C22544A-7EE6-4342-B048-85BDC9FD1C3A}</a:tableStyleId>
+              </a:tblPr>
+              <a:tblGrid>
+                <a:gridCol w="993063">
+                  <a:extLst>
+                    <a:ext uri="{9D8B030D-6E8A-4147-A177-3AD203B41FA5}">
+                      <a16:colId xmlns:a16="http://schemas.microsoft.com/office/drawing/2014/main" val="1717425812"/>
+                    </a:ext>
+                  </a:extLst>
+                </a:gridCol>
+                <a:gridCol w="1751682">
+                  <a:extLst>
+                    <a:ext uri="{9D8B030D-6E8A-4147-A177-3AD203B41FA5}">
+                      <a16:colId xmlns:a16="http://schemas.microsoft.com/office/drawing/2014/main" val="3120191689"/>
+                    </a:ext>
+                  </a:extLst>
+                </a:gridCol>
+                <a:gridCol w="2016087">
+                  <a:extLst>
+                    <a:ext uri="{9D8B030D-6E8A-4147-A177-3AD203B41FA5}">
+                      <a16:colId xmlns:a16="http://schemas.microsoft.com/office/drawing/2014/main" val="693062526"/>
+                    </a:ext>
+                  </a:extLst>
+                </a:gridCol>
+              </a:tblGrid>
+              <a:tr h="370840">
+                <a:tc>
+                  <a:txBody>
+                    <a:bodyPr/>
+                    <a:lstStyle/>
+                    <a:p>
+                      <a:pPr algn="ctr"/>
+                      <a:endParaRPr lang="en-US" sz="2400" b="1" dirty="0">
+                        <a:solidFill>
+                          <a:srgbClr val="BDB196"/>
+                        </a:solidFill>
+                        <a:latin typeface="Calibri" panose="020F0502020204030204" pitchFamily="34" charset="0"/>
+                        <a:cs typeface="Calibri" panose="020F0502020204030204" pitchFamily="34" charset="0"/>
+                      </a:endParaRPr>
+                    </a:p>
+                  </a:txBody>
+                  <a:tcPr>
+                    <a:solidFill>
+                      <a:srgbClr val="9B2D1F"/>
+                    </a:solidFill>
+                  </a:tcPr>
+                </a:tc>
+                <a:tc>
+                  <a:txBody>
+                    <a:bodyPr/>
+                    <a:lstStyle/>
+                    <a:p>
+                      <a:pPr algn="ctr"/>
+                      <a:r>
+                        <a:rPr lang="en-US" sz="2400" b="1" dirty="0">
+                          <a:solidFill>
+                            <a:srgbClr val="BDB196"/>
+                          </a:solidFill>
+                          <a:latin typeface="Calibri" panose="020F0502020204030204" pitchFamily="34" charset="0"/>
+                          <a:cs typeface="Calibri" panose="020F0502020204030204" pitchFamily="34" charset="0"/>
+                        </a:rPr>
+                        <a:t>Underdog</a:t>
+                      </a:r>
+                    </a:p>
+                  </a:txBody>
+                  <a:tcPr>
+                    <a:solidFill>
+                      <a:srgbClr val="9B2D1F"/>
+                    </a:solidFill>
+                  </a:tcPr>
+                </a:tc>
+                <a:tc>
+                  <a:txBody>
+                    <a:bodyPr/>
+                    <a:lstStyle/>
+                    <a:p>
+                      <a:pPr algn="ctr"/>
+                      <a:r>
+                        <a:rPr lang="en-US" sz="2400" b="1" dirty="0">
+                          <a:solidFill>
+                            <a:srgbClr val="BDB196"/>
+                          </a:solidFill>
+                          <a:latin typeface="Calibri" panose="020F0502020204030204" pitchFamily="34" charset="0"/>
+                          <a:cs typeface="Calibri" panose="020F0502020204030204" pitchFamily="34" charset="0"/>
+                        </a:rPr>
+                        <a:t>Favorite</a:t>
+                      </a:r>
+                    </a:p>
+                  </a:txBody>
+                  <a:tcPr>
+                    <a:solidFill>
+                      <a:srgbClr val="9B2D1F"/>
+                    </a:solidFill>
+                  </a:tcPr>
+                </a:tc>
+                <a:extLst>
+                  <a:ext uri="{0D108BD9-81ED-4DB2-BD59-A6C34878D82A}">
+                    <a16:rowId xmlns:a16="http://schemas.microsoft.com/office/drawing/2014/main" val="4250030996"/>
+                  </a:ext>
+                </a:extLst>
+              </a:tr>
+              <a:tr h="370840">
+                <a:tc>
+                  <a:txBody>
+                    <a:bodyPr/>
+                    <a:lstStyle/>
+                    <a:p>
+                      <a:pPr algn="ctr"/>
+                      <a:r>
+                        <a:rPr lang="en-US" sz="2400" b="1" dirty="0">
+                          <a:solidFill>
+                            <a:srgbClr val="BDB196"/>
+                          </a:solidFill>
+                          <a:latin typeface="Calibri" panose="020F0502020204030204" pitchFamily="34" charset="0"/>
+                          <a:cs typeface="Calibri" panose="020F0502020204030204" pitchFamily="34" charset="0"/>
+                        </a:rPr>
+                        <a:t>Home</a:t>
+                      </a:r>
+                    </a:p>
+                  </a:txBody>
+                  <a:tcPr>
+                    <a:solidFill>
+                      <a:srgbClr val="9B2D1F"/>
+                    </a:solidFill>
+                  </a:tcPr>
+                </a:tc>
+                <a:tc>
+                  <a:txBody>
+                    <a:bodyPr/>
+                    <a:lstStyle/>
+                    <a:p>
+                      <a:pPr algn="ctr"/>
+                      <a:r>
+                        <a:rPr lang="en-US" sz="2400" b="1" dirty="0">
+                          <a:solidFill>
+                            <a:srgbClr val="BDB196"/>
+                          </a:solidFill>
+                          <a:latin typeface="Calibri" panose="020F0502020204030204" pitchFamily="34" charset="0"/>
+                          <a:cs typeface="Calibri" panose="020F0502020204030204" pitchFamily="34" charset="0"/>
+                        </a:rPr>
+                        <a:t>57.7%</a:t>
+                      </a:r>
+                    </a:p>
+                  </a:txBody>
+                  <a:tcPr>
+                    <a:solidFill>
+                      <a:srgbClr val="9B2D1F"/>
+                    </a:solidFill>
+                  </a:tcPr>
+                </a:tc>
+                <a:tc>
+                  <a:txBody>
+                    <a:bodyPr/>
+                    <a:lstStyle/>
+                    <a:p>
+                      <a:pPr algn="ctr"/>
+                      <a:r>
+                        <a:rPr lang="en-US" sz="2400" b="1" dirty="0">
+                          <a:solidFill>
+                            <a:srgbClr val="BDB196"/>
+                          </a:solidFill>
+                          <a:latin typeface="Calibri" panose="020F0502020204030204" pitchFamily="34" charset="0"/>
+                          <a:cs typeface="Calibri" panose="020F0502020204030204" pitchFamily="34" charset="0"/>
+                        </a:rPr>
+                        <a:t>49.1%</a:t>
+                      </a:r>
+                    </a:p>
+                  </a:txBody>
+                  <a:tcPr>
+                    <a:solidFill>
+                      <a:srgbClr val="9B2D1F"/>
+                    </a:solidFill>
+                  </a:tcPr>
+                </a:tc>
+                <a:extLst>
+                  <a:ext uri="{0D108BD9-81ED-4DB2-BD59-A6C34878D82A}">
+                    <a16:rowId xmlns:a16="http://schemas.microsoft.com/office/drawing/2014/main" val="3105134686"/>
+                  </a:ext>
+                </a:extLst>
+              </a:tr>
+              <a:tr h="370840">
+                <a:tc>
+                  <a:txBody>
+                    <a:bodyPr/>
+                    <a:lstStyle/>
+                    <a:p>
+                      <a:pPr algn="ctr"/>
+                      <a:r>
+                        <a:rPr lang="en-US" sz="2400" b="1" dirty="0">
+                          <a:solidFill>
+                            <a:srgbClr val="BDB196"/>
+                          </a:solidFill>
+                          <a:latin typeface="Calibri" panose="020F0502020204030204" pitchFamily="34" charset="0"/>
+                          <a:cs typeface="Calibri" panose="020F0502020204030204" pitchFamily="34" charset="0"/>
+                        </a:rPr>
+                        <a:t>Away</a:t>
+                      </a:r>
+                    </a:p>
+                  </a:txBody>
+                  <a:tcPr>
+                    <a:solidFill>
+                      <a:srgbClr val="9B2D1F"/>
+                    </a:solidFill>
+                  </a:tcPr>
+                </a:tc>
+                <a:tc>
+                  <a:txBody>
+                    <a:bodyPr/>
+                    <a:lstStyle/>
+                    <a:p>
+                      <a:pPr algn="ctr"/>
+                      <a:r>
+                        <a:rPr lang="en-US" sz="2400" b="1" dirty="0">
+                          <a:solidFill>
+                            <a:srgbClr val="BDB196"/>
+                          </a:solidFill>
+                          <a:latin typeface="Calibri" panose="020F0502020204030204" pitchFamily="34" charset="0"/>
+                          <a:cs typeface="Calibri" panose="020F0502020204030204" pitchFamily="34" charset="0"/>
+                        </a:rPr>
+                        <a:t>50.4%</a:t>
+                      </a:r>
+                    </a:p>
+                  </a:txBody>
+                  <a:tcPr>
+                    <a:solidFill>
+                      <a:srgbClr val="9B2D1F"/>
+                    </a:solidFill>
+                  </a:tcPr>
+                </a:tc>
+                <a:tc>
+                  <a:txBody>
+                    <a:bodyPr/>
+                    <a:lstStyle/>
+                    <a:p>
+                      <a:pPr algn="ctr"/>
+                      <a:r>
+                        <a:rPr lang="en-US" sz="2400" b="1" dirty="0">
+                          <a:solidFill>
+                            <a:srgbClr val="BDB196"/>
+                          </a:solidFill>
+                          <a:latin typeface="Calibri" panose="020F0502020204030204" pitchFamily="34" charset="0"/>
+                          <a:cs typeface="Calibri" panose="020F0502020204030204" pitchFamily="34" charset="0"/>
+                        </a:rPr>
+                        <a:t>47.8%</a:t>
+                      </a:r>
+                    </a:p>
+                  </a:txBody>
+                  <a:tcPr>
+                    <a:solidFill>
+                      <a:srgbClr val="9B2D1F"/>
+                    </a:solidFill>
+                  </a:tcPr>
+                </a:tc>
+                <a:extLst>
+                  <a:ext uri="{0D108BD9-81ED-4DB2-BD59-A6C34878D82A}">
+                    <a16:rowId xmlns:a16="http://schemas.microsoft.com/office/drawing/2014/main" val="3115420662"/>
+                  </a:ext>
+                </a:extLst>
+              </a:tr>
+            </a:tbl>
+          </a:graphicData>
+        </a:graphic>
+      </p:graphicFrame>
+    </p:spTree>
+    <p:extLst>
+      <p:ext uri="{BB962C8B-B14F-4D97-AF65-F5344CB8AC3E}">
+        <p14:creationId xmlns:p14="http://schemas.microsoft.com/office/powerpoint/2010/main" val="915913740"/>
+      </p:ext>
+    </p:extLst>
+  </p:cSld>
+  <p:clrMapOvr>
+    <a:masterClrMapping/>
+  </p:clrMapOvr>
+</p:sld>
+</file>
+
+<file path=ppt/slides/slide2.xml><?xml version="1.0" encoding="utf-8"?>
+<p:sld xmlns:a="http://schemas.openxmlformats.org/drawingml/2006/main" xmlns:r="http://schemas.openxmlformats.org/officeDocument/2006/relationships" xmlns:p="http://schemas.openxmlformats.org/presentationml/2006/main" showMasterSp="0">
+  <p:cSld>
+    <p:bg>
+      <p:bgPr>
+        <a:blipFill dpi="0" rotWithShape="1">
+          <a:blip r:embed="rId2">
+            <a:lum/>
+          </a:blip>
+          <a:srcRect/>
+          <a:tile tx="0" ty="0" sx="100000" sy="100000" flip="none" algn="tl"/>
+        </a:blipFill>
+        <a:effectLst/>
+      </p:bgPr>
+    </p:bg>
+    <p:spTree>
+      <p:nvGrpSpPr>
+        <p:cNvPr id="1" name=""/>
+        <p:cNvGrpSpPr/>
+        <p:nvPr/>
+      </p:nvGrpSpPr>
+      <p:grpSpPr>
+        <a:xfrm>
+          <a:off x="0" y="0"/>
+          <a:ext cx="0" cy="0"/>
+          <a:chOff x="0" y="0"/>
+          <a:chExt cx="0" cy="0"/>
+        </a:xfrm>
+      </p:grpSpPr>
+      <p:sp>
+        <p:nvSpPr>
+          <p:cNvPr id="9" name="Arrow: Chevron 8">
+            <a:extLst>
+              <a:ext uri="{FF2B5EF4-FFF2-40B4-BE49-F238E27FC236}">
+                <a16:creationId xmlns:a16="http://schemas.microsoft.com/office/drawing/2014/main" id="{24415BF9-56C9-403E-8BE8-95CC8185EFB1}"/>
+              </a:ext>
+            </a:extLst>
+          </p:cNvPr>
+          <p:cNvSpPr/>
+          <p:nvPr/>
+        </p:nvSpPr>
+        <p:spPr>
+          <a:xfrm rot="10800000">
+            <a:off x="2115070" y="336369"/>
+            <a:ext cx="10534129" cy="837148"/>
+          </a:xfrm>
+          <a:prstGeom prst="chevron">
+            <a:avLst/>
+          </a:prstGeom>
+        </p:spPr>
+        <p:style>
+          <a:lnRef idx="2">
+            <a:schemeClr val="accent2">
+              <a:shade val="50000"/>
+            </a:schemeClr>
+          </a:lnRef>
+          <a:fillRef idx="1">
+            <a:schemeClr val="accent2"/>
+          </a:fillRef>
+          <a:effectRef idx="0">
+            <a:schemeClr val="accent2"/>
+          </a:effectRef>
+          <a:fontRef idx="minor">
+            <a:schemeClr val="lt1"/>
+          </a:fontRef>
+        </p:style>
+        <p:txBody>
+          <a:bodyPr rtlCol="0" anchor="ctr"/>
+          <a:lstStyle/>
+          <a:p>
+            <a:pPr algn="ctr"/>
+            <a:endParaRPr lang="en-US">
+              <a:solidFill>
+                <a:schemeClr val="accent1">
+                  <a:lumMod val="75000"/>
+                </a:schemeClr>
+              </a:solidFill>
+            </a:endParaRPr>
+          </a:p>
+        </p:txBody>
+      </p:sp>
+      <p:sp>
+        <p:nvSpPr>
+          <p:cNvPr id="2" name="Title 1">
+            <a:extLst>
+              <a:ext uri="{FF2B5EF4-FFF2-40B4-BE49-F238E27FC236}">
+                <a16:creationId xmlns:a16="http://schemas.microsoft.com/office/drawing/2014/main" id="{9392CDF9-6C62-44DD-B489-EA9E8C54097A}"/>
+              </a:ext>
+            </a:extLst>
+          </p:cNvPr>
+          <p:cNvSpPr>
+            <a:spLocks noGrp="1"/>
+          </p:cNvSpPr>
+          <p:nvPr>
+            <p:ph type="title"/>
+          </p:nvPr>
+        </p:nvSpPr>
+        <p:spPr>
+          <a:xfrm>
+            <a:off x="2590799" y="0"/>
+            <a:ext cx="10058400" cy="1609344"/>
+          </a:xfrm>
+        </p:spPr>
+        <p:txBody>
+          <a:bodyPr>
+            <a:normAutofit/>
+          </a:bodyPr>
+          <a:lstStyle/>
+          <a:p>
+            <a:r>
+              <a:rPr lang="en-US" sz="4800" dirty="0">
+                <a:solidFill>
+                  <a:schemeClr val="bg2">
+                    <a:lumMod val="75000"/>
+                  </a:schemeClr>
+                </a:solidFill>
+                <a:latin typeface="Selawik Semibold" panose="020B0702040204020203" pitchFamily="34" charset="0"/>
+              </a:rPr>
+              <a:t>Sports gambling 101</a:t>
+            </a:r>
+          </a:p>
+        </p:txBody>
+      </p:sp>
+      <p:pic>
+        <p:nvPicPr>
+          <p:cNvPr id="21" name="Picture 20" descr="A picture containing drawing&#10;&#10;Description automatically generated">
+            <a:extLst>
+              <a:ext uri="{FF2B5EF4-FFF2-40B4-BE49-F238E27FC236}">
+                <a16:creationId xmlns:a16="http://schemas.microsoft.com/office/drawing/2014/main" id="{8EEF3E12-DB8E-44B9-9B4D-69802D584DAA}"/>
+              </a:ext>
+            </a:extLst>
+          </p:cNvPr>
+          <p:cNvPicPr>
+            <a:picLocks noChangeAspect="1"/>
+          </p:cNvPicPr>
+          <p:nvPr/>
+        </p:nvPicPr>
+        <p:blipFill>
+          <a:blip r:embed="rId3">
+            <a:alphaModFix amt="70000"/>
+            <a:extLst>
+              <a:ext uri="{28A0092B-C50C-407E-A947-70E740481C1C}">
+                <a14:useLocalDpi xmlns:a14="http://schemas.microsoft.com/office/drawing/2010/main" val="0"/>
+              </a:ext>
+            </a:extLst>
+          </a:blip>
+          <a:stretch>
+            <a:fillRect/>
+          </a:stretch>
+        </p:blipFill>
+        <p:spPr>
+          <a:xfrm>
+            <a:off x="9044865" y="5190564"/>
+            <a:ext cx="3057487" cy="1331067"/>
+          </a:xfrm>
+          <a:prstGeom prst="rect">
+            <a:avLst/>
+          </a:prstGeom>
+          <a:ln>
+            <a:noFill/>
+          </a:ln>
+          <a:effectLst>
+            <a:reflection blurRad="12700" stA="30000" endPos="30000" dist="5000" dir="5400000" sy="-100000" algn="bl" rotWithShape="0"/>
+          </a:effectLst>
+          <a:scene3d>
+            <a:camera prst="perspectiveContrastingLeftFacing">
+              <a:rot lat="300000" lon="19800000" rev="0"/>
+            </a:camera>
+            <a:lightRig rig="threePt" dir="t">
+              <a:rot lat="0" lon="0" rev="2700000"/>
+            </a:lightRig>
+          </a:scene3d>
+          <a:sp3d>
+            <a:bevelT w="63500" h="50800"/>
+          </a:sp3d>
+        </p:spPr>
+      </p:pic>
+      <p:sp>
+        <p:nvSpPr>
+          <p:cNvPr id="22" name="Subtitle 2">
+            <a:extLst>
+              <a:ext uri="{FF2B5EF4-FFF2-40B4-BE49-F238E27FC236}">
+                <a16:creationId xmlns:a16="http://schemas.microsoft.com/office/drawing/2014/main" id="{66F7651F-9E92-431E-8D7F-7A494EDA9257}"/>
+              </a:ext>
+            </a:extLst>
+          </p:cNvPr>
+          <p:cNvSpPr txBox="1">
+            <a:spLocks/>
+          </p:cNvSpPr>
+          <p:nvPr/>
+        </p:nvSpPr>
+        <p:spPr>
+          <a:xfrm>
+            <a:off x="2677457" y="1541441"/>
+            <a:ext cx="8723359" cy="5316559"/>
+          </a:xfrm>
+          <a:prstGeom prst="rect">
+            <a:avLst/>
+          </a:prstGeom>
+        </p:spPr>
+        <p:txBody>
+          <a:bodyPr vert="horz" lIns="91440" tIns="45720" rIns="91440" bIns="45720" rtlCol="0" anchor="t">
+            <a:normAutofit/>
+          </a:bodyPr>
+          <a:lstStyle>
+            <a:lvl1pPr marL="182880" indent="-182880" algn="l" defTabSz="914400" rtl="0" eaLnBrk="1" latinLnBrk="0" hangingPunct="1">
+              <a:lnSpc>
+                <a:spcPct val="90000"/>
+              </a:lnSpc>
+              <a:spcBef>
+                <a:spcPts val="1200"/>
+              </a:spcBef>
+              <a:buClr>
+                <a:schemeClr val="accent1">
+                  <a:lumMod val="75000"/>
+                </a:schemeClr>
+              </a:buClr>
+              <a:buSzPct val="85000"/>
+              <a:buFont typeface="Wingdings" pitchFamily="2" charset="2"/>
+              <a:buChar char="§"/>
+              <a:defRPr sz="2000" kern="1200">
+                <a:solidFill>
+                  <a:schemeClr val="tx1"/>
+                </a:solidFill>
+                <a:latin typeface="+mn-lt"/>
+                <a:ea typeface="+mn-ea"/>
+                <a:cs typeface="+mn-cs"/>
+              </a:defRPr>
+            </a:lvl1pPr>
+            <a:lvl2pPr marL="457200" indent="-182880" algn="l" defTabSz="914400" rtl="0" eaLnBrk="1" latinLnBrk="0" hangingPunct="1">
+              <a:lnSpc>
+                <a:spcPct val="90000"/>
+              </a:lnSpc>
+              <a:spcBef>
+                <a:spcPts val="400"/>
+              </a:spcBef>
+              <a:spcAft>
+                <a:spcPts val="200"/>
+              </a:spcAft>
+              <a:buClr>
+                <a:schemeClr val="accent1">
+                  <a:lumMod val="75000"/>
+                </a:schemeClr>
+              </a:buClr>
+              <a:buSzPct val="85000"/>
+              <a:buFont typeface="Wingdings" pitchFamily="2" charset="2"/>
+              <a:buChar char="§"/>
+              <a:defRPr sz="1800" kern="1200">
+                <a:solidFill>
+                  <a:schemeClr val="tx1"/>
+                </a:solidFill>
+                <a:latin typeface="+mn-lt"/>
+                <a:ea typeface="+mn-ea"/>
+                <a:cs typeface="+mn-cs"/>
+              </a:defRPr>
+            </a:lvl2pPr>
+            <a:lvl3pPr marL="731520" indent="-182880" algn="l" defTabSz="914400" rtl="0" eaLnBrk="1" latinLnBrk="0" hangingPunct="1">
+              <a:lnSpc>
+                <a:spcPct val="90000"/>
+              </a:lnSpc>
+              <a:spcBef>
+                <a:spcPts val="400"/>
+              </a:spcBef>
+              <a:spcAft>
+                <a:spcPts val="200"/>
+              </a:spcAft>
+              <a:buClr>
+                <a:schemeClr val="accent1">
+                  <a:lumMod val="75000"/>
+                </a:schemeClr>
+              </a:buClr>
+              <a:buSzPct val="85000"/>
+              <a:buFont typeface="Wingdings" pitchFamily="2" charset="2"/>
+              <a:buChar char="§"/>
+              <a:defRPr sz="1600" kern="1200">
+                <a:solidFill>
+                  <a:schemeClr val="tx1"/>
+                </a:solidFill>
+                <a:latin typeface="+mn-lt"/>
+                <a:ea typeface="+mn-ea"/>
+                <a:cs typeface="+mn-cs"/>
+              </a:defRPr>
+            </a:lvl3pPr>
+            <a:lvl4pPr marL="1005840" indent="-182880" algn="l" defTabSz="914400" rtl="0" eaLnBrk="1" latinLnBrk="0" hangingPunct="1">
+              <a:lnSpc>
+                <a:spcPct val="90000"/>
+              </a:lnSpc>
+              <a:spcBef>
+                <a:spcPts val="400"/>
+              </a:spcBef>
+              <a:spcAft>
+                <a:spcPts val="200"/>
+              </a:spcAft>
+              <a:buClr>
+                <a:schemeClr val="accent1">
+                  <a:lumMod val="75000"/>
+                </a:schemeClr>
+              </a:buClr>
+              <a:buSzPct val="85000"/>
+              <a:buFont typeface="Wingdings" pitchFamily="2" charset="2"/>
+              <a:buChar char="§"/>
+              <a:defRPr sz="1600" kern="1200">
+                <a:solidFill>
+                  <a:schemeClr val="tx1"/>
+                </a:solidFill>
+                <a:latin typeface="+mn-lt"/>
+                <a:ea typeface="+mn-ea"/>
+                <a:cs typeface="+mn-cs"/>
+              </a:defRPr>
+            </a:lvl4pPr>
+            <a:lvl5pPr marL="1280160" indent="-182880" algn="l" defTabSz="914400" rtl="0" eaLnBrk="1" latinLnBrk="0" hangingPunct="1">
+              <a:lnSpc>
+                <a:spcPct val="90000"/>
+              </a:lnSpc>
+              <a:spcBef>
+                <a:spcPts val="400"/>
+              </a:spcBef>
+              <a:spcAft>
+                <a:spcPts val="200"/>
+              </a:spcAft>
+              <a:buClr>
+                <a:schemeClr val="accent1">
+                  <a:lumMod val="75000"/>
+                </a:schemeClr>
+              </a:buClr>
+              <a:buSzPct val="85000"/>
+              <a:buFont typeface="Wingdings" pitchFamily="2" charset="2"/>
+              <a:buChar char="§"/>
+              <a:defRPr sz="1600" kern="1200">
+                <a:solidFill>
+                  <a:schemeClr val="tx1"/>
+                </a:solidFill>
+                <a:latin typeface="+mn-lt"/>
+                <a:ea typeface="+mn-ea"/>
+                <a:cs typeface="+mn-cs"/>
+              </a:defRPr>
+            </a:lvl5pPr>
+            <a:lvl6pPr marL="1600000" indent="-228600" algn="l" defTabSz="914400" rtl="0" eaLnBrk="1" latinLnBrk="0" hangingPunct="1">
+              <a:lnSpc>
+                <a:spcPct val="90000"/>
+              </a:lnSpc>
+              <a:spcBef>
+                <a:spcPts val="400"/>
+              </a:spcBef>
+              <a:spcAft>
+                <a:spcPts val="200"/>
+              </a:spcAft>
+              <a:buClr>
+                <a:schemeClr val="accent1">
+                  <a:lumMod val="75000"/>
+                </a:schemeClr>
+              </a:buClr>
+              <a:buSzPct val="85000"/>
+              <a:buFont typeface="Wingdings" pitchFamily="2" charset="2"/>
+              <a:buChar char="§"/>
+              <a:defRPr sz="1600" kern="1200">
+                <a:solidFill>
+                  <a:schemeClr val="tx1"/>
+                </a:solidFill>
+                <a:latin typeface="+mn-lt"/>
+                <a:ea typeface="+mn-ea"/>
+                <a:cs typeface="+mn-cs"/>
+              </a:defRPr>
+            </a:lvl6pPr>
+            <a:lvl7pPr marL="1900000" indent="-228600" algn="l" defTabSz="914400" rtl="0" eaLnBrk="1" latinLnBrk="0" hangingPunct="1">
+              <a:lnSpc>
+                <a:spcPct val="90000"/>
+              </a:lnSpc>
+              <a:spcBef>
+                <a:spcPts val="400"/>
+              </a:spcBef>
+              <a:spcAft>
+                <a:spcPts val="200"/>
+              </a:spcAft>
+              <a:buClr>
+                <a:schemeClr val="accent1">
+                  <a:lumMod val="75000"/>
+                </a:schemeClr>
+              </a:buClr>
+              <a:buSzPct val="85000"/>
+              <a:buFont typeface="Wingdings" pitchFamily="2" charset="2"/>
+              <a:buChar char="§"/>
+              <a:defRPr sz="1600" kern="1200">
+                <a:solidFill>
+                  <a:schemeClr val="tx1"/>
+                </a:solidFill>
+                <a:latin typeface="+mn-lt"/>
+                <a:ea typeface="+mn-ea"/>
+                <a:cs typeface="+mn-cs"/>
+              </a:defRPr>
+            </a:lvl7pPr>
+            <a:lvl8pPr marL="2200000" indent="-228600" algn="l" defTabSz="914400" rtl="0" eaLnBrk="1" latinLnBrk="0" hangingPunct="1">
+              <a:lnSpc>
+                <a:spcPct val="90000"/>
+              </a:lnSpc>
+              <a:spcBef>
+                <a:spcPts val="400"/>
+              </a:spcBef>
+              <a:spcAft>
+                <a:spcPts val="200"/>
+              </a:spcAft>
+              <a:buClr>
+                <a:schemeClr val="accent1">
+                  <a:lumMod val="75000"/>
+                </a:schemeClr>
+              </a:buClr>
+              <a:buSzPct val="85000"/>
+              <a:buFont typeface="Wingdings" pitchFamily="2" charset="2"/>
+              <a:buChar char="§"/>
+              <a:defRPr sz="1600" kern="1200">
+                <a:solidFill>
+                  <a:schemeClr val="tx1"/>
+                </a:solidFill>
+                <a:latin typeface="+mn-lt"/>
+                <a:ea typeface="+mn-ea"/>
+                <a:cs typeface="+mn-cs"/>
+              </a:defRPr>
+            </a:lvl8pPr>
+            <a:lvl9pPr marL="2500000" indent="-228600" algn="l" defTabSz="914400" rtl="0" eaLnBrk="1" latinLnBrk="0" hangingPunct="1">
+              <a:lnSpc>
+                <a:spcPct val="90000"/>
+              </a:lnSpc>
+              <a:spcBef>
+                <a:spcPts val="400"/>
+              </a:spcBef>
+              <a:spcAft>
+                <a:spcPts val="200"/>
+              </a:spcAft>
+              <a:buClr>
+                <a:schemeClr val="accent1">
+                  <a:lumMod val="75000"/>
+                </a:schemeClr>
+              </a:buClr>
+              <a:buSzPct val="85000"/>
+              <a:buFont typeface="Wingdings" pitchFamily="2" charset="2"/>
+              <a:buChar char="§"/>
+              <a:defRPr sz="1600" kern="1200">
+                <a:solidFill>
+                  <a:schemeClr val="tx1"/>
+                </a:solidFill>
+                <a:latin typeface="+mn-lt"/>
+                <a:ea typeface="+mn-ea"/>
+                <a:cs typeface="+mn-cs"/>
+              </a:defRPr>
+            </a:lvl9pPr>
+          </a:lstStyle>
+          <a:p>
+            <a:pPr>
+              <a:buClr>
+                <a:schemeClr val="bg2">
+                  <a:lumMod val="90000"/>
+                </a:schemeClr>
+              </a:buClr>
+              <a:buSzPct val="100000"/>
+            </a:pPr>
+            <a:r>
+              <a:rPr lang="en-US" sz="2400" dirty="0">
+                <a:solidFill>
+                  <a:schemeClr val="accent5">
+                    <a:lumMod val="60000"/>
+                    <a:lumOff val="40000"/>
+                  </a:schemeClr>
+                </a:solidFill>
+                <a:latin typeface="Selawik Semibold" panose="020B0702040204020203" pitchFamily="34" charset="0"/>
+              </a:rPr>
+              <a:t>Bookmaker</a:t>
+            </a:r>
+          </a:p>
+          <a:p>
+            <a:pPr lvl="1">
+              <a:buClr>
+                <a:schemeClr val="bg2">
+                  <a:lumMod val="90000"/>
+                </a:schemeClr>
+              </a:buClr>
+              <a:buSzPct val="100000"/>
+            </a:pPr>
+            <a:r>
+              <a:rPr lang="en-US" sz="2000" dirty="0">
+                <a:solidFill>
+                  <a:schemeClr val="accent5">
+                    <a:lumMod val="60000"/>
+                    <a:lumOff val="40000"/>
+                  </a:schemeClr>
+                </a:solidFill>
+                <a:latin typeface="Selawik Semibold" panose="020B0702040204020203" pitchFamily="34" charset="0"/>
+              </a:rPr>
+              <a:t>Person/Organization Who Takes Bets and Pays Off Bets in Sports</a:t>
+            </a:r>
+          </a:p>
+          <a:p>
+            <a:pPr lvl="1">
+              <a:buClr>
+                <a:schemeClr val="bg2">
+                  <a:lumMod val="90000"/>
+                </a:schemeClr>
+              </a:buClr>
+              <a:buSzPct val="100000"/>
+            </a:pPr>
+            <a:r>
+              <a:rPr lang="en-US" sz="2000" dirty="0">
+                <a:solidFill>
+                  <a:schemeClr val="accent5">
+                    <a:lumMod val="60000"/>
+                    <a:lumOff val="40000"/>
+                  </a:schemeClr>
+                </a:solidFill>
+                <a:latin typeface="Selawik Semibold" panose="020B0702040204020203" pitchFamily="34" charset="0"/>
+              </a:rPr>
+              <a:t>AKA a Bookie (Individual)</a:t>
+            </a:r>
+          </a:p>
+          <a:p>
+            <a:pPr lvl="1">
+              <a:buClr>
+                <a:schemeClr val="bg2">
+                  <a:lumMod val="90000"/>
+                </a:schemeClr>
+              </a:buClr>
+              <a:buSzPct val="100000"/>
+            </a:pPr>
+            <a:r>
+              <a:rPr lang="en-US" sz="2000" dirty="0">
+                <a:solidFill>
+                  <a:schemeClr val="accent5">
+                    <a:lumMod val="60000"/>
+                    <a:lumOff val="40000"/>
+                  </a:schemeClr>
+                </a:solidFill>
+                <a:latin typeface="Selawik Semibold" panose="020B0702040204020203" pitchFamily="34" charset="0"/>
+              </a:rPr>
+              <a:t>AKA a Sportsbook (Organization)</a:t>
+            </a:r>
+          </a:p>
+          <a:p>
+            <a:pPr lvl="1">
+              <a:buClr>
+                <a:schemeClr val="bg2">
+                  <a:lumMod val="90000"/>
+                </a:schemeClr>
+              </a:buClr>
+              <a:buSzPct val="100000"/>
+            </a:pPr>
+            <a:r>
+              <a:rPr lang="en-US" sz="2000" dirty="0">
+                <a:solidFill>
+                  <a:schemeClr val="accent5">
+                    <a:lumMod val="60000"/>
+                    <a:lumOff val="40000"/>
+                  </a:schemeClr>
+                </a:solidFill>
+                <a:latin typeface="Selawik Semibold" panose="020B0702040204020203" pitchFamily="34" charset="0"/>
+              </a:rPr>
+              <a:t>AKA The Real Winner</a:t>
+            </a:r>
+          </a:p>
+          <a:p>
+            <a:pPr lvl="1">
+              <a:buClr>
+                <a:schemeClr val="bg2">
+                  <a:lumMod val="90000"/>
+                </a:schemeClr>
+              </a:buClr>
+              <a:buSzPct val="100000"/>
+            </a:pPr>
+            <a:r>
+              <a:rPr lang="en-US" sz="2000" dirty="0">
+                <a:solidFill>
+                  <a:schemeClr val="accent5">
+                    <a:lumMod val="60000"/>
+                    <a:lumOff val="40000"/>
+                  </a:schemeClr>
+                </a:solidFill>
+                <a:latin typeface="Selawik Semibold" panose="020B0702040204020203" pitchFamily="34" charset="0"/>
+              </a:rPr>
+              <a:t>AKA Someone Who Profits Off Stupidity</a:t>
+            </a:r>
+          </a:p>
+          <a:p>
+            <a:pPr>
+              <a:buClr>
+                <a:schemeClr val="bg2">
+                  <a:lumMod val="90000"/>
+                </a:schemeClr>
+              </a:buClr>
+              <a:buSzPct val="100000"/>
+            </a:pPr>
+            <a:endParaRPr lang="en-US" sz="2200" dirty="0">
+              <a:solidFill>
+                <a:schemeClr val="accent5">
+                  <a:lumMod val="60000"/>
+                  <a:lumOff val="40000"/>
+                </a:schemeClr>
+              </a:solidFill>
+              <a:latin typeface="Selawik Semibold" panose="020B0702040204020203" pitchFamily="34" charset="0"/>
+            </a:endParaRPr>
+          </a:p>
+          <a:p>
+            <a:pPr>
+              <a:buClr>
+                <a:schemeClr val="bg2">
+                  <a:lumMod val="90000"/>
+                </a:schemeClr>
+              </a:buClr>
+              <a:buSzPct val="100000"/>
+            </a:pPr>
+            <a:r>
+              <a:rPr lang="en-US" sz="2400" dirty="0">
+                <a:solidFill>
+                  <a:schemeClr val="accent5">
+                    <a:lumMod val="60000"/>
+                    <a:lumOff val="40000"/>
+                  </a:schemeClr>
+                </a:solidFill>
+                <a:latin typeface="Selawik Semibold" panose="020B0702040204020203" pitchFamily="34" charset="0"/>
+              </a:rPr>
+              <a:t>Five Online Sportsbooks for US Bettors</a:t>
+            </a:r>
+          </a:p>
+          <a:p>
+            <a:pPr lvl="1">
+              <a:buClr>
+                <a:schemeClr val="bg2">
+                  <a:lumMod val="90000"/>
+                </a:schemeClr>
+              </a:buClr>
+              <a:buSzPct val="100000"/>
+            </a:pPr>
+            <a:r>
+              <a:rPr lang="en-US" sz="2000" dirty="0" err="1">
+                <a:solidFill>
+                  <a:schemeClr val="accent5">
+                    <a:lumMod val="60000"/>
+                    <a:lumOff val="40000"/>
+                  </a:schemeClr>
+                </a:solidFill>
+                <a:latin typeface="Selawik Semibold" panose="020B0702040204020203" pitchFamily="34" charset="0"/>
+              </a:rPr>
+              <a:t>Bovada</a:t>
+            </a:r>
+            <a:endParaRPr lang="en-US" sz="2000" dirty="0">
+              <a:solidFill>
+                <a:schemeClr val="accent5">
+                  <a:lumMod val="60000"/>
+                  <a:lumOff val="40000"/>
+                </a:schemeClr>
+              </a:solidFill>
+              <a:latin typeface="Selawik Semibold" panose="020B0702040204020203" pitchFamily="34" charset="0"/>
+            </a:endParaRPr>
+          </a:p>
+          <a:p>
+            <a:pPr lvl="1">
+              <a:buClr>
+                <a:schemeClr val="bg2">
+                  <a:lumMod val="90000"/>
+                </a:schemeClr>
+              </a:buClr>
+              <a:buSzPct val="100000"/>
+            </a:pPr>
+            <a:r>
+              <a:rPr lang="en-US" sz="2000" dirty="0">
+                <a:solidFill>
+                  <a:schemeClr val="accent5">
+                    <a:lumMod val="60000"/>
+                    <a:lumOff val="40000"/>
+                  </a:schemeClr>
+                </a:solidFill>
+                <a:latin typeface="Selawik Semibold" panose="020B0702040204020203" pitchFamily="34" charset="0"/>
+              </a:rPr>
+              <a:t>5Dimes</a:t>
+            </a:r>
+          </a:p>
+          <a:p>
+            <a:pPr lvl="1">
+              <a:buClr>
+                <a:schemeClr val="bg2">
+                  <a:lumMod val="90000"/>
+                </a:schemeClr>
+              </a:buClr>
+              <a:buSzPct val="100000"/>
+            </a:pPr>
+            <a:r>
+              <a:rPr lang="en-US" sz="2000" dirty="0" err="1">
+                <a:solidFill>
+                  <a:schemeClr val="accent5">
+                    <a:lumMod val="60000"/>
+                    <a:lumOff val="40000"/>
+                  </a:schemeClr>
+                </a:solidFill>
+                <a:latin typeface="Selawik Semibold" panose="020B0702040204020203" pitchFamily="34" charset="0"/>
+              </a:rPr>
+              <a:t>BetOnline</a:t>
+            </a:r>
+            <a:endParaRPr lang="en-US" sz="2000" dirty="0">
+              <a:solidFill>
+                <a:schemeClr val="accent5">
+                  <a:lumMod val="60000"/>
+                  <a:lumOff val="40000"/>
+                </a:schemeClr>
+              </a:solidFill>
+              <a:latin typeface="Selawik Semibold" panose="020B0702040204020203" pitchFamily="34" charset="0"/>
+            </a:endParaRPr>
+          </a:p>
+          <a:p>
+            <a:pPr lvl="1">
+              <a:buClr>
+                <a:schemeClr val="bg2">
+                  <a:lumMod val="90000"/>
+                </a:schemeClr>
+              </a:buClr>
+              <a:buSzPct val="100000"/>
+            </a:pPr>
+            <a:r>
+              <a:rPr lang="en-US" sz="2000" dirty="0" err="1">
+                <a:solidFill>
+                  <a:schemeClr val="accent5">
+                    <a:lumMod val="60000"/>
+                    <a:lumOff val="40000"/>
+                  </a:schemeClr>
+                </a:solidFill>
+                <a:latin typeface="Selawik Semibold" panose="020B0702040204020203" pitchFamily="34" charset="0"/>
+              </a:rPr>
+              <a:t>GTBets</a:t>
+            </a:r>
+            <a:endParaRPr lang="en-US" sz="2000" dirty="0">
+              <a:solidFill>
+                <a:schemeClr val="accent5">
+                  <a:lumMod val="60000"/>
+                  <a:lumOff val="40000"/>
+                </a:schemeClr>
+              </a:solidFill>
+              <a:latin typeface="Selawik Semibold" panose="020B0702040204020203" pitchFamily="34" charset="0"/>
+            </a:endParaRPr>
+          </a:p>
+          <a:p>
+            <a:pPr lvl="1">
+              <a:buClr>
+                <a:schemeClr val="bg2">
+                  <a:lumMod val="90000"/>
+                </a:schemeClr>
+              </a:buClr>
+              <a:buSzPct val="100000"/>
+            </a:pPr>
+            <a:r>
+              <a:rPr lang="en-US" sz="2000" dirty="0" err="1">
+                <a:solidFill>
+                  <a:schemeClr val="accent5">
+                    <a:lumMod val="60000"/>
+                    <a:lumOff val="40000"/>
+                  </a:schemeClr>
+                </a:solidFill>
+                <a:latin typeface="Selawik Semibold" panose="020B0702040204020203" pitchFamily="34" charset="0"/>
+              </a:rPr>
+              <a:t>Youwager</a:t>
+            </a:r>
+            <a:endParaRPr lang="en-US" sz="2000" dirty="0">
+              <a:solidFill>
+                <a:schemeClr val="accent5">
+                  <a:lumMod val="60000"/>
+                  <a:lumOff val="40000"/>
+                </a:schemeClr>
+              </a:solidFill>
+              <a:latin typeface="Selawik Semibold" panose="020B0702040204020203" pitchFamily="34" charset="0"/>
+            </a:endParaRPr>
+          </a:p>
+        </p:txBody>
+      </p:sp>
+      <p:pic>
+        <p:nvPicPr>
+          <p:cNvPr id="5" name="Content Placeholder 4" descr="A picture containing banana, sitting, yellow&#10;&#10;Description automatically generated">
+            <a:extLst>
+              <a:ext uri="{FF2B5EF4-FFF2-40B4-BE49-F238E27FC236}">
+                <a16:creationId xmlns:a16="http://schemas.microsoft.com/office/drawing/2014/main" id="{9F9AFDF2-6918-4AB4-A081-4ACBF234EB6E}"/>
+              </a:ext>
+            </a:extLst>
+          </p:cNvPr>
+          <p:cNvPicPr>
+            <a:picLocks noGrp="1" noChangeAspect="1"/>
+          </p:cNvPicPr>
+          <p:nvPr>
+            <p:ph idx="1"/>
+          </p:nvPr>
+        </p:nvPicPr>
+        <p:blipFill>
+          <a:blip r:embed="rId4">
+            <a:alphaModFix amt="69000"/>
+            <a:extLst>
+              <a:ext uri="{28A0092B-C50C-407E-A947-70E740481C1C}">
+                <a14:useLocalDpi xmlns:a14="http://schemas.microsoft.com/office/drawing/2010/main" val="0"/>
+              </a:ext>
+            </a:extLst>
+          </a:blip>
+          <a:stretch>
+            <a:fillRect/>
+          </a:stretch>
+        </p:blipFill>
+        <p:spPr>
+          <a:xfrm>
+            <a:off x="-4045184" y="-235089"/>
+            <a:ext cx="5823184" cy="7570140"/>
+          </a:xfrm>
+          <a:prstGeom prst="rect">
+            <a:avLst/>
+          </a:prstGeom>
+          <a:ln>
+            <a:noFill/>
+          </a:ln>
+          <a:effectLst>
+            <a:softEdge rad="112500"/>
+          </a:effectLst>
+        </p:spPr>
+      </p:pic>
+    </p:spTree>
+    <p:extLst>
+      <p:ext uri="{BB962C8B-B14F-4D97-AF65-F5344CB8AC3E}">
+        <p14:creationId xmlns:p14="http://schemas.microsoft.com/office/powerpoint/2010/main" val="3763973939"/>
+      </p:ext>
+    </p:extLst>
+  </p:cSld>
+  <p:clrMapOvr>
+    <a:masterClrMapping/>
+  </p:clrMapOvr>
+</p:sld>
+</file>
+
+<file path=ppt/slides/slide20.xml><?xml version="1.0" encoding="utf-8"?>
+<p:sld xmlns:a="http://schemas.openxmlformats.org/drawingml/2006/main" xmlns:r="http://schemas.openxmlformats.org/officeDocument/2006/relationships" xmlns:p="http://schemas.openxmlformats.org/presentationml/2006/main" showMasterSp="0">
+  <p:cSld>
+    <p:bg>
+      <p:bgPr>
+        <a:blipFill dpi="0" rotWithShape="1">
+          <a:blip r:embed="rId2">
+            <a:lum/>
+          </a:blip>
+          <a:srcRect/>
+          <a:tile tx="0" ty="0" sx="100000" sy="100000" flip="none" algn="tl"/>
+        </a:blipFill>
+        <a:effectLst/>
+      </p:bgPr>
+    </p:bg>
+    <p:spTree>
+      <p:nvGrpSpPr>
+        <p:cNvPr id="1" name=""/>
+        <p:cNvGrpSpPr/>
+        <p:nvPr/>
+      </p:nvGrpSpPr>
+      <p:grpSpPr>
+        <a:xfrm>
+          <a:off x="0" y="0"/>
+          <a:ext cx="0" cy="0"/>
+          <a:chOff x="0" y="0"/>
+          <a:chExt cx="0" cy="0"/>
+        </a:xfrm>
+      </p:grpSpPr>
+      <p:sp>
+        <p:nvSpPr>
+          <p:cNvPr id="9" name="Arrow: Chevron 8">
+            <a:extLst>
+              <a:ext uri="{FF2B5EF4-FFF2-40B4-BE49-F238E27FC236}">
+                <a16:creationId xmlns:a16="http://schemas.microsoft.com/office/drawing/2014/main" id="{24415BF9-56C9-403E-8BE8-95CC8185EFB1}"/>
+              </a:ext>
+            </a:extLst>
+          </p:cNvPr>
+          <p:cNvSpPr/>
+          <p:nvPr/>
+        </p:nvSpPr>
+        <p:spPr>
+          <a:xfrm rot="10800000">
+            <a:off x="2115070" y="336369"/>
+            <a:ext cx="10534129" cy="837148"/>
+          </a:xfrm>
+          <a:prstGeom prst="chevron">
+            <a:avLst/>
+          </a:prstGeom>
+        </p:spPr>
+        <p:style>
+          <a:lnRef idx="2">
+            <a:schemeClr val="accent2">
+              <a:shade val="50000"/>
+            </a:schemeClr>
+          </a:lnRef>
+          <a:fillRef idx="1">
+            <a:schemeClr val="accent2"/>
+          </a:fillRef>
+          <a:effectRef idx="0">
+            <a:schemeClr val="accent2"/>
+          </a:effectRef>
+          <a:fontRef idx="minor">
+            <a:schemeClr val="lt1"/>
+          </a:fontRef>
+        </p:style>
+        <p:txBody>
+          <a:bodyPr rtlCol="0" anchor="ctr"/>
+          <a:lstStyle/>
+          <a:p>
+            <a:pPr algn="ctr"/>
+            <a:endParaRPr lang="en-US">
+              <a:solidFill>
+                <a:schemeClr val="accent1">
+                  <a:lumMod val="75000"/>
+                </a:schemeClr>
+              </a:solidFill>
+            </a:endParaRPr>
+          </a:p>
+        </p:txBody>
+      </p:sp>
+      <p:sp>
+        <p:nvSpPr>
+          <p:cNvPr id="2" name="Title 1">
+            <a:extLst>
+              <a:ext uri="{FF2B5EF4-FFF2-40B4-BE49-F238E27FC236}">
+                <a16:creationId xmlns:a16="http://schemas.microsoft.com/office/drawing/2014/main" id="{9392CDF9-6C62-44DD-B489-EA9E8C54097A}"/>
+              </a:ext>
+            </a:extLst>
+          </p:cNvPr>
+          <p:cNvSpPr>
+            <a:spLocks noGrp="1"/>
+          </p:cNvSpPr>
+          <p:nvPr>
+            <p:ph type="title"/>
+          </p:nvPr>
+        </p:nvSpPr>
+        <p:spPr>
+          <a:xfrm>
+            <a:off x="2590799" y="0"/>
+            <a:ext cx="10058400" cy="1609344"/>
+          </a:xfrm>
+        </p:spPr>
+        <p:txBody>
+          <a:bodyPr>
+            <a:normAutofit/>
+          </a:bodyPr>
+          <a:lstStyle/>
+          <a:p>
+            <a:r>
+              <a:rPr lang="en-US" sz="4800" dirty="0">
+                <a:solidFill>
+                  <a:schemeClr val="bg2">
+                    <a:lumMod val="75000"/>
+                  </a:schemeClr>
+                </a:solidFill>
+                <a:latin typeface="Selawik Semibold" panose="020B0702040204020203" pitchFamily="34" charset="0"/>
+              </a:rPr>
+              <a:t>Freakonomics for bookies</a:t>
+            </a:r>
+          </a:p>
+        </p:txBody>
+      </p:sp>
+      <p:pic>
+        <p:nvPicPr>
+          <p:cNvPr id="21" name="Picture 20" descr="A picture containing drawing&#10;&#10;Description automatically generated">
+            <a:extLst>
+              <a:ext uri="{FF2B5EF4-FFF2-40B4-BE49-F238E27FC236}">
+                <a16:creationId xmlns:a16="http://schemas.microsoft.com/office/drawing/2014/main" id="{8EEF3E12-DB8E-44B9-9B4D-69802D584DAA}"/>
+              </a:ext>
+            </a:extLst>
+          </p:cNvPr>
+          <p:cNvPicPr>
+            <a:picLocks noChangeAspect="1"/>
+          </p:cNvPicPr>
+          <p:nvPr/>
+        </p:nvPicPr>
+        <p:blipFill>
+          <a:blip r:embed="rId3">
+            <a:alphaModFix amt="70000"/>
+            <a:extLst>
+              <a:ext uri="{28A0092B-C50C-407E-A947-70E740481C1C}">
+                <a14:useLocalDpi xmlns:a14="http://schemas.microsoft.com/office/drawing/2010/main" val="0"/>
+              </a:ext>
+            </a:extLst>
+          </a:blip>
+          <a:stretch>
+            <a:fillRect/>
+          </a:stretch>
+        </p:blipFill>
+        <p:spPr>
+          <a:xfrm>
+            <a:off x="9044865" y="5190564"/>
+            <a:ext cx="3057487" cy="1331067"/>
+          </a:xfrm>
+          <a:prstGeom prst="rect">
+            <a:avLst/>
+          </a:prstGeom>
+          <a:ln>
+            <a:noFill/>
+          </a:ln>
+          <a:effectLst>
+            <a:reflection blurRad="12700" stA="30000" endPos="30000" dist="5000" dir="5400000" sy="-100000" algn="bl" rotWithShape="0"/>
+          </a:effectLst>
+          <a:scene3d>
+            <a:camera prst="perspectiveContrastingLeftFacing">
+              <a:rot lat="300000" lon="19800000" rev="0"/>
+            </a:camera>
+            <a:lightRig rig="threePt" dir="t">
+              <a:rot lat="0" lon="0" rev="2700000"/>
+            </a:lightRig>
+          </a:scene3d>
+          <a:sp3d>
+            <a:bevelT w="63500" h="50800"/>
+          </a:sp3d>
+        </p:spPr>
+      </p:pic>
+      <p:sp>
+        <p:nvSpPr>
+          <p:cNvPr id="22" name="Subtitle 2">
+            <a:extLst>
+              <a:ext uri="{FF2B5EF4-FFF2-40B4-BE49-F238E27FC236}">
+                <a16:creationId xmlns:a16="http://schemas.microsoft.com/office/drawing/2014/main" id="{66F7651F-9E92-431E-8D7F-7A494EDA9257}"/>
+              </a:ext>
+            </a:extLst>
+          </p:cNvPr>
+          <p:cNvSpPr txBox="1">
+            <a:spLocks/>
+          </p:cNvSpPr>
+          <p:nvPr/>
+        </p:nvSpPr>
+        <p:spPr>
+          <a:xfrm>
+            <a:off x="2677458" y="1541441"/>
+            <a:ext cx="6923743" cy="5316559"/>
+          </a:xfrm>
+          <a:prstGeom prst="rect">
+            <a:avLst/>
+          </a:prstGeom>
+        </p:spPr>
+        <p:txBody>
+          <a:bodyPr vert="horz" lIns="91440" tIns="45720" rIns="91440" bIns="45720" rtlCol="0" anchor="t">
+            <a:normAutofit/>
+          </a:bodyPr>
+          <a:lstStyle>
+            <a:lvl1pPr marL="182880" indent="-182880" algn="l" defTabSz="914400" rtl="0" eaLnBrk="1" latinLnBrk="0" hangingPunct="1">
+              <a:lnSpc>
+                <a:spcPct val="90000"/>
+              </a:lnSpc>
+              <a:spcBef>
+                <a:spcPts val="1200"/>
+              </a:spcBef>
+              <a:buClr>
+                <a:schemeClr val="accent1">
+                  <a:lumMod val="75000"/>
+                </a:schemeClr>
+              </a:buClr>
+              <a:buSzPct val="85000"/>
+              <a:buFont typeface="Wingdings" pitchFamily="2" charset="2"/>
+              <a:buChar char="§"/>
+              <a:defRPr sz="2000" kern="1200">
+                <a:solidFill>
+                  <a:schemeClr val="tx1"/>
+                </a:solidFill>
+                <a:latin typeface="+mn-lt"/>
+                <a:ea typeface="+mn-ea"/>
+                <a:cs typeface="+mn-cs"/>
+              </a:defRPr>
+            </a:lvl1pPr>
+            <a:lvl2pPr marL="457200" indent="-182880" algn="l" defTabSz="914400" rtl="0" eaLnBrk="1" latinLnBrk="0" hangingPunct="1">
+              <a:lnSpc>
+                <a:spcPct val="90000"/>
+              </a:lnSpc>
+              <a:spcBef>
+                <a:spcPts val="400"/>
+              </a:spcBef>
+              <a:spcAft>
+                <a:spcPts val="200"/>
+              </a:spcAft>
+              <a:buClr>
+                <a:schemeClr val="accent1">
+                  <a:lumMod val="75000"/>
+                </a:schemeClr>
+              </a:buClr>
+              <a:buSzPct val="85000"/>
+              <a:buFont typeface="Wingdings" pitchFamily="2" charset="2"/>
+              <a:buChar char="§"/>
+              <a:defRPr sz="1800" kern="1200">
+                <a:solidFill>
+                  <a:schemeClr val="tx1"/>
+                </a:solidFill>
+                <a:latin typeface="+mn-lt"/>
+                <a:ea typeface="+mn-ea"/>
+                <a:cs typeface="+mn-cs"/>
+              </a:defRPr>
+            </a:lvl2pPr>
+            <a:lvl3pPr marL="731520" indent="-182880" algn="l" defTabSz="914400" rtl="0" eaLnBrk="1" latinLnBrk="0" hangingPunct="1">
+              <a:lnSpc>
+                <a:spcPct val="90000"/>
+              </a:lnSpc>
+              <a:spcBef>
+                <a:spcPts val="400"/>
+              </a:spcBef>
+              <a:spcAft>
+                <a:spcPts val="200"/>
+              </a:spcAft>
+              <a:buClr>
+                <a:schemeClr val="accent1">
+                  <a:lumMod val="75000"/>
+                </a:schemeClr>
+              </a:buClr>
+              <a:buSzPct val="85000"/>
+              <a:buFont typeface="Wingdings" pitchFamily="2" charset="2"/>
+              <a:buChar char="§"/>
+              <a:defRPr sz="1600" kern="1200">
+                <a:solidFill>
+                  <a:schemeClr val="tx1"/>
+                </a:solidFill>
+                <a:latin typeface="+mn-lt"/>
+                <a:ea typeface="+mn-ea"/>
+                <a:cs typeface="+mn-cs"/>
+              </a:defRPr>
+            </a:lvl3pPr>
+            <a:lvl4pPr marL="1005840" indent="-182880" algn="l" defTabSz="914400" rtl="0" eaLnBrk="1" latinLnBrk="0" hangingPunct="1">
+              <a:lnSpc>
+                <a:spcPct val="90000"/>
+              </a:lnSpc>
+              <a:spcBef>
+                <a:spcPts val="400"/>
+              </a:spcBef>
+              <a:spcAft>
+                <a:spcPts val="200"/>
+              </a:spcAft>
+              <a:buClr>
+                <a:schemeClr val="accent1">
+                  <a:lumMod val="75000"/>
+                </a:schemeClr>
+              </a:buClr>
+              <a:buSzPct val="85000"/>
+              <a:buFont typeface="Wingdings" pitchFamily="2" charset="2"/>
+              <a:buChar char="§"/>
+              <a:defRPr sz="1600" kern="1200">
+                <a:solidFill>
+                  <a:schemeClr val="tx1"/>
+                </a:solidFill>
+                <a:latin typeface="+mn-lt"/>
+                <a:ea typeface="+mn-ea"/>
+                <a:cs typeface="+mn-cs"/>
+              </a:defRPr>
+            </a:lvl4pPr>
+            <a:lvl5pPr marL="1280160" indent="-182880" algn="l" defTabSz="914400" rtl="0" eaLnBrk="1" latinLnBrk="0" hangingPunct="1">
+              <a:lnSpc>
+                <a:spcPct val="90000"/>
+              </a:lnSpc>
+              <a:spcBef>
+                <a:spcPts val="400"/>
+              </a:spcBef>
+              <a:spcAft>
+                <a:spcPts val="200"/>
+              </a:spcAft>
+              <a:buClr>
+                <a:schemeClr val="accent1">
+                  <a:lumMod val="75000"/>
+                </a:schemeClr>
+              </a:buClr>
+              <a:buSzPct val="85000"/>
+              <a:buFont typeface="Wingdings" pitchFamily="2" charset="2"/>
+              <a:buChar char="§"/>
+              <a:defRPr sz="1600" kern="1200">
+                <a:solidFill>
+                  <a:schemeClr val="tx1"/>
+                </a:solidFill>
+                <a:latin typeface="+mn-lt"/>
+                <a:ea typeface="+mn-ea"/>
+                <a:cs typeface="+mn-cs"/>
+              </a:defRPr>
+            </a:lvl5pPr>
+            <a:lvl6pPr marL="1600000" indent="-228600" algn="l" defTabSz="914400" rtl="0" eaLnBrk="1" latinLnBrk="0" hangingPunct="1">
+              <a:lnSpc>
+                <a:spcPct val="90000"/>
+              </a:lnSpc>
+              <a:spcBef>
+                <a:spcPts val="400"/>
+              </a:spcBef>
+              <a:spcAft>
+                <a:spcPts val="200"/>
+              </a:spcAft>
+              <a:buClr>
+                <a:schemeClr val="accent1">
+                  <a:lumMod val="75000"/>
+                </a:schemeClr>
+              </a:buClr>
+              <a:buSzPct val="85000"/>
+              <a:buFont typeface="Wingdings" pitchFamily="2" charset="2"/>
+              <a:buChar char="§"/>
+              <a:defRPr sz="1600" kern="1200">
+                <a:solidFill>
+                  <a:schemeClr val="tx1"/>
+                </a:solidFill>
+                <a:latin typeface="+mn-lt"/>
+                <a:ea typeface="+mn-ea"/>
+                <a:cs typeface="+mn-cs"/>
+              </a:defRPr>
+            </a:lvl6pPr>
+            <a:lvl7pPr marL="1900000" indent="-228600" algn="l" defTabSz="914400" rtl="0" eaLnBrk="1" latinLnBrk="0" hangingPunct="1">
+              <a:lnSpc>
+                <a:spcPct val="90000"/>
+              </a:lnSpc>
+              <a:spcBef>
+                <a:spcPts val="400"/>
+              </a:spcBef>
+              <a:spcAft>
+                <a:spcPts val="200"/>
+              </a:spcAft>
+              <a:buClr>
+                <a:schemeClr val="accent1">
+                  <a:lumMod val="75000"/>
+                </a:schemeClr>
+              </a:buClr>
+              <a:buSzPct val="85000"/>
+              <a:buFont typeface="Wingdings" pitchFamily="2" charset="2"/>
+              <a:buChar char="§"/>
+              <a:defRPr sz="1600" kern="1200">
+                <a:solidFill>
+                  <a:schemeClr val="tx1"/>
+                </a:solidFill>
+                <a:latin typeface="+mn-lt"/>
+                <a:ea typeface="+mn-ea"/>
+                <a:cs typeface="+mn-cs"/>
+              </a:defRPr>
+            </a:lvl7pPr>
+            <a:lvl8pPr marL="2200000" indent="-228600" algn="l" defTabSz="914400" rtl="0" eaLnBrk="1" latinLnBrk="0" hangingPunct="1">
+              <a:lnSpc>
+                <a:spcPct val="90000"/>
+              </a:lnSpc>
+              <a:spcBef>
+                <a:spcPts val="400"/>
+              </a:spcBef>
+              <a:spcAft>
+                <a:spcPts val="200"/>
+              </a:spcAft>
+              <a:buClr>
+                <a:schemeClr val="accent1">
+                  <a:lumMod val="75000"/>
+                </a:schemeClr>
+              </a:buClr>
+              <a:buSzPct val="85000"/>
+              <a:buFont typeface="Wingdings" pitchFamily="2" charset="2"/>
+              <a:buChar char="§"/>
+              <a:defRPr sz="1600" kern="1200">
+                <a:solidFill>
+                  <a:schemeClr val="tx1"/>
+                </a:solidFill>
+                <a:latin typeface="+mn-lt"/>
+                <a:ea typeface="+mn-ea"/>
+                <a:cs typeface="+mn-cs"/>
+              </a:defRPr>
+            </a:lvl8pPr>
+            <a:lvl9pPr marL="2500000" indent="-228600" algn="l" defTabSz="914400" rtl="0" eaLnBrk="1" latinLnBrk="0" hangingPunct="1">
+              <a:lnSpc>
+                <a:spcPct val="90000"/>
+              </a:lnSpc>
+              <a:spcBef>
+                <a:spcPts val="400"/>
+              </a:spcBef>
+              <a:spcAft>
+                <a:spcPts val="200"/>
+              </a:spcAft>
+              <a:buClr>
+                <a:schemeClr val="accent1">
+                  <a:lumMod val="75000"/>
+                </a:schemeClr>
+              </a:buClr>
+              <a:buSzPct val="85000"/>
+              <a:buFont typeface="Wingdings" pitchFamily="2" charset="2"/>
+              <a:buChar char="§"/>
+              <a:defRPr sz="1600" kern="1200">
+                <a:solidFill>
+                  <a:schemeClr val="tx1"/>
+                </a:solidFill>
+                <a:latin typeface="+mn-lt"/>
+                <a:ea typeface="+mn-ea"/>
+                <a:cs typeface="+mn-cs"/>
+              </a:defRPr>
+            </a:lvl9pPr>
+          </a:lstStyle>
+          <a:p>
+            <a:pPr>
+              <a:buClr>
+                <a:schemeClr val="bg2">
+                  <a:lumMod val="90000"/>
+                </a:schemeClr>
+              </a:buClr>
+              <a:buSzPct val="100000"/>
+            </a:pPr>
+            <a:r>
+              <a:rPr lang="en-US" sz="2400" dirty="0">
+                <a:solidFill>
+                  <a:schemeClr val="accent5">
+                    <a:lumMod val="60000"/>
+                    <a:lumOff val="40000"/>
+                  </a:schemeClr>
+                </a:solidFill>
+                <a:latin typeface="Selawik Semibold" panose="020B0702040204020203" pitchFamily="34" charset="0"/>
+              </a:rPr>
+              <a:t>Expected Earnings</a:t>
+            </a:r>
+          </a:p>
+          <a:p>
+            <a:pPr lvl="1">
+              <a:buClr>
+                <a:schemeClr val="bg2">
+                  <a:lumMod val="90000"/>
+                </a:schemeClr>
+              </a:buClr>
+              <a:buSzPct val="100000"/>
+            </a:pPr>
+            <a:r>
+              <a:rPr lang="en-US" sz="2000" dirty="0">
+                <a:solidFill>
+                  <a:schemeClr val="accent5">
+                    <a:lumMod val="60000"/>
+                    <a:lumOff val="40000"/>
+                  </a:schemeClr>
+                </a:solidFill>
+                <a:latin typeface="Selawik Semibold" panose="020B0702040204020203" pitchFamily="34" charset="0"/>
+              </a:rPr>
+              <a:t>Probability Bookie Wins = 50.55%</a:t>
+            </a:r>
+          </a:p>
+          <a:p>
+            <a:pPr lvl="1">
+              <a:buClr>
+                <a:schemeClr val="bg2">
+                  <a:lumMod val="90000"/>
+                </a:schemeClr>
+              </a:buClr>
+              <a:buSzPct val="100000"/>
+            </a:pPr>
+            <a:r>
+              <a:rPr lang="en-US" sz="2000" dirty="0">
+                <a:solidFill>
+                  <a:schemeClr val="accent5">
+                    <a:lumMod val="60000"/>
+                    <a:lumOff val="40000"/>
+                  </a:schemeClr>
+                </a:solidFill>
+                <a:latin typeface="Selawik Semibold" panose="020B0702040204020203" pitchFamily="34" charset="0"/>
+              </a:rPr>
+              <a:t>Probability Bookie Loses = 49.45%</a:t>
+            </a:r>
+          </a:p>
+          <a:p>
+            <a:pPr lvl="1">
+              <a:buClr>
+                <a:schemeClr val="bg2">
+                  <a:lumMod val="90000"/>
+                </a:schemeClr>
+              </a:buClr>
+              <a:buSzPct val="100000"/>
+            </a:pPr>
+            <a:r>
+              <a:rPr lang="en-US" sz="2000" dirty="0">
+                <a:solidFill>
+                  <a:schemeClr val="accent5">
+                    <a:lumMod val="60000"/>
+                    <a:lumOff val="40000"/>
+                  </a:schemeClr>
+                </a:solidFill>
+                <a:latin typeface="Selawik Semibold" panose="020B0702040204020203" pitchFamily="34" charset="0"/>
+              </a:rPr>
+              <a:t>Expected Earnings Per $10 Bet (10/11 Odds</a:t>
+            </a:r>
+          </a:p>
+          <a:p>
+            <a:pPr marL="274320" lvl="1" indent="0">
+              <a:buClr>
+                <a:schemeClr val="bg2">
+                  <a:lumMod val="90000"/>
+                </a:schemeClr>
+              </a:buClr>
+              <a:buSzPct val="100000"/>
+              <a:buNone/>
+            </a:pPr>
+            <a:endParaRPr lang="en-US" sz="2000" dirty="0">
+              <a:solidFill>
+                <a:schemeClr val="accent5">
+                  <a:lumMod val="60000"/>
+                  <a:lumOff val="40000"/>
+                </a:schemeClr>
+              </a:solidFill>
+              <a:latin typeface="Selawik Semibold" panose="020B0702040204020203" pitchFamily="34" charset="0"/>
+            </a:endParaRPr>
+          </a:p>
+          <a:p>
+            <a:pPr lvl="1">
+              <a:buClr>
+                <a:schemeClr val="bg2">
+                  <a:lumMod val="90000"/>
+                </a:schemeClr>
+              </a:buClr>
+              <a:buSzPct val="100000"/>
+            </a:pPr>
+            <a:r>
+              <a:rPr lang="en-US" sz="2000" dirty="0">
+                <a:solidFill>
+                  <a:schemeClr val="accent5">
+                    <a:lumMod val="60000"/>
+                    <a:lumOff val="40000"/>
+                  </a:schemeClr>
+                </a:solidFill>
+                <a:latin typeface="Selawik Semibold" panose="020B0702040204020203" pitchFamily="34" charset="0"/>
+              </a:rPr>
+              <a:t>If Bets Were Evenly Split on Both Sides</a:t>
+            </a:r>
+          </a:p>
+          <a:p>
+            <a:pPr marL="274320" lvl="1" indent="0">
+              <a:buClr>
+                <a:schemeClr val="bg2">
+                  <a:lumMod val="90000"/>
+                </a:schemeClr>
+              </a:buClr>
+              <a:buSzPct val="100000"/>
+              <a:buNone/>
+            </a:pPr>
+            <a:endParaRPr lang="en-US" sz="2000" dirty="0">
+              <a:solidFill>
+                <a:schemeClr val="accent5">
+                  <a:lumMod val="60000"/>
+                  <a:lumOff val="40000"/>
+                </a:schemeClr>
+              </a:solidFill>
+              <a:latin typeface="Selawik Semibold" panose="020B0702040204020203" pitchFamily="34" charset="0"/>
+            </a:endParaRPr>
+          </a:p>
+          <a:p>
+            <a:pPr marL="274320" lvl="1" indent="0">
+              <a:buClr>
+                <a:schemeClr val="bg2">
+                  <a:lumMod val="90000"/>
+                </a:schemeClr>
+              </a:buClr>
+              <a:buSzPct val="100000"/>
+              <a:buNone/>
+            </a:pPr>
+            <a:endParaRPr lang="en-US" sz="2000" dirty="0">
+              <a:solidFill>
+                <a:schemeClr val="accent5">
+                  <a:lumMod val="60000"/>
+                  <a:lumOff val="40000"/>
+                </a:schemeClr>
+              </a:solidFill>
+              <a:latin typeface="Selawik Semibold" panose="020B0702040204020203" pitchFamily="34" charset="0"/>
+            </a:endParaRPr>
+          </a:p>
+          <a:p>
+            <a:pPr>
+              <a:buClr>
+                <a:schemeClr val="bg2">
+                  <a:lumMod val="90000"/>
+                </a:schemeClr>
+              </a:buClr>
+              <a:buSzPct val="100000"/>
+            </a:pPr>
+            <a:r>
+              <a:rPr lang="en-US" sz="2400" dirty="0">
+                <a:solidFill>
+                  <a:schemeClr val="accent5">
+                    <a:lumMod val="60000"/>
+                    <a:lumOff val="40000"/>
+                  </a:schemeClr>
+                </a:solidFill>
+                <a:latin typeface="Selawik Semibold" panose="020B0702040204020203" pitchFamily="34" charset="0"/>
+              </a:rPr>
+              <a:t>Bettor Should Bet on All Home Underdogs</a:t>
+            </a:r>
+          </a:p>
+          <a:p>
+            <a:pPr>
+              <a:buClr>
+                <a:schemeClr val="bg2">
+                  <a:lumMod val="90000"/>
+                </a:schemeClr>
+              </a:buClr>
+              <a:buSzPct val="100000"/>
+            </a:pPr>
+            <a:endParaRPr lang="en-US" dirty="0">
+              <a:solidFill>
+                <a:schemeClr val="accent5">
+                  <a:lumMod val="60000"/>
+                  <a:lumOff val="40000"/>
+                </a:schemeClr>
+              </a:solidFill>
+              <a:latin typeface="Selawik Semibold" panose="020B0702040204020203" pitchFamily="34" charset="0"/>
+            </a:endParaRPr>
+          </a:p>
+          <a:p>
+            <a:pPr>
+              <a:buClr>
+                <a:schemeClr val="bg2">
+                  <a:lumMod val="90000"/>
+                </a:schemeClr>
+              </a:buClr>
+              <a:buSzPct val="100000"/>
+            </a:pPr>
+            <a:r>
+              <a:rPr lang="en-US" sz="2400" dirty="0">
+                <a:solidFill>
+                  <a:schemeClr val="accent5">
+                    <a:lumMod val="60000"/>
+                    <a:lumOff val="40000"/>
+                  </a:schemeClr>
+                </a:solidFill>
+                <a:latin typeface="Selawik Semibold" panose="020B0702040204020203" pitchFamily="34" charset="0"/>
+              </a:rPr>
+              <a:t>Results Independent of Size of Spread</a:t>
+            </a:r>
+          </a:p>
+          <a:p>
+            <a:pPr>
+              <a:buClr>
+                <a:schemeClr val="bg2">
+                  <a:lumMod val="90000"/>
+                </a:schemeClr>
+              </a:buClr>
+              <a:buSzPct val="100000"/>
+            </a:pPr>
+            <a:endParaRPr lang="en-US" dirty="0">
+              <a:solidFill>
+                <a:schemeClr val="accent5">
+                  <a:lumMod val="60000"/>
+                  <a:lumOff val="40000"/>
+                </a:schemeClr>
+              </a:solidFill>
+              <a:latin typeface="Selawik Semibold" panose="020B0702040204020203" pitchFamily="34" charset="0"/>
+            </a:endParaRPr>
+          </a:p>
+          <a:p>
+            <a:pPr>
+              <a:buClr>
+                <a:schemeClr val="bg2">
+                  <a:lumMod val="90000"/>
+                </a:schemeClr>
+              </a:buClr>
+              <a:buSzPct val="100000"/>
+            </a:pPr>
+            <a:r>
+              <a:rPr lang="en-US" sz="2400" dirty="0">
+                <a:solidFill>
+                  <a:schemeClr val="accent5">
+                    <a:lumMod val="60000"/>
+                    <a:lumOff val="40000"/>
+                  </a:schemeClr>
+                </a:solidFill>
+                <a:latin typeface="Selawik Semibold" panose="020B0702040204020203" pitchFamily="34" charset="0"/>
+              </a:rPr>
+              <a:t>Results Consistent Over Time</a:t>
+            </a:r>
+          </a:p>
+        </p:txBody>
+      </p:sp>
+      <p:pic>
+        <p:nvPicPr>
+          <p:cNvPr id="5" name="Content Placeholder 4" descr="A picture containing banana, sitting, yellow&#10;&#10;Description automatically generated">
+            <a:extLst>
+              <a:ext uri="{FF2B5EF4-FFF2-40B4-BE49-F238E27FC236}">
+                <a16:creationId xmlns:a16="http://schemas.microsoft.com/office/drawing/2014/main" id="{9F9AFDF2-6918-4AB4-A081-4ACBF234EB6E}"/>
+              </a:ext>
+            </a:extLst>
+          </p:cNvPr>
+          <p:cNvPicPr>
+            <a:picLocks noGrp="1" noChangeAspect="1"/>
+          </p:cNvPicPr>
+          <p:nvPr>
+            <p:ph idx="1"/>
+          </p:nvPr>
+        </p:nvPicPr>
+        <p:blipFill>
+          <a:blip r:embed="rId4">
+            <a:alphaModFix amt="69000"/>
+            <a:extLst>
+              <a:ext uri="{28A0092B-C50C-407E-A947-70E740481C1C}">
+                <a14:useLocalDpi xmlns:a14="http://schemas.microsoft.com/office/drawing/2010/main" val="0"/>
+              </a:ext>
+            </a:extLst>
+          </a:blip>
+          <a:stretch>
+            <a:fillRect/>
+          </a:stretch>
+        </p:blipFill>
+        <p:spPr>
+          <a:xfrm>
+            <a:off x="-4045184" y="-235089"/>
+            <a:ext cx="5823184" cy="7570140"/>
+          </a:xfrm>
+          <a:prstGeom prst="rect">
+            <a:avLst/>
+          </a:prstGeom>
+          <a:ln>
+            <a:noFill/>
+          </a:ln>
+          <a:effectLst>
+            <a:softEdge rad="112500"/>
+          </a:effectLst>
+        </p:spPr>
+      </p:pic>
+      <mc:AlternateContent xmlns:mc="http://schemas.openxmlformats.org/markup-compatibility/2006">
+        <mc:Choice xmlns:a14="http://schemas.microsoft.com/office/drawing/2010/main" Requires="a14">
+          <p:sp>
+            <p:nvSpPr>
+              <p:cNvPr id="8" name="TextBox 7">
+                <a:extLst>
+                  <a:ext uri="{FF2B5EF4-FFF2-40B4-BE49-F238E27FC236}">
+                    <a16:creationId xmlns:a16="http://schemas.microsoft.com/office/drawing/2014/main" id="{B7B1835F-6420-46AC-9B26-E2199DFD64BE}"/>
+                  </a:ext>
+                </a:extLst>
+              </p:cNvPr>
+              <p:cNvSpPr txBox="1"/>
+              <p:nvPr/>
+            </p:nvSpPr>
+            <p:spPr>
+              <a:xfrm>
+                <a:off x="2302817" y="2966793"/>
+                <a:ext cx="8270791" cy="400110"/>
+              </a:xfrm>
+              <a:prstGeom prst="rect">
+                <a:avLst/>
+              </a:prstGeom>
+              <a:noFill/>
+            </p:spPr>
+            <p:txBody>
+              <a:bodyPr wrap="square" rtlCol="0">
+                <a:spAutoFit/>
+              </a:bodyPr>
+              <a:lstStyle/>
+              <a:p>
+                <a:pPr/>
+                <a14:m>
+                  <m:oMathPara xmlns:m="http://schemas.openxmlformats.org/officeDocument/2006/math">
+                    <m:oMathParaPr>
+                      <m:jc m:val="centerGroup"/>
+                    </m:oMathParaPr>
+                    <m:oMath xmlns:m="http://schemas.openxmlformats.org/officeDocument/2006/math">
+                      <m:r>
+                        <a:rPr lang="en-US" sz="2000" b="0" i="1" smtClean="0">
+                          <a:solidFill>
+                            <a:srgbClr val="BDB5B6"/>
+                          </a:solidFill>
+                          <a:latin typeface="Cambria Math" panose="02040503050406030204" pitchFamily="18" charset="0"/>
+                        </a:rPr>
+                        <m:t>𝐸</m:t>
+                      </m:r>
+                      <m:d>
+                        <m:dPr>
+                          <m:begChr m:val="["/>
+                          <m:endChr m:val="]"/>
+                          <m:ctrlPr>
+                            <a:rPr lang="en-US" sz="2000" b="0" i="1" smtClean="0">
+                              <a:solidFill>
+                                <a:srgbClr val="BDB5B6"/>
+                              </a:solidFill>
+                              <a:latin typeface="Cambria Math" panose="02040503050406030204" pitchFamily="18" charset="0"/>
+                            </a:rPr>
+                          </m:ctrlPr>
+                        </m:dPr>
+                        <m:e>
+                          <m:r>
+                            <a:rPr lang="en-US" sz="2000" b="0" i="1" smtClean="0">
+                              <a:solidFill>
+                                <a:srgbClr val="BDB5B6"/>
+                              </a:solidFill>
+                              <a:latin typeface="Cambria Math" panose="02040503050406030204" pitchFamily="18" charset="0"/>
+                            </a:rPr>
+                            <m:t>𝐸𝑎𝑟𝑛𝑖𝑛𝑔𝑠</m:t>
+                          </m:r>
+                        </m:e>
+                      </m:d>
+                      <m:r>
+                        <a:rPr lang="en-US" sz="2000" b="0" i="1" smtClean="0">
+                          <a:solidFill>
+                            <a:srgbClr val="BDB5B6"/>
+                          </a:solidFill>
+                          <a:latin typeface="Cambria Math" panose="02040503050406030204" pitchFamily="18" charset="0"/>
+                        </a:rPr>
+                        <m:t>=</m:t>
+                      </m:r>
+                      <m:d>
+                        <m:dPr>
+                          <m:ctrlPr>
+                            <a:rPr lang="en-US" sz="2000" b="0" i="1" smtClean="0">
+                              <a:solidFill>
+                                <a:srgbClr val="BDB5B6"/>
+                              </a:solidFill>
+                              <a:latin typeface="Cambria Math" panose="02040503050406030204" pitchFamily="18" charset="0"/>
+                            </a:rPr>
+                          </m:ctrlPr>
+                        </m:dPr>
+                        <m:e>
+                          <m:r>
+                            <a:rPr lang="en-US" sz="2000" b="0" i="1" smtClean="0">
+                              <a:solidFill>
+                                <a:srgbClr val="BDB5B6"/>
+                              </a:solidFill>
+                              <a:latin typeface="Cambria Math" panose="02040503050406030204" pitchFamily="18" charset="0"/>
+                            </a:rPr>
+                            <m:t>−</m:t>
+                          </m:r>
+                          <m:r>
+                            <a:rPr lang="en-US" sz="2000" b="0" i="1" smtClean="0">
+                              <a:solidFill>
+                                <a:srgbClr val="BDB5B6"/>
+                              </a:solidFill>
+                              <a:latin typeface="Cambria Math" panose="02040503050406030204" pitchFamily="18" charset="0"/>
+                            </a:rPr>
+                            <m:t>10</m:t>
+                          </m:r>
+                        </m:e>
+                      </m:d>
+                      <m:r>
+                        <a:rPr lang="en-US" sz="2000" b="0" i="1" smtClean="0">
+                          <a:solidFill>
+                            <a:srgbClr val="BDB5B6"/>
+                          </a:solidFill>
+                          <a:latin typeface="Cambria Math" panose="02040503050406030204" pitchFamily="18" charset="0"/>
+                        </a:rPr>
+                        <m:t>×</m:t>
+                      </m:r>
+                      <m:r>
+                        <a:rPr lang="en-US" sz="2000" b="0" i="1" smtClean="0">
+                          <a:solidFill>
+                            <a:srgbClr val="BDB5B6"/>
+                          </a:solidFill>
+                          <a:latin typeface="Cambria Math" panose="02040503050406030204" pitchFamily="18" charset="0"/>
+                        </a:rPr>
+                        <m:t>0.4945</m:t>
+                      </m:r>
+                      <m:r>
+                        <a:rPr lang="en-US" sz="2000" b="0" i="1" smtClean="0">
+                          <a:solidFill>
+                            <a:srgbClr val="BDB5B6"/>
+                          </a:solidFill>
+                          <a:latin typeface="Cambria Math" panose="02040503050406030204" pitchFamily="18" charset="0"/>
+                        </a:rPr>
+                        <m:t>+</m:t>
+                      </m:r>
+                      <m:d>
+                        <m:dPr>
+                          <m:ctrlPr>
+                            <a:rPr lang="en-US" sz="2000" b="0" i="1" smtClean="0">
+                              <a:solidFill>
+                                <a:srgbClr val="BDB5B6"/>
+                              </a:solidFill>
+                              <a:latin typeface="Cambria Math" panose="02040503050406030204" pitchFamily="18" charset="0"/>
+                            </a:rPr>
+                          </m:ctrlPr>
+                        </m:dPr>
+                        <m:e>
+                          <m:r>
+                            <a:rPr lang="en-US" sz="2000" b="0" i="1" smtClean="0">
+                              <a:solidFill>
+                                <a:srgbClr val="BDB5B6"/>
+                              </a:solidFill>
+                              <a:latin typeface="Cambria Math" panose="02040503050406030204" pitchFamily="18" charset="0"/>
+                            </a:rPr>
+                            <m:t>11</m:t>
+                          </m:r>
+                        </m:e>
+                      </m:d>
+                      <m:r>
+                        <a:rPr lang="en-US" sz="2000" b="0" i="1" smtClean="0">
+                          <a:solidFill>
+                            <a:srgbClr val="BDB5B6"/>
+                          </a:solidFill>
+                          <a:latin typeface="Cambria Math" panose="02040503050406030204" pitchFamily="18" charset="0"/>
+                        </a:rPr>
+                        <m:t>×</m:t>
+                      </m:r>
+                      <m:r>
+                        <a:rPr lang="en-US" sz="2000" b="0" i="1" smtClean="0">
+                          <a:solidFill>
+                            <a:srgbClr val="BDB5B6"/>
+                          </a:solidFill>
+                          <a:latin typeface="Cambria Math" panose="02040503050406030204" pitchFamily="18" charset="0"/>
+                        </a:rPr>
+                        <m:t>0.5055=0.6156</m:t>
+                      </m:r>
+                    </m:oMath>
+                  </m:oMathPara>
+                </a14:m>
+                <a:endParaRPr lang="en-US" sz="2000" dirty="0">
+                  <a:solidFill>
+                    <a:srgbClr val="BDB5B6"/>
+                  </a:solidFill>
+                </a:endParaRPr>
+              </a:p>
+            </p:txBody>
+          </p:sp>
+        </mc:Choice>
+        <mc:Fallback>
+          <p:sp>
+            <p:nvSpPr>
+              <p:cNvPr id="8" name="TextBox 7">
+                <a:extLst>
+                  <a:ext uri="{FF2B5EF4-FFF2-40B4-BE49-F238E27FC236}">
+                    <a16:creationId xmlns:a16="http://schemas.microsoft.com/office/drawing/2014/main" id="{B7B1835F-6420-46AC-9B26-E2199DFD64BE}"/>
+                  </a:ext>
+                </a:extLst>
+              </p:cNvPr>
+              <p:cNvSpPr txBox="1">
+                <a:spLocks noRot="1" noChangeAspect="1" noMove="1" noResize="1" noEditPoints="1" noAdjustHandles="1" noChangeArrowheads="1" noChangeShapeType="1" noTextEdit="1"/>
+              </p:cNvSpPr>
+              <p:nvPr/>
+            </p:nvSpPr>
+            <p:spPr>
+              <a:xfrm>
+                <a:off x="2302817" y="2966793"/>
+                <a:ext cx="8270791" cy="400110"/>
+              </a:xfrm>
+              <a:prstGeom prst="rect">
+                <a:avLst/>
+              </a:prstGeom>
+              <a:blipFill>
+                <a:blip r:embed="rId5"/>
+                <a:stretch>
+                  <a:fillRect b="-15385"/>
+                </a:stretch>
+              </a:blipFill>
+            </p:spPr>
+            <p:txBody>
+              <a:bodyPr/>
+              <a:lstStyle/>
+              <a:p>
+                <a:r>
+                  <a:rPr lang="en-US">
+                    <a:noFill/>
+                  </a:rPr>
+                  <a:t> </a:t>
+                </a:r>
+              </a:p>
+            </p:txBody>
+          </p:sp>
+        </mc:Fallback>
+      </mc:AlternateContent>
+      <mc:AlternateContent xmlns:mc="http://schemas.openxmlformats.org/markup-compatibility/2006">
+        <mc:Choice xmlns:a14="http://schemas.microsoft.com/office/drawing/2010/main" Requires="a14">
+          <p:sp>
+            <p:nvSpPr>
+              <p:cNvPr id="10" name="TextBox 9">
+                <a:extLst>
+                  <a:ext uri="{FF2B5EF4-FFF2-40B4-BE49-F238E27FC236}">
+                    <a16:creationId xmlns:a16="http://schemas.microsoft.com/office/drawing/2014/main" id="{88F9DD8C-3FA2-4465-8FAA-1766EB15CACE}"/>
+                  </a:ext>
+                </a:extLst>
+              </p:cNvPr>
+              <p:cNvSpPr txBox="1"/>
+              <p:nvPr/>
+            </p:nvSpPr>
+            <p:spPr>
+              <a:xfrm>
+                <a:off x="1778000" y="3678568"/>
+                <a:ext cx="8270791" cy="400110"/>
+              </a:xfrm>
+              <a:prstGeom prst="rect">
+                <a:avLst/>
+              </a:prstGeom>
+              <a:noFill/>
+            </p:spPr>
+            <p:txBody>
+              <a:bodyPr wrap="square" rtlCol="0">
+                <a:spAutoFit/>
+              </a:bodyPr>
+              <a:lstStyle/>
+              <a:p>
+                <a:pPr/>
+                <a14:m>
+                  <m:oMathPara xmlns:m="http://schemas.openxmlformats.org/officeDocument/2006/math">
+                    <m:oMathParaPr>
+                      <m:jc m:val="centerGroup"/>
+                    </m:oMathParaPr>
+                    <m:oMath xmlns:m="http://schemas.openxmlformats.org/officeDocument/2006/math">
+                      <m:r>
+                        <a:rPr lang="en-US" sz="2000" b="0" i="1" smtClean="0">
+                          <a:solidFill>
+                            <a:srgbClr val="BDB5B6"/>
+                          </a:solidFill>
+                          <a:latin typeface="Cambria Math" panose="02040503050406030204" pitchFamily="18" charset="0"/>
+                        </a:rPr>
+                        <m:t>𝐸</m:t>
+                      </m:r>
+                      <m:d>
+                        <m:dPr>
+                          <m:begChr m:val="["/>
+                          <m:endChr m:val="]"/>
+                          <m:ctrlPr>
+                            <a:rPr lang="en-US" sz="2000" b="0" i="1" smtClean="0">
+                              <a:solidFill>
+                                <a:srgbClr val="BDB5B6"/>
+                              </a:solidFill>
+                              <a:latin typeface="Cambria Math" panose="02040503050406030204" pitchFamily="18" charset="0"/>
+                            </a:rPr>
+                          </m:ctrlPr>
+                        </m:dPr>
+                        <m:e>
+                          <m:r>
+                            <a:rPr lang="en-US" sz="2000" b="0" i="1" smtClean="0">
+                              <a:solidFill>
+                                <a:srgbClr val="BDB5B6"/>
+                              </a:solidFill>
+                              <a:latin typeface="Cambria Math" panose="02040503050406030204" pitchFamily="18" charset="0"/>
+                            </a:rPr>
+                            <m:t>𝐸𝑎𝑟𝑛𝑖𝑛𝑔𝑠</m:t>
+                          </m:r>
+                        </m:e>
+                      </m:d>
+                      <m:r>
+                        <a:rPr lang="en-US" sz="2000" b="0" i="1" smtClean="0">
+                          <a:solidFill>
+                            <a:srgbClr val="BDB5B6"/>
+                          </a:solidFill>
+                          <a:latin typeface="Cambria Math" panose="02040503050406030204" pitchFamily="18" charset="0"/>
+                        </a:rPr>
+                        <m:t>=</m:t>
+                      </m:r>
+                      <m:d>
+                        <m:dPr>
+                          <m:ctrlPr>
+                            <a:rPr lang="en-US" sz="2000" b="0" i="1" smtClean="0">
+                              <a:solidFill>
+                                <a:srgbClr val="BDB5B6"/>
+                              </a:solidFill>
+                              <a:latin typeface="Cambria Math" panose="02040503050406030204" pitchFamily="18" charset="0"/>
+                            </a:rPr>
+                          </m:ctrlPr>
+                        </m:dPr>
+                        <m:e>
+                          <m:r>
+                            <a:rPr lang="en-US" sz="2000" b="0" i="1" smtClean="0">
+                              <a:solidFill>
+                                <a:srgbClr val="BDB5B6"/>
+                              </a:solidFill>
+                              <a:latin typeface="Cambria Math" panose="02040503050406030204" pitchFamily="18" charset="0"/>
+                            </a:rPr>
+                            <m:t>−</m:t>
+                          </m:r>
+                          <m:r>
+                            <a:rPr lang="en-US" sz="2000" b="0" i="1" smtClean="0">
+                              <a:solidFill>
+                                <a:srgbClr val="BDB5B6"/>
+                              </a:solidFill>
+                              <a:latin typeface="Cambria Math" panose="02040503050406030204" pitchFamily="18" charset="0"/>
+                            </a:rPr>
+                            <m:t>10</m:t>
+                          </m:r>
+                        </m:e>
+                      </m:d>
+                      <m:r>
+                        <a:rPr lang="en-US" sz="2000" b="0" i="1" smtClean="0">
+                          <a:solidFill>
+                            <a:srgbClr val="BDB5B6"/>
+                          </a:solidFill>
+                          <a:latin typeface="Cambria Math" panose="02040503050406030204" pitchFamily="18" charset="0"/>
+                        </a:rPr>
+                        <m:t>×</m:t>
+                      </m:r>
+                      <m:r>
+                        <a:rPr lang="en-US" sz="2000" b="0" i="1" smtClean="0">
+                          <a:solidFill>
+                            <a:srgbClr val="BDB5B6"/>
+                          </a:solidFill>
+                          <a:latin typeface="Cambria Math" panose="02040503050406030204" pitchFamily="18" charset="0"/>
+                        </a:rPr>
+                        <m:t>0.5</m:t>
+                      </m:r>
+                      <m:r>
+                        <a:rPr lang="en-US" sz="2000" b="0" i="1" smtClean="0">
+                          <a:solidFill>
+                            <a:srgbClr val="BDB5B6"/>
+                          </a:solidFill>
+                          <a:latin typeface="Cambria Math" panose="02040503050406030204" pitchFamily="18" charset="0"/>
+                        </a:rPr>
+                        <m:t>+</m:t>
+                      </m:r>
+                      <m:d>
+                        <m:dPr>
+                          <m:ctrlPr>
+                            <a:rPr lang="en-US" sz="2000" b="0" i="1" smtClean="0">
+                              <a:solidFill>
+                                <a:srgbClr val="BDB5B6"/>
+                              </a:solidFill>
+                              <a:latin typeface="Cambria Math" panose="02040503050406030204" pitchFamily="18" charset="0"/>
+                            </a:rPr>
+                          </m:ctrlPr>
+                        </m:dPr>
+                        <m:e>
+                          <m:r>
+                            <a:rPr lang="en-US" sz="2000" b="0" i="1" smtClean="0">
+                              <a:solidFill>
+                                <a:srgbClr val="BDB5B6"/>
+                              </a:solidFill>
+                              <a:latin typeface="Cambria Math" panose="02040503050406030204" pitchFamily="18" charset="0"/>
+                            </a:rPr>
+                            <m:t>11</m:t>
+                          </m:r>
+                        </m:e>
+                      </m:d>
+                      <m:r>
+                        <a:rPr lang="en-US" sz="2000" b="0" i="1" smtClean="0">
+                          <a:solidFill>
+                            <a:srgbClr val="BDB5B6"/>
+                          </a:solidFill>
+                          <a:latin typeface="Cambria Math" panose="02040503050406030204" pitchFamily="18" charset="0"/>
+                        </a:rPr>
+                        <m:t>×</m:t>
+                      </m:r>
+                      <m:r>
+                        <a:rPr lang="en-US" sz="2000" b="0" i="1" smtClean="0">
+                          <a:solidFill>
+                            <a:srgbClr val="BDB5B6"/>
+                          </a:solidFill>
+                          <a:latin typeface="Cambria Math" panose="02040503050406030204" pitchFamily="18" charset="0"/>
+                        </a:rPr>
+                        <m:t>0.50=0.50</m:t>
+                      </m:r>
+                    </m:oMath>
+                  </m:oMathPara>
+                </a14:m>
+                <a:endParaRPr lang="en-US" sz="2000" dirty="0">
+                  <a:solidFill>
+                    <a:srgbClr val="BDB5B6"/>
+                  </a:solidFill>
+                </a:endParaRPr>
+              </a:p>
+            </p:txBody>
+          </p:sp>
+        </mc:Choice>
+        <mc:Fallback>
+          <p:sp>
+            <p:nvSpPr>
+              <p:cNvPr id="10" name="TextBox 9">
+                <a:extLst>
+                  <a:ext uri="{FF2B5EF4-FFF2-40B4-BE49-F238E27FC236}">
+                    <a16:creationId xmlns:a16="http://schemas.microsoft.com/office/drawing/2014/main" id="{88F9DD8C-3FA2-4465-8FAA-1766EB15CACE}"/>
+                  </a:ext>
+                </a:extLst>
+              </p:cNvPr>
+              <p:cNvSpPr txBox="1">
+                <a:spLocks noRot="1" noChangeAspect="1" noMove="1" noResize="1" noEditPoints="1" noAdjustHandles="1" noChangeArrowheads="1" noChangeShapeType="1" noTextEdit="1"/>
+              </p:cNvSpPr>
+              <p:nvPr/>
+            </p:nvSpPr>
+            <p:spPr>
+              <a:xfrm>
+                <a:off x="1778000" y="3678568"/>
+                <a:ext cx="8270791" cy="400110"/>
+              </a:xfrm>
+              <a:prstGeom prst="rect">
+                <a:avLst/>
+              </a:prstGeom>
+              <a:blipFill>
+                <a:blip r:embed="rId6"/>
+                <a:stretch>
+                  <a:fillRect b="-15152"/>
+                </a:stretch>
+              </a:blipFill>
+            </p:spPr>
+            <p:txBody>
+              <a:bodyPr/>
+              <a:lstStyle/>
+              <a:p>
+                <a:r>
+                  <a:rPr lang="en-US">
+                    <a:noFill/>
+                  </a:rPr>
+                  <a:t> </a:t>
+                </a:r>
+              </a:p>
+            </p:txBody>
+          </p:sp>
+        </mc:Fallback>
+      </mc:AlternateContent>
+    </p:spTree>
+    <p:extLst>
+      <p:ext uri="{BB962C8B-B14F-4D97-AF65-F5344CB8AC3E}">
+        <p14:creationId xmlns:p14="http://schemas.microsoft.com/office/powerpoint/2010/main" val="542424786"/>
+      </p:ext>
+    </p:extLst>
+  </p:cSld>
+  <p:clrMapOvr>
+    <a:masterClrMapping/>
+  </p:clrMapOvr>
+</p:sld>
+</file>
+
+<file path=ppt/slides/slide21.xml><?xml version="1.0" encoding="utf-8"?>
+<p:sld xmlns:a="http://schemas.openxmlformats.org/drawingml/2006/main" xmlns:r="http://schemas.openxmlformats.org/officeDocument/2006/relationships" xmlns:p="http://schemas.openxmlformats.org/presentationml/2006/main" showMasterSp="0">
+  <p:cSld>
+    <p:bg>
+      <p:bgPr>
+        <a:blipFill dpi="0" rotWithShape="1">
+          <a:blip r:embed="rId2">
+            <a:lum/>
+          </a:blip>
+          <a:srcRect/>
+          <a:tile tx="0" ty="0" sx="100000" sy="100000" flip="none" algn="tl"/>
+        </a:blipFill>
+        <a:effectLst/>
+      </p:bgPr>
+    </p:bg>
+    <p:spTree>
+      <p:nvGrpSpPr>
+        <p:cNvPr id="1" name=""/>
+        <p:cNvGrpSpPr/>
+        <p:nvPr/>
+      </p:nvGrpSpPr>
+      <p:grpSpPr>
+        <a:xfrm>
+          <a:off x="0" y="0"/>
+          <a:ext cx="0" cy="0"/>
+          <a:chOff x="0" y="0"/>
+          <a:chExt cx="0" cy="0"/>
+        </a:xfrm>
+      </p:grpSpPr>
+      <p:sp>
+        <p:nvSpPr>
+          <p:cNvPr id="9" name="Arrow: Chevron 8">
+            <a:extLst>
+              <a:ext uri="{FF2B5EF4-FFF2-40B4-BE49-F238E27FC236}">
+                <a16:creationId xmlns:a16="http://schemas.microsoft.com/office/drawing/2014/main" id="{24415BF9-56C9-403E-8BE8-95CC8185EFB1}"/>
+              </a:ext>
+            </a:extLst>
+          </p:cNvPr>
+          <p:cNvSpPr/>
+          <p:nvPr/>
+        </p:nvSpPr>
+        <p:spPr>
+          <a:xfrm rot="10800000">
+            <a:off x="2115070" y="336369"/>
+            <a:ext cx="10534129" cy="837148"/>
+          </a:xfrm>
+          <a:prstGeom prst="chevron">
+            <a:avLst/>
+          </a:prstGeom>
+        </p:spPr>
+        <p:style>
+          <a:lnRef idx="2">
+            <a:schemeClr val="accent2">
+              <a:shade val="50000"/>
+            </a:schemeClr>
+          </a:lnRef>
+          <a:fillRef idx="1">
+            <a:schemeClr val="accent2"/>
+          </a:fillRef>
+          <a:effectRef idx="0">
+            <a:schemeClr val="accent2"/>
+          </a:effectRef>
+          <a:fontRef idx="minor">
+            <a:schemeClr val="lt1"/>
+          </a:fontRef>
+        </p:style>
+        <p:txBody>
+          <a:bodyPr rtlCol="0" anchor="ctr"/>
+          <a:lstStyle/>
+          <a:p>
+            <a:pPr algn="ctr"/>
+            <a:endParaRPr lang="en-US">
+              <a:solidFill>
+                <a:schemeClr val="accent1">
+                  <a:lumMod val="75000"/>
+                </a:schemeClr>
+              </a:solidFill>
+            </a:endParaRPr>
+          </a:p>
+        </p:txBody>
+      </p:sp>
+      <p:sp>
+        <p:nvSpPr>
+          <p:cNvPr id="2" name="Title 1">
+            <a:extLst>
+              <a:ext uri="{FF2B5EF4-FFF2-40B4-BE49-F238E27FC236}">
+                <a16:creationId xmlns:a16="http://schemas.microsoft.com/office/drawing/2014/main" id="{9392CDF9-6C62-44DD-B489-EA9E8C54097A}"/>
+              </a:ext>
+            </a:extLst>
+          </p:cNvPr>
+          <p:cNvSpPr>
+            <a:spLocks noGrp="1"/>
+          </p:cNvSpPr>
+          <p:nvPr>
+            <p:ph type="title"/>
+          </p:nvPr>
+        </p:nvSpPr>
+        <p:spPr>
+          <a:xfrm>
+            <a:off x="2590799" y="0"/>
+            <a:ext cx="10058400" cy="1609344"/>
+          </a:xfrm>
+        </p:spPr>
+        <p:txBody>
+          <a:bodyPr>
+            <a:normAutofit/>
+          </a:bodyPr>
+          <a:lstStyle/>
+          <a:p>
+            <a:r>
+              <a:rPr lang="en-US" sz="4800" dirty="0">
+                <a:solidFill>
+                  <a:schemeClr val="bg2">
+                    <a:lumMod val="75000"/>
+                  </a:schemeClr>
+                </a:solidFill>
+                <a:latin typeface="Selawik Semibold" panose="020B0702040204020203" pitchFamily="34" charset="0"/>
+              </a:rPr>
+              <a:t>Freakonomics for bookies</a:t>
+            </a:r>
+          </a:p>
+        </p:txBody>
+      </p:sp>
+      <p:pic>
+        <p:nvPicPr>
+          <p:cNvPr id="21" name="Picture 20" descr="A picture containing drawing&#10;&#10;Description automatically generated">
+            <a:extLst>
+              <a:ext uri="{FF2B5EF4-FFF2-40B4-BE49-F238E27FC236}">
+                <a16:creationId xmlns:a16="http://schemas.microsoft.com/office/drawing/2014/main" id="{8EEF3E12-DB8E-44B9-9B4D-69802D584DAA}"/>
+              </a:ext>
+            </a:extLst>
+          </p:cNvPr>
+          <p:cNvPicPr>
+            <a:picLocks noChangeAspect="1"/>
+          </p:cNvPicPr>
+          <p:nvPr/>
+        </p:nvPicPr>
+        <p:blipFill>
+          <a:blip r:embed="rId3">
+            <a:alphaModFix amt="70000"/>
+            <a:extLst>
+              <a:ext uri="{28A0092B-C50C-407E-A947-70E740481C1C}">
+                <a14:useLocalDpi xmlns:a14="http://schemas.microsoft.com/office/drawing/2010/main" val="0"/>
+              </a:ext>
+            </a:extLst>
+          </a:blip>
+          <a:stretch>
+            <a:fillRect/>
+          </a:stretch>
+        </p:blipFill>
+        <p:spPr>
+          <a:xfrm>
+            <a:off x="9044865" y="5190564"/>
+            <a:ext cx="3057487" cy="1331067"/>
+          </a:xfrm>
+          <a:prstGeom prst="rect">
+            <a:avLst/>
+          </a:prstGeom>
+          <a:ln>
+            <a:noFill/>
+          </a:ln>
+          <a:effectLst>
+            <a:reflection blurRad="12700" stA="30000" endPos="30000" dist="5000" dir="5400000" sy="-100000" algn="bl" rotWithShape="0"/>
+          </a:effectLst>
+          <a:scene3d>
+            <a:camera prst="perspectiveContrastingLeftFacing">
+              <a:rot lat="300000" lon="19800000" rev="0"/>
+            </a:camera>
+            <a:lightRig rig="threePt" dir="t">
+              <a:rot lat="0" lon="0" rev="2700000"/>
+            </a:lightRig>
+          </a:scene3d>
+          <a:sp3d>
+            <a:bevelT w="63500" h="50800"/>
+          </a:sp3d>
+        </p:spPr>
+      </p:pic>
+      <p:sp>
+        <p:nvSpPr>
+          <p:cNvPr id="22" name="Subtitle 2">
+            <a:extLst>
+              <a:ext uri="{FF2B5EF4-FFF2-40B4-BE49-F238E27FC236}">
+                <a16:creationId xmlns:a16="http://schemas.microsoft.com/office/drawing/2014/main" id="{66F7651F-9E92-431E-8D7F-7A494EDA9257}"/>
+              </a:ext>
+            </a:extLst>
+          </p:cNvPr>
+          <p:cNvSpPr txBox="1">
+            <a:spLocks/>
+          </p:cNvSpPr>
+          <p:nvPr/>
+        </p:nvSpPr>
+        <p:spPr>
+          <a:xfrm>
+            <a:off x="2677458" y="1541441"/>
+            <a:ext cx="8383477" cy="5316559"/>
+          </a:xfrm>
+          <a:prstGeom prst="rect">
+            <a:avLst/>
+          </a:prstGeom>
+        </p:spPr>
+        <p:txBody>
+          <a:bodyPr vert="horz" lIns="91440" tIns="45720" rIns="91440" bIns="45720" rtlCol="0" anchor="t">
+            <a:normAutofit/>
+          </a:bodyPr>
+          <a:lstStyle>
+            <a:lvl1pPr marL="182880" indent="-182880" algn="l" defTabSz="914400" rtl="0" eaLnBrk="1" latinLnBrk="0" hangingPunct="1">
+              <a:lnSpc>
+                <a:spcPct val="90000"/>
+              </a:lnSpc>
+              <a:spcBef>
+                <a:spcPts val="1200"/>
+              </a:spcBef>
+              <a:buClr>
+                <a:schemeClr val="accent1">
+                  <a:lumMod val="75000"/>
+                </a:schemeClr>
+              </a:buClr>
+              <a:buSzPct val="85000"/>
+              <a:buFont typeface="Wingdings" pitchFamily="2" charset="2"/>
+              <a:buChar char="§"/>
+              <a:defRPr sz="2000" kern="1200">
+                <a:solidFill>
+                  <a:schemeClr val="tx1"/>
+                </a:solidFill>
+                <a:latin typeface="+mn-lt"/>
+                <a:ea typeface="+mn-ea"/>
+                <a:cs typeface="+mn-cs"/>
+              </a:defRPr>
+            </a:lvl1pPr>
+            <a:lvl2pPr marL="457200" indent="-182880" algn="l" defTabSz="914400" rtl="0" eaLnBrk="1" latinLnBrk="0" hangingPunct="1">
+              <a:lnSpc>
+                <a:spcPct val="90000"/>
+              </a:lnSpc>
+              <a:spcBef>
+                <a:spcPts val="400"/>
+              </a:spcBef>
+              <a:spcAft>
+                <a:spcPts val="200"/>
+              </a:spcAft>
+              <a:buClr>
+                <a:schemeClr val="accent1">
+                  <a:lumMod val="75000"/>
+                </a:schemeClr>
+              </a:buClr>
+              <a:buSzPct val="85000"/>
+              <a:buFont typeface="Wingdings" pitchFamily="2" charset="2"/>
+              <a:buChar char="§"/>
+              <a:defRPr sz="1800" kern="1200">
+                <a:solidFill>
+                  <a:schemeClr val="tx1"/>
+                </a:solidFill>
+                <a:latin typeface="+mn-lt"/>
+                <a:ea typeface="+mn-ea"/>
+                <a:cs typeface="+mn-cs"/>
+              </a:defRPr>
+            </a:lvl2pPr>
+            <a:lvl3pPr marL="731520" indent="-182880" algn="l" defTabSz="914400" rtl="0" eaLnBrk="1" latinLnBrk="0" hangingPunct="1">
+              <a:lnSpc>
+                <a:spcPct val="90000"/>
+              </a:lnSpc>
+              <a:spcBef>
+                <a:spcPts val="400"/>
+              </a:spcBef>
+              <a:spcAft>
+                <a:spcPts val="200"/>
+              </a:spcAft>
+              <a:buClr>
+                <a:schemeClr val="accent1">
+                  <a:lumMod val="75000"/>
+                </a:schemeClr>
+              </a:buClr>
+              <a:buSzPct val="85000"/>
+              <a:buFont typeface="Wingdings" pitchFamily="2" charset="2"/>
+              <a:buChar char="§"/>
+              <a:defRPr sz="1600" kern="1200">
+                <a:solidFill>
+                  <a:schemeClr val="tx1"/>
+                </a:solidFill>
+                <a:latin typeface="+mn-lt"/>
+                <a:ea typeface="+mn-ea"/>
+                <a:cs typeface="+mn-cs"/>
+              </a:defRPr>
+            </a:lvl3pPr>
+            <a:lvl4pPr marL="1005840" indent="-182880" algn="l" defTabSz="914400" rtl="0" eaLnBrk="1" latinLnBrk="0" hangingPunct="1">
+              <a:lnSpc>
+                <a:spcPct val="90000"/>
+              </a:lnSpc>
+              <a:spcBef>
+                <a:spcPts val="400"/>
+              </a:spcBef>
+              <a:spcAft>
+                <a:spcPts val="200"/>
+              </a:spcAft>
+              <a:buClr>
+                <a:schemeClr val="accent1">
+                  <a:lumMod val="75000"/>
+                </a:schemeClr>
+              </a:buClr>
+              <a:buSzPct val="85000"/>
+              <a:buFont typeface="Wingdings" pitchFamily="2" charset="2"/>
+              <a:buChar char="§"/>
+              <a:defRPr sz="1600" kern="1200">
+                <a:solidFill>
+                  <a:schemeClr val="tx1"/>
+                </a:solidFill>
+                <a:latin typeface="+mn-lt"/>
+                <a:ea typeface="+mn-ea"/>
+                <a:cs typeface="+mn-cs"/>
+              </a:defRPr>
+            </a:lvl4pPr>
+            <a:lvl5pPr marL="1280160" indent="-182880" algn="l" defTabSz="914400" rtl="0" eaLnBrk="1" latinLnBrk="0" hangingPunct="1">
+              <a:lnSpc>
+                <a:spcPct val="90000"/>
+              </a:lnSpc>
+              <a:spcBef>
+                <a:spcPts val="400"/>
+              </a:spcBef>
+              <a:spcAft>
+                <a:spcPts val="200"/>
+              </a:spcAft>
+              <a:buClr>
+                <a:schemeClr val="accent1">
+                  <a:lumMod val="75000"/>
+                </a:schemeClr>
+              </a:buClr>
+              <a:buSzPct val="85000"/>
+              <a:buFont typeface="Wingdings" pitchFamily="2" charset="2"/>
+              <a:buChar char="§"/>
+              <a:defRPr sz="1600" kern="1200">
+                <a:solidFill>
+                  <a:schemeClr val="tx1"/>
+                </a:solidFill>
+                <a:latin typeface="+mn-lt"/>
+                <a:ea typeface="+mn-ea"/>
+                <a:cs typeface="+mn-cs"/>
+              </a:defRPr>
+            </a:lvl5pPr>
+            <a:lvl6pPr marL="1600000" indent="-228600" algn="l" defTabSz="914400" rtl="0" eaLnBrk="1" latinLnBrk="0" hangingPunct="1">
+              <a:lnSpc>
+                <a:spcPct val="90000"/>
+              </a:lnSpc>
+              <a:spcBef>
+                <a:spcPts val="400"/>
+              </a:spcBef>
+              <a:spcAft>
+                <a:spcPts val="200"/>
+              </a:spcAft>
+              <a:buClr>
+                <a:schemeClr val="accent1">
+                  <a:lumMod val="75000"/>
+                </a:schemeClr>
+              </a:buClr>
+              <a:buSzPct val="85000"/>
+              <a:buFont typeface="Wingdings" pitchFamily="2" charset="2"/>
+              <a:buChar char="§"/>
+              <a:defRPr sz="1600" kern="1200">
+                <a:solidFill>
+                  <a:schemeClr val="tx1"/>
+                </a:solidFill>
+                <a:latin typeface="+mn-lt"/>
+                <a:ea typeface="+mn-ea"/>
+                <a:cs typeface="+mn-cs"/>
+              </a:defRPr>
+            </a:lvl6pPr>
+            <a:lvl7pPr marL="1900000" indent="-228600" algn="l" defTabSz="914400" rtl="0" eaLnBrk="1" latinLnBrk="0" hangingPunct="1">
+              <a:lnSpc>
+                <a:spcPct val="90000"/>
+              </a:lnSpc>
+              <a:spcBef>
+                <a:spcPts val="400"/>
+              </a:spcBef>
+              <a:spcAft>
+                <a:spcPts val="200"/>
+              </a:spcAft>
+              <a:buClr>
+                <a:schemeClr val="accent1">
+                  <a:lumMod val="75000"/>
+                </a:schemeClr>
+              </a:buClr>
+              <a:buSzPct val="85000"/>
+              <a:buFont typeface="Wingdings" pitchFamily="2" charset="2"/>
+              <a:buChar char="§"/>
+              <a:defRPr sz="1600" kern="1200">
+                <a:solidFill>
+                  <a:schemeClr val="tx1"/>
+                </a:solidFill>
+                <a:latin typeface="+mn-lt"/>
+                <a:ea typeface="+mn-ea"/>
+                <a:cs typeface="+mn-cs"/>
+              </a:defRPr>
+            </a:lvl7pPr>
+            <a:lvl8pPr marL="2200000" indent="-228600" algn="l" defTabSz="914400" rtl="0" eaLnBrk="1" latinLnBrk="0" hangingPunct="1">
+              <a:lnSpc>
+                <a:spcPct val="90000"/>
+              </a:lnSpc>
+              <a:spcBef>
+                <a:spcPts val="400"/>
+              </a:spcBef>
+              <a:spcAft>
+                <a:spcPts val="200"/>
+              </a:spcAft>
+              <a:buClr>
+                <a:schemeClr val="accent1">
+                  <a:lumMod val="75000"/>
+                </a:schemeClr>
+              </a:buClr>
+              <a:buSzPct val="85000"/>
+              <a:buFont typeface="Wingdings" pitchFamily="2" charset="2"/>
+              <a:buChar char="§"/>
+              <a:defRPr sz="1600" kern="1200">
+                <a:solidFill>
+                  <a:schemeClr val="tx1"/>
+                </a:solidFill>
+                <a:latin typeface="+mn-lt"/>
+                <a:ea typeface="+mn-ea"/>
+                <a:cs typeface="+mn-cs"/>
+              </a:defRPr>
+            </a:lvl8pPr>
+            <a:lvl9pPr marL="2500000" indent="-228600" algn="l" defTabSz="914400" rtl="0" eaLnBrk="1" latinLnBrk="0" hangingPunct="1">
+              <a:lnSpc>
+                <a:spcPct val="90000"/>
+              </a:lnSpc>
+              <a:spcBef>
+                <a:spcPts val="400"/>
+              </a:spcBef>
+              <a:spcAft>
+                <a:spcPts val="200"/>
+              </a:spcAft>
+              <a:buClr>
+                <a:schemeClr val="accent1">
+                  <a:lumMod val="75000"/>
+                </a:schemeClr>
+              </a:buClr>
+              <a:buSzPct val="85000"/>
+              <a:buFont typeface="Wingdings" pitchFamily="2" charset="2"/>
+              <a:buChar char="§"/>
+              <a:defRPr sz="1600" kern="1200">
+                <a:solidFill>
+                  <a:schemeClr val="tx1"/>
+                </a:solidFill>
+                <a:latin typeface="+mn-lt"/>
+                <a:ea typeface="+mn-ea"/>
+                <a:cs typeface="+mn-cs"/>
+              </a:defRPr>
+            </a:lvl9pPr>
+          </a:lstStyle>
+          <a:p>
+            <a:pPr>
+              <a:buClr>
+                <a:schemeClr val="bg2">
+                  <a:lumMod val="90000"/>
+                </a:schemeClr>
+              </a:buClr>
+              <a:buSzPct val="100000"/>
+            </a:pPr>
+            <a:r>
+              <a:rPr lang="en-US" sz="2400" dirty="0">
+                <a:solidFill>
+                  <a:schemeClr val="accent5">
+                    <a:lumMod val="60000"/>
+                    <a:lumOff val="40000"/>
+                  </a:schemeClr>
+                </a:solidFill>
+                <a:latin typeface="Selawik Semibold" panose="020B0702040204020203" pitchFamily="34" charset="0"/>
+              </a:rPr>
+              <a:t>Work by </a:t>
+            </a:r>
+            <a:r>
+              <a:rPr lang="en-US" sz="2400" dirty="0" err="1">
+                <a:solidFill>
+                  <a:schemeClr val="accent5">
+                    <a:lumMod val="60000"/>
+                    <a:lumOff val="40000"/>
+                  </a:schemeClr>
+                </a:solidFill>
+                <a:latin typeface="Selawik Semibold" panose="020B0702040204020203" pitchFamily="34" charset="0"/>
+              </a:rPr>
+              <a:t>Flepp</a:t>
+            </a:r>
+            <a:r>
+              <a:rPr lang="en-US" sz="2400" dirty="0">
+                <a:solidFill>
+                  <a:schemeClr val="accent5">
+                    <a:lumMod val="60000"/>
+                    <a:lumOff val="40000"/>
+                  </a:schemeClr>
+                </a:solidFill>
+                <a:latin typeface="Selawik Semibold" panose="020B0702040204020203" pitchFamily="34" charset="0"/>
+              </a:rPr>
+              <a:t>, </a:t>
+            </a:r>
+            <a:r>
+              <a:rPr lang="en-US" sz="2400" dirty="0" err="1">
+                <a:solidFill>
+                  <a:schemeClr val="accent5">
+                    <a:lumMod val="60000"/>
+                    <a:lumOff val="40000"/>
+                  </a:schemeClr>
+                </a:solidFill>
+                <a:latin typeface="Selawik Semibold" panose="020B0702040204020203" pitchFamily="34" charset="0"/>
+              </a:rPr>
+              <a:t>Nuesch</a:t>
+            </a:r>
+            <a:r>
+              <a:rPr lang="en-US" sz="2400" dirty="0">
+                <a:solidFill>
+                  <a:schemeClr val="accent5">
+                    <a:lumMod val="60000"/>
+                    <a:lumOff val="40000"/>
+                  </a:schemeClr>
+                </a:solidFill>
+                <a:latin typeface="Selawik Semibold" panose="020B0702040204020203" pitchFamily="34" charset="0"/>
+              </a:rPr>
+              <a:t>, and Franck</a:t>
+            </a:r>
+          </a:p>
+          <a:p>
+            <a:pPr lvl="1">
+              <a:buClr>
+                <a:schemeClr val="bg2">
+                  <a:lumMod val="90000"/>
+                </a:schemeClr>
+              </a:buClr>
+              <a:buSzPct val="100000"/>
+            </a:pPr>
+            <a:r>
+              <a:rPr lang="en-US" sz="2200" dirty="0">
+                <a:solidFill>
+                  <a:schemeClr val="accent5">
+                    <a:lumMod val="60000"/>
+                    <a:lumOff val="40000"/>
+                  </a:schemeClr>
+                </a:solidFill>
+                <a:latin typeface="Selawik Semibold" panose="020B0702040204020203" pitchFamily="34" charset="0"/>
+              </a:rPr>
+              <a:t>Analyzed This For Over/Under Bet in Soccer Matches</a:t>
+            </a:r>
+          </a:p>
+          <a:p>
+            <a:pPr lvl="1">
+              <a:buClr>
+                <a:schemeClr val="bg2">
+                  <a:lumMod val="90000"/>
+                </a:schemeClr>
+              </a:buClr>
+              <a:buSzPct val="100000"/>
+            </a:pPr>
+            <a:r>
+              <a:rPr lang="en-US" sz="2200" dirty="0">
+                <a:solidFill>
+                  <a:schemeClr val="accent5">
+                    <a:lumMod val="60000"/>
+                    <a:lumOff val="40000"/>
+                  </a:schemeClr>
+                </a:solidFill>
+                <a:latin typeface="Selawik Semibold" panose="020B0702040204020203" pitchFamily="34" charset="0"/>
+              </a:rPr>
+              <a:t>Focused on Over/Under of 2.5 Goals</a:t>
+            </a:r>
+          </a:p>
+          <a:p>
+            <a:pPr lvl="1">
+              <a:buClr>
+                <a:schemeClr val="bg2">
+                  <a:lumMod val="90000"/>
+                </a:schemeClr>
+              </a:buClr>
+              <a:buSzPct val="100000"/>
+            </a:pPr>
+            <a:r>
+              <a:rPr lang="en-US" sz="2200" dirty="0">
+                <a:solidFill>
+                  <a:schemeClr val="accent5">
+                    <a:lumMod val="60000"/>
+                    <a:lumOff val="40000"/>
+                  </a:schemeClr>
+                </a:solidFill>
+                <a:latin typeface="Selawik Semibold" panose="020B0702040204020203" pitchFamily="34" charset="0"/>
+              </a:rPr>
+              <a:t>Most Fans Are Biased to Bet on Over</a:t>
+            </a:r>
+          </a:p>
+          <a:p>
+            <a:pPr lvl="1">
+              <a:buClr>
+                <a:schemeClr val="bg2">
+                  <a:lumMod val="90000"/>
+                </a:schemeClr>
+              </a:buClr>
+              <a:buSzPct val="100000"/>
+            </a:pPr>
+            <a:r>
+              <a:rPr lang="en-US" sz="2200" dirty="0">
+                <a:solidFill>
+                  <a:schemeClr val="accent5">
+                    <a:lumMod val="60000"/>
+                    <a:lumOff val="40000"/>
+                  </a:schemeClr>
+                </a:solidFill>
+                <a:latin typeface="Selawik Semibold" panose="020B0702040204020203" pitchFamily="34" charset="0"/>
+              </a:rPr>
+              <a:t>80% of Money Waged on the Over Bet</a:t>
+            </a:r>
+          </a:p>
+          <a:p>
+            <a:pPr lvl="1">
+              <a:buClr>
+                <a:schemeClr val="bg2">
+                  <a:lumMod val="90000"/>
+                </a:schemeClr>
+              </a:buClr>
+              <a:buSzPct val="100000"/>
+            </a:pPr>
+            <a:r>
+              <a:rPr lang="en-US" sz="2200" dirty="0">
+                <a:solidFill>
+                  <a:schemeClr val="accent5">
+                    <a:lumMod val="60000"/>
+                    <a:lumOff val="40000"/>
+                  </a:schemeClr>
+                </a:solidFill>
+                <a:latin typeface="Selawik Semibold" panose="020B0702040204020203" pitchFamily="34" charset="0"/>
+              </a:rPr>
+              <a:t>Average Number of Goals Between 2.4 and 2.6</a:t>
+            </a:r>
+          </a:p>
+          <a:p>
+            <a:pPr lvl="1">
+              <a:buClr>
+                <a:schemeClr val="bg2">
+                  <a:lumMod val="90000"/>
+                </a:schemeClr>
+              </a:buClr>
+              <a:buSzPct val="100000"/>
+            </a:pPr>
+            <a:r>
+              <a:rPr lang="en-US" sz="2200" dirty="0">
+                <a:solidFill>
+                  <a:schemeClr val="accent5">
+                    <a:lumMod val="60000"/>
+                    <a:lumOff val="40000"/>
+                  </a:schemeClr>
+                </a:solidFill>
+                <a:latin typeface="Selawik Semibold" panose="020B0702040204020203" pitchFamily="34" charset="0"/>
+              </a:rPr>
+              <a:t>Discovered that Bettors Don’t Attempt to Modify the Over/Under Bet to Take Advantage of Bettors </a:t>
+            </a:r>
+          </a:p>
+          <a:p>
+            <a:pPr lvl="1">
+              <a:buClr>
+                <a:schemeClr val="bg2">
+                  <a:lumMod val="90000"/>
+                </a:schemeClr>
+              </a:buClr>
+              <a:buSzPct val="100000"/>
+            </a:pPr>
+            <a:r>
+              <a:rPr lang="en-US" sz="2200" dirty="0">
+                <a:solidFill>
+                  <a:schemeClr val="accent5">
+                    <a:lumMod val="60000"/>
+                    <a:lumOff val="40000"/>
+                  </a:schemeClr>
+                </a:solidFill>
+                <a:latin typeface="Selawik Semibold" panose="020B0702040204020203" pitchFamily="34" charset="0"/>
+              </a:rPr>
+              <a:t>Why Do You Think This </a:t>
+            </a:r>
+            <a:r>
+              <a:rPr lang="en-US" sz="2200">
+                <a:solidFill>
+                  <a:schemeClr val="accent5">
+                    <a:lumMod val="60000"/>
+                    <a:lumOff val="40000"/>
+                  </a:schemeClr>
+                </a:solidFill>
+                <a:latin typeface="Selawik Semibold" panose="020B0702040204020203" pitchFamily="34" charset="0"/>
+              </a:rPr>
+              <a:t>is the Case?</a:t>
+            </a:r>
+            <a:endParaRPr lang="en-US" sz="2200" dirty="0">
+              <a:solidFill>
+                <a:schemeClr val="accent5">
+                  <a:lumMod val="60000"/>
+                  <a:lumOff val="40000"/>
+                </a:schemeClr>
+              </a:solidFill>
+              <a:latin typeface="Selawik Semibold" panose="020B0702040204020203" pitchFamily="34" charset="0"/>
+            </a:endParaRPr>
+          </a:p>
+        </p:txBody>
+      </p:sp>
+      <p:pic>
+        <p:nvPicPr>
+          <p:cNvPr id="5" name="Content Placeholder 4" descr="A picture containing banana, sitting, yellow&#10;&#10;Description automatically generated">
+            <a:extLst>
+              <a:ext uri="{FF2B5EF4-FFF2-40B4-BE49-F238E27FC236}">
+                <a16:creationId xmlns:a16="http://schemas.microsoft.com/office/drawing/2014/main" id="{9F9AFDF2-6918-4AB4-A081-4ACBF234EB6E}"/>
+              </a:ext>
+            </a:extLst>
+          </p:cNvPr>
+          <p:cNvPicPr>
+            <a:picLocks noGrp="1" noChangeAspect="1"/>
+          </p:cNvPicPr>
+          <p:nvPr>
+            <p:ph idx="1"/>
+          </p:nvPr>
+        </p:nvPicPr>
+        <p:blipFill>
+          <a:blip r:embed="rId4">
+            <a:alphaModFix amt="69000"/>
+            <a:extLst>
+              <a:ext uri="{28A0092B-C50C-407E-A947-70E740481C1C}">
+                <a14:useLocalDpi xmlns:a14="http://schemas.microsoft.com/office/drawing/2010/main" val="0"/>
+              </a:ext>
+            </a:extLst>
+          </a:blip>
+          <a:stretch>
+            <a:fillRect/>
+          </a:stretch>
+        </p:blipFill>
+        <p:spPr>
+          <a:xfrm>
+            <a:off x="-4045184" y="-235089"/>
+            <a:ext cx="5823184" cy="7570140"/>
+          </a:xfrm>
+          <a:prstGeom prst="rect">
+            <a:avLst/>
+          </a:prstGeom>
+          <a:ln>
+            <a:noFill/>
+          </a:ln>
+          <a:effectLst>
+            <a:softEdge rad="112500"/>
+          </a:effectLst>
+        </p:spPr>
+      </p:pic>
+    </p:spTree>
+    <p:extLst>
+      <p:ext uri="{BB962C8B-B14F-4D97-AF65-F5344CB8AC3E}">
+        <p14:creationId xmlns:p14="http://schemas.microsoft.com/office/powerpoint/2010/main" val="1821760826"/>
+      </p:ext>
+    </p:extLst>
+  </p:cSld>
+  <p:clrMapOvr>
+    <a:masterClrMapping/>
+  </p:clrMapOvr>
+</p:sld>
+</file>
+
+<file path=ppt/slides/slide22.xml><?xml version="1.0" encoding="utf-8"?>
 <p:sld xmlns:a="http://schemas.openxmlformats.org/drawingml/2006/main" xmlns:r="http://schemas.openxmlformats.org/officeDocument/2006/relationships" xmlns:p="http://schemas.openxmlformats.org/presentationml/2006/main" showMasterSp="0">
   <p:cSld>
     <p:bg>
@@ -16052,831 +20751,6 @@
 </p:sld>
 </file>
 
-<file path=ppt/slides/slide2.xml><?xml version="1.0" encoding="utf-8"?>
-<p:sld xmlns:a="http://schemas.openxmlformats.org/drawingml/2006/main" xmlns:r="http://schemas.openxmlformats.org/officeDocument/2006/relationships" xmlns:p="http://schemas.openxmlformats.org/presentationml/2006/main" showMasterSp="0">
-  <p:cSld>
-    <p:bg>
-      <p:bgPr>
-        <a:blipFill dpi="0" rotWithShape="1">
-          <a:blip r:embed="rId2">
-            <a:lum/>
-          </a:blip>
-          <a:srcRect/>
-          <a:tile tx="0" ty="0" sx="100000" sy="100000" flip="none" algn="tl"/>
-        </a:blipFill>
-        <a:effectLst/>
-      </p:bgPr>
-    </p:bg>
-    <p:spTree>
-      <p:nvGrpSpPr>
-        <p:cNvPr id="1" name=""/>
-        <p:cNvGrpSpPr/>
-        <p:nvPr/>
-      </p:nvGrpSpPr>
-      <p:grpSpPr>
-        <a:xfrm>
-          <a:off x="0" y="0"/>
-          <a:ext cx="0" cy="0"/>
-          <a:chOff x="0" y="0"/>
-          <a:chExt cx="0" cy="0"/>
-        </a:xfrm>
-      </p:grpSpPr>
-      <p:sp>
-        <p:nvSpPr>
-          <p:cNvPr id="9" name="Arrow: Chevron 8">
-            <a:extLst>
-              <a:ext uri="{FF2B5EF4-FFF2-40B4-BE49-F238E27FC236}">
-                <a16:creationId xmlns:a16="http://schemas.microsoft.com/office/drawing/2014/main" id="{24415BF9-56C9-403E-8BE8-95CC8185EFB1}"/>
-              </a:ext>
-            </a:extLst>
-          </p:cNvPr>
-          <p:cNvSpPr/>
-          <p:nvPr/>
-        </p:nvSpPr>
-        <p:spPr>
-          <a:xfrm rot="10800000">
-            <a:off x="2115070" y="336369"/>
-            <a:ext cx="10534129" cy="837148"/>
-          </a:xfrm>
-          <a:prstGeom prst="chevron">
-            <a:avLst/>
-          </a:prstGeom>
-        </p:spPr>
-        <p:style>
-          <a:lnRef idx="2">
-            <a:schemeClr val="accent2">
-              <a:shade val="50000"/>
-            </a:schemeClr>
-          </a:lnRef>
-          <a:fillRef idx="1">
-            <a:schemeClr val="accent2"/>
-          </a:fillRef>
-          <a:effectRef idx="0">
-            <a:schemeClr val="accent2"/>
-          </a:effectRef>
-          <a:fontRef idx="minor">
-            <a:schemeClr val="lt1"/>
-          </a:fontRef>
-        </p:style>
-        <p:txBody>
-          <a:bodyPr rtlCol="0" anchor="ctr"/>
-          <a:lstStyle/>
-          <a:p>
-            <a:pPr algn="ctr"/>
-            <a:endParaRPr lang="en-US">
-              <a:solidFill>
-                <a:schemeClr val="accent1">
-                  <a:lumMod val="75000"/>
-                </a:schemeClr>
-              </a:solidFill>
-            </a:endParaRPr>
-          </a:p>
-        </p:txBody>
-      </p:sp>
-      <p:sp>
-        <p:nvSpPr>
-          <p:cNvPr id="2" name="Title 1">
-            <a:extLst>
-              <a:ext uri="{FF2B5EF4-FFF2-40B4-BE49-F238E27FC236}">
-                <a16:creationId xmlns:a16="http://schemas.microsoft.com/office/drawing/2014/main" id="{9392CDF9-6C62-44DD-B489-EA9E8C54097A}"/>
-              </a:ext>
-            </a:extLst>
-          </p:cNvPr>
-          <p:cNvSpPr>
-            <a:spLocks noGrp="1"/>
-          </p:cNvSpPr>
-          <p:nvPr>
-            <p:ph type="title"/>
-          </p:nvPr>
-        </p:nvSpPr>
-        <p:spPr>
-          <a:xfrm>
-            <a:off x="2590799" y="0"/>
-            <a:ext cx="10058400" cy="1609344"/>
-          </a:xfrm>
-        </p:spPr>
-        <p:txBody>
-          <a:bodyPr>
-            <a:normAutofit/>
-          </a:bodyPr>
-          <a:lstStyle/>
-          <a:p>
-            <a:r>
-              <a:rPr lang="en-US" sz="4800" dirty="0">
-                <a:solidFill>
-                  <a:schemeClr val="bg2">
-                    <a:lumMod val="75000"/>
-                  </a:schemeClr>
-                </a:solidFill>
-                <a:latin typeface="Selawik Semibold" panose="020B0702040204020203" pitchFamily="34" charset="0"/>
-              </a:rPr>
-              <a:t>Sports gambling 101</a:t>
-            </a:r>
-          </a:p>
-        </p:txBody>
-      </p:sp>
-      <p:pic>
-        <p:nvPicPr>
-          <p:cNvPr id="21" name="Picture 20" descr="A picture containing drawing&#10;&#10;Description automatically generated">
-            <a:extLst>
-              <a:ext uri="{FF2B5EF4-FFF2-40B4-BE49-F238E27FC236}">
-                <a16:creationId xmlns:a16="http://schemas.microsoft.com/office/drawing/2014/main" id="{8EEF3E12-DB8E-44B9-9B4D-69802D584DAA}"/>
-              </a:ext>
-            </a:extLst>
-          </p:cNvPr>
-          <p:cNvPicPr>
-            <a:picLocks noChangeAspect="1"/>
-          </p:cNvPicPr>
-          <p:nvPr/>
-        </p:nvPicPr>
-        <p:blipFill>
-          <a:blip r:embed="rId3">
-            <a:alphaModFix amt="70000"/>
-            <a:extLst>
-              <a:ext uri="{28A0092B-C50C-407E-A947-70E740481C1C}">
-                <a14:useLocalDpi xmlns:a14="http://schemas.microsoft.com/office/drawing/2010/main" val="0"/>
-              </a:ext>
-            </a:extLst>
-          </a:blip>
-          <a:stretch>
-            <a:fillRect/>
-          </a:stretch>
-        </p:blipFill>
-        <p:spPr>
-          <a:xfrm>
-            <a:off x="9044865" y="5190564"/>
-            <a:ext cx="3057487" cy="1331067"/>
-          </a:xfrm>
-          <a:prstGeom prst="rect">
-            <a:avLst/>
-          </a:prstGeom>
-          <a:ln>
-            <a:noFill/>
-          </a:ln>
-          <a:effectLst>
-            <a:reflection blurRad="12700" stA="30000" endPos="30000" dist="5000" dir="5400000" sy="-100000" algn="bl" rotWithShape="0"/>
-          </a:effectLst>
-          <a:scene3d>
-            <a:camera prst="perspectiveContrastingLeftFacing">
-              <a:rot lat="300000" lon="19800000" rev="0"/>
-            </a:camera>
-            <a:lightRig rig="threePt" dir="t">
-              <a:rot lat="0" lon="0" rev="2700000"/>
-            </a:lightRig>
-          </a:scene3d>
-          <a:sp3d>
-            <a:bevelT w="63500" h="50800"/>
-          </a:sp3d>
-        </p:spPr>
-      </p:pic>
-      <p:sp>
-        <p:nvSpPr>
-          <p:cNvPr id="22" name="Subtitle 2">
-            <a:extLst>
-              <a:ext uri="{FF2B5EF4-FFF2-40B4-BE49-F238E27FC236}">
-                <a16:creationId xmlns:a16="http://schemas.microsoft.com/office/drawing/2014/main" id="{66F7651F-9E92-431E-8D7F-7A494EDA9257}"/>
-              </a:ext>
-            </a:extLst>
-          </p:cNvPr>
-          <p:cNvSpPr txBox="1">
-            <a:spLocks/>
-          </p:cNvSpPr>
-          <p:nvPr/>
-        </p:nvSpPr>
-        <p:spPr>
-          <a:xfrm>
-            <a:off x="2677457" y="1541441"/>
-            <a:ext cx="8723359" cy="5316559"/>
-          </a:xfrm>
-          <a:prstGeom prst="rect">
-            <a:avLst/>
-          </a:prstGeom>
-        </p:spPr>
-        <p:txBody>
-          <a:bodyPr vert="horz" lIns="91440" tIns="45720" rIns="91440" bIns="45720" rtlCol="0" anchor="t">
-            <a:normAutofit/>
-          </a:bodyPr>
-          <a:lstStyle>
-            <a:lvl1pPr marL="182880" indent="-182880" algn="l" defTabSz="914400" rtl="0" eaLnBrk="1" latinLnBrk="0" hangingPunct="1">
-              <a:lnSpc>
-                <a:spcPct val="90000"/>
-              </a:lnSpc>
-              <a:spcBef>
-                <a:spcPts val="1200"/>
-              </a:spcBef>
-              <a:buClr>
-                <a:schemeClr val="accent1">
-                  <a:lumMod val="75000"/>
-                </a:schemeClr>
-              </a:buClr>
-              <a:buSzPct val="85000"/>
-              <a:buFont typeface="Wingdings" pitchFamily="2" charset="2"/>
-              <a:buChar char="§"/>
-              <a:defRPr sz="2000" kern="1200">
-                <a:solidFill>
-                  <a:schemeClr val="tx1"/>
-                </a:solidFill>
-                <a:latin typeface="+mn-lt"/>
-                <a:ea typeface="+mn-ea"/>
-                <a:cs typeface="+mn-cs"/>
-              </a:defRPr>
-            </a:lvl1pPr>
-            <a:lvl2pPr marL="457200" indent="-182880" algn="l" defTabSz="914400" rtl="0" eaLnBrk="1" latinLnBrk="0" hangingPunct="1">
-              <a:lnSpc>
-                <a:spcPct val="90000"/>
-              </a:lnSpc>
-              <a:spcBef>
-                <a:spcPts val="400"/>
-              </a:spcBef>
-              <a:spcAft>
-                <a:spcPts val="200"/>
-              </a:spcAft>
-              <a:buClr>
-                <a:schemeClr val="accent1">
-                  <a:lumMod val="75000"/>
-                </a:schemeClr>
-              </a:buClr>
-              <a:buSzPct val="85000"/>
-              <a:buFont typeface="Wingdings" pitchFamily="2" charset="2"/>
-              <a:buChar char="§"/>
-              <a:defRPr sz="1800" kern="1200">
-                <a:solidFill>
-                  <a:schemeClr val="tx1"/>
-                </a:solidFill>
-                <a:latin typeface="+mn-lt"/>
-                <a:ea typeface="+mn-ea"/>
-                <a:cs typeface="+mn-cs"/>
-              </a:defRPr>
-            </a:lvl2pPr>
-            <a:lvl3pPr marL="731520" indent="-182880" algn="l" defTabSz="914400" rtl="0" eaLnBrk="1" latinLnBrk="0" hangingPunct="1">
-              <a:lnSpc>
-                <a:spcPct val="90000"/>
-              </a:lnSpc>
-              <a:spcBef>
-                <a:spcPts val="400"/>
-              </a:spcBef>
-              <a:spcAft>
-                <a:spcPts val="200"/>
-              </a:spcAft>
-              <a:buClr>
-                <a:schemeClr val="accent1">
-                  <a:lumMod val="75000"/>
-                </a:schemeClr>
-              </a:buClr>
-              <a:buSzPct val="85000"/>
-              <a:buFont typeface="Wingdings" pitchFamily="2" charset="2"/>
-              <a:buChar char="§"/>
-              <a:defRPr sz="1600" kern="1200">
-                <a:solidFill>
-                  <a:schemeClr val="tx1"/>
-                </a:solidFill>
-                <a:latin typeface="+mn-lt"/>
-                <a:ea typeface="+mn-ea"/>
-                <a:cs typeface="+mn-cs"/>
-              </a:defRPr>
-            </a:lvl3pPr>
-            <a:lvl4pPr marL="1005840" indent="-182880" algn="l" defTabSz="914400" rtl="0" eaLnBrk="1" latinLnBrk="0" hangingPunct="1">
-              <a:lnSpc>
-                <a:spcPct val="90000"/>
-              </a:lnSpc>
-              <a:spcBef>
-                <a:spcPts val="400"/>
-              </a:spcBef>
-              <a:spcAft>
-                <a:spcPts val="200"/>
-              </a:spcAft>
-              <a:buClr>
-                <a:schemeClr val="accent1">
-                  <a:lumMod val="75000"/>
-                </a:schemeClr>
-              </a:buClr>
-              <a:buSzPct val="85000"/>
-              <a:buFont typeface="Wingdings" pitchFamily="2" charset="2"/>
-              <a:buChar char="§"/>
-              <a:defRPr sz="1600" kern="1200">
-                <a:solidFill>
-                  <a:schemeClr val="tx1"/>
-                </a:solidFill>
-                <a:latin typeface="+mn-lt"/>
-                <a:ea typeface="+mn-ea"/>
-                <a:cs typeface="+mn-cs"/>
-              </a:defRPr>
-            </a:lvl4pPr>
-            <a:lvl5pPr marL="1280160" indent="-182880" algn="l" defTabSz="914400" rtl="0" eaLnBrk="1" latinLnBrk="0" hangingPunct="1">
-              <a:lnSpc>
-                <a:spcPct val="90000"/>
-              </a:lnSpc>
-              <a:spcBef>
-                <a:spcPts val="400"/>
-              </a:spcBef>
-              <a:spcAft>
-                <a:spcPts val="200"/>
-              </a:spcAft>
-              <a:buClr>
-                <a:schemeClr val="accent1">
-                  <a:lumMod val="75000"/>
-                </a:schemeClr>
-              </a:buClr>
-              <a:buSzPct val="85000"/>
-              <a:buFont typeface="Wingdings" pitchFamily="2" charset="2"/>
-              <a:buChar char="§"/>
-              <a:defRPr sz="1600" kern="1200">
-                <a:solidFill>
-                  <a:schemeClr val="tx1"/>
-                </a:solidFill>
-                <a:latin typeface="+mn-lt"/>
-                <a:ea typeface="+mn-ea"/>
-                <a:cs typeface="+mn-cs"/>
-              </a:defRPr>
-            </a:lvl5pPr>
-            <a:lvl6pPr marL="1600000" indent="-228600" algn="l" defTabSz="914400" rtl="0" eaLnBrk="1" latinLnBrk="0" hangingPunct="1">
-              <a:lnSpc>
-                <a:spcPct val="90000"/>
-              </a:lnSpc>
-              <a:spcBef>
-                <a:spcPts val="400"/>
-              </a:spcBef>
-              <a:spcAft>
-                <a:spcPts val="200"/>
-              </a:spcAft>
-              <a:buClr>
-                <a:schemeClr val="accent1">
-                  <a:lumMod val="75000"/>
-                </a:schemeClr>
-              </a:buClr>
-              <a:buSzPct val="85000"/>
-              <a:buFont typeface="Wingdings" pitchFamily="2" charset="2"/>
-              <a:buChar char="§"/>
-              <a:defRPr sz="1600" kern="1200">
-                <a:solidFill>
-                  <a:schemeClr val="tx1"/>
-                </a:solidFill>
-                <a:latin typeface="+mn-lt"/>
-                <a:ea typeface="+mn-ea"/>
-                <a:cs typeface="+mn-cs"/>
-              </a:defRPr>
-            </a:lvl6pPr>
-            <a:lvl7pPr marL="1900000" indent="-228600" algn="l" defTabSz="914400" rtl="0" eaLnBrk="1" latinLnBrk="0" hangingPunct="1">
-              <a:lnSpc>
-                <a:spcPct val="90000"/>
-              </a:lnSpc>
-              <a:spcBef>
-                <a:spcPts val="400"/>
-              </a:spcBef>
-              <a:spcAft>
-                <a:spcPts val="200"/>
-              </a:spcAft>
-              <a:buClr>
-                <a:schemeClr val="accent1">
-                  <a:lumMod val="75000"/>
-                </a:schemeClr>
-              </a:buClr>
-              <a:buSzPct val="85000"/>
-              <a:buFont typeface="Wingdings" pitchFamily="2" charset="2"/>
-              <a:buChar char="§"/>
-              <a:defRPr sz="1600" kern="1200">
-                <a:solidFill>
-                  <a:schemeClr val="tx1"/>
-                </a:solidFill>
-                <a:latin typeface="+mn-lt"/>
-                <a:ea typeface="+mn-ea"/>
-                <a:cs typeface="+mn-cs"/>
-              </a:defRPr>
-            </a:lvl7pPr>
-            <a:lvl8pPr marL="2200000" indent="-228600" algn="l" defTabSz="914400" rtl="0" eaLnBrk="1" latinLnBrk="0" hangingPunct="1">
-              <a:lnSpc>
-                <a:spcPct val="90000"/>
-              </a:lnSpc>
-              <a:spcBef>
-                <a:spcPts val="400"/>
-              </a:spcBef>
-              <a:spcAft>
-                <a:spcPts val="200"/>
-              </a:spcAft>
-              <a:buClr>
-                <a:schemeClr val="accent1">
-                  <a:lumMod val="75000"/>
-                </a:schemeClr>
-              </a:buClr>
-              <a:buSzPct val="85000"/>
-              <a:buFont typeface="Wingdings" pitchFamily="2" charset="2"/>
-              <a:buChar char="§"/>
-              <a:defRPr sz="1600" kern="1200">
-                <a:solidFill>
-                  <a:schemeClr val="tx1"/>
-                </a:solidFill>
-                <a:latin typeface="+mn-lt"/>
-                <a:ea typeface="+mn-ea"/>
-                <a:cs typeface="+mn-cs"/>
-              </a:defRPr>
-            </a:lvl8pPr>
-            <a:lvl9pPr marL="2500000" indent="-228600" algn="l" defTabSz="914400" rtl="0" eaLnBrk="1" latinLnBrk="0" hangingPunct="1">
-              <a:lnSpc>
-                <a:spcPct val="90000"/>
-              </a:lnSpc>
-              <a:spcBef>
-                <a:spcPts val="400"/>
-              </a:spcBef>
-              <a:spcAft>
-                <a:spcPts val="200"/>
-              </a:spcAft>
-              <a:buClr>
-                <a:schemeClr val="accent1">
-                  <a:lumMod val="75000"/>
-                </a:schemeClr>
-              </a:buClr>
-              <a:buSzPct val="85000"/>
-              <a:buFont typeface="Wingdings" pitchFamily="2" charset="2"/>
-              <a:buChar char="§"/>
-              <a:defRPr sz="1600" kern="1200">
-                <a:solidFill>
-                  <a:schemeClr val="tx1"/>
-                </a:solidFill>
-                <a:latin typeface="+mn-lt"/>
-                <a:ea typeface="+mn-ea"/>
-                <a:cs typeface="+mn-cs"/>
-              </a:defRPr>
-            </a:lvl9pPr>
-          </a:lstStyle>
-          <a:p>
-            <a:pPr>
-              <a:buClr>
-                <a:schemeClr val="bg2">
-                  <a:lumMod val="90000"/>
-                </a:schemeClr>
-              </a:buClr>
-              <a:buSzPct val="100000"/>
-            </a:pPr>
-            <a:r>
-              <a:rPr lang="en-US" sz="2400" dirty="0">
-                <a:solidFill>
-                  <a:schemeClr val="accent5">
-                    <a:lumMod val="60000"/>
-                    <a:lumOff val="40000"/>
-                  </a:schemeClr>
-                </a:solidFill>
-                <a:latin typeface="Selawik Semibold" panose="020B0702040204020203" pitchFamily="34" charset="0"/>
-              </a:rPr>
-              <a:t>Bookmaker</a:t>
-            </a:r>
-          </a:p>
-          <a:p>
-            <a:pPr lvl="1">
-              <a:buClr>
-                <a:schemeClr val="bg2">
-                  <a:lumMod val="90000"/>
-                </a:schemeClr>
-              </a:buClr>
-              <a:buSzPct val="100000"/>
-            </a:pPr>
-            <a:r>
-              <a:rPr lang="en-US" sz="2000" dirty="0">
-                <a:solidFill>
-                  <a:schemeClr val="accent5">
-                    <a:lumMod val="60000"/>
-                    <a:lumOff val="40000"/>
-                  </a:schemeClr>
-                </a:solidFill>
-                <a:latin typeface="Selawik Semibold" panose="020B0702040204020203" pitchFamily="34" charset="0"/>
-              </a:rPr>
-              <a:t>Person/Organization Who Takes Bets and Pays Off Bets in Sports</a:t>
-            </a:r>
-          </a:p>
-          <a:p>
-            <a:pPr lvl="1">
-              <a:buClr>
-                <a:schemeClr val="bg2">
-                  <a:lumMod val="90000"/>
-                </a:schemeClr>
-              </a:buClr>
-              <a:buSzPct val="100000"/>
-            </a:pPr>
-            <a:r>
-              <a:rPr lang="en-US" sz="2000" dirty="0">
-                <a:solidFill>
-                  <a:schemeClr val="accent5">
-                    <a:lumMod val="60000"/>
-                    <a:lumOff val="40000"/>
-                  </a:schemeClr>
-                </a:solidFill>
-                <a:latin typeface="Selawik Semibold" panose="020B0702040204020203" pitchFamily="34" charset="0"/>
-              </a:rPr>
-              <a:t>AKA a Bookie (Individual)</a:t>
-            </a:r>
-          </a:p>
-          <a:p>
-            <a:pPr lvl="1">
-              <a:buClr>
-                <a:schemeClr val="bg2">
-                  <a:lumMod val="90000"/>
-                </a:schemeClr>
-              </a:buClr>
-              <a:buSzPct val="100000"/>
-            </a:pPr>
-            <a:r>
-              <a:rPr lang="en-US" sz="2000" dirty="0">
-                <a:solidFill>
-                  <a:schemeClr val="accent5">
-                    <a:lumMod val="60000"/>
-                    <a:lumOff val="40000"/>
-                  </a:schemeClr>
-                </a:solidFill>
-                <a:latin typeface="Selawik Semibold" panose="020B0702040204020203" pitchFamily="34" charset="0"/>
-              </a:rPr>
-              <a:t>AKA a Sportsbook (Organization)</a:t>
-            </a:r>
-          </a:p>
-          <a:p>
-            <a:pPr lvl="1">
-              <a:buClr>
-                <a:schemeClr val="bg2">
-                  <a:lumMod val="90000"/>
-                </a:schemeClr>
-              </a:buClr>
-              <a:buSzPct val="100000"/>
-            </a:pPr>
-            <a:r>
-              <a:rPr lang="en-US" sz="2000" dirty="0">
-                <a:solidFill>
-                  <a:schemeClr val="accent5">
-                    <a:lumMod val="60000"/>
-                    <a:lumOff val="40000"/>
-                  </a:schemeClr>
-                </a:solidFill>
-                <a:latin typeface="Selawik Semibold" panose="020B0702040204020203" pitchFamily="34" charset="0"/>
-              </a:rPr>
-              <a:t>AKA The Real Winner</a:t>
-            </a:r>
-          </a:p>
-          <a:p>
-            <a:pPr lvl="1">
-              <a:buClr>
-                <a:schemeClr val="bg2">
-                  <a:lumMod val="90000"/>
-                </a:schemeClr>
-              </a:buClr>
-              <a:buSzPct val="100000"/>
-            </a:pPr>
-            <a:r>
-              <a:rPr lang="en-US" sz="2000" dirty="0">
-                <a:solidFill>
-                  <a:schemeClr val="accent5">
-                    <a:lumMod val="60000"/>
-                    <a:lumOff val="40000"/>
-                  </a:schemeClr>
-                </a:solidFill>
-                <a:latin typeface="Selawik Semibold" panose="020B0702040204020203" pitchFamily="34" charset="0"/>
-              </a:rPr>
-              <a:t>AKA Someone Who Profits Off Stupidity</a:t>
-            </a:r>
-          </a:p>
-          <a:p>
-            <a:pPr>
-              <a:buClr>
-                <a:schemeClr val="bg2">
-                  <a:lumMod val="90000"/>
-                </a:schemeClr>
-              </a:buClr>
-              <a:buSzPct val="100000"/>
-            </a:pPr>
-            <a:endParaRPr lang="en-US" sz="2200" dirty="0">
-              <a:solidFill>
-                <a:schemeClr val="accent5">
-                  <a:lumMod val="60000"/>
-                  <a:lumOff val="40000"/>
-                </a:schemeClr>
-              </a:solidFill>
-              <a:latin typeface="Selawik Semibold" panose="020B0702040204020203" pitchFamily="34" charset="0"/>
-            </a:endParaRPr>
-          </a:p>
-          <a:p>
-            <a:pPr>
-              <a:buClr>
-                <a:schemeClr val="bg2">
-                  <a:lumMod val="90000"/>
-                </a:schemeClr>
-              </a:buClr>
-              <a:buSzPct val="100000"/>
-            </a:pPr>
-            <a:r>
-              <a:rPr lang="en-US" sz="2400" dirty="0">
-                <a:solidFill>
-                  <a:schemeClr val="accent5">
-                    <a:lumMod val="60000"/>
-                    <a:lumOff val="40000"/>
-                  </a:schemeClr>
-                </a:solidFill>
-                <a:latin typeface="Selawik Semibold" panose="020B0702040204020203" pitchFamily="34" charset="0"/>
-              </a:rPr>
-              <a:t>Five Online Sportsbooks for US Bettors</a:t>
-            </a:r>
-          </a:p>
-          <a:p>
-            <a:pPr lvl="1">
-              <a:buClr>
-                <a:schemeClr val="bg2">
-                  <a:lumMod val="90000"/>
-                </a:schemeClr>
-              </a:buClr>
-              <a:buSzPct val="100000"/>
-            </a:pPr>
-            <a:r>
-              <a:rPr lang="en-US" sz="2000" dirty="0" err="1">
-                <a:solidFill>
-                  <a:schemeClr val="accent5">
-                    <a:lumMod val="60000"/>
-                    <a:lumOff val="40000"/>
-                  </a:schemeClr>
-                </a:solidFill>
-                <a:latin typeface="Selawik Semibold" panose="020B0702040204020203" pitchFamily="34" charset="0"/>
-              </a:rPr>
-              <a:t>Bovada</a:t>
-            </a:r>
-            <a:endParaRPr lang="en-US" sz="2000" dirty="0">
-              <a:solidFill>
-                <a:schemeClr val="accent5">
-                  <a:lumMod val="60000"/>
-                  <a:lumOff val="40000"/>
-                </a:schemeClr>
-              </a:solidFill>
-              <a:latin typeface="Selawik Semibold" panose="020B0702040204020203" pitchFamily="34" charset="0"/>
-            </a:endParaRPr>
-          </a:p>
-          <a:p>
-            <a:pPr lvl="1">
-              <a:buClr>
-                <a:schemeClr val="bg2">
-                  <a:lumMod val="90000"/>
-                </a:schemeClr>
-              </a:buClr>
-              <a:buSzPct val="100000"/>
-            </a:pPr>
-            <a:r>
-              <a:rPr lang="en-US" sz="2000" dirty="0">
-                <a:solidFill>
-                  <a:schemeClr val="accent5">
-                    <a:lumMod val="60000"/>
-                    <a:lumOff val="40000"/>
-                  </a:schemeClr>
-                </a:solidFill>
-                <a:latin typeface="Selawik Semibold" panose="020B0702040204020203" pitchFamily="34" charset="0"/>
-              </a:rPr>
-              <a:t>5Dimes</a:t>
-            </a:r>
-          </a:p>
-          <a:p>
-            <a:pPr lvl="1">
-              <a:buClr>
-                <a:schemeClr val="bg2">
-                  <a:lumMod val="90000"/>
-                </a:schemeClr>
-              </a:buClr>
-              <a:buSzPct val="100000"/>
-            </a:pPr>
-            <a:r>
-              <a:rPr lang="en-US" sz="2000" dirty="0" err="1">
-                <a:solidFill>
-                  <a:schemeClr val="accent5">
-                    <a:lumMod val="60000"/>
-                    <a:lumOff val="40000"/>
-                  </a:schemeClr>
-                </a:solidFill>
-                <a:latin typeface="Selawik Semibold" panose="020B0702040204020203" pitchFamily="34" charset="0"/>
-              </a:rPr>
-              <a:t>BetOnline</a:t>
-            </a:r>
-            <a:endParaRPr lang="en-US" sz="2000" dirty="0">
-              <a:solidFill>
-                <a:schemeClr val="accent5">
-                  <a:lumMod val="60000"/>
-                  <a:lumOff val="40000"/>
-                </a:schemeClr>
-              </a:solidFill>
-              <a:latin typeface="Selawik Semibold" panose="020B0702040204020203" pitchFamily="34" charset="0"/>
-            </a:endParaRPr>
-          </a:p>
-          <a:p>
-            <a:pPr lvl="1">
-              <a:buClr>
-                <a:schemeClr val="bg2">
-                  <a:lumMod val="90000"/>
-                </a:schemeClr>
-              </a:buClr>
-              <a:buSzPct val="100000"/>
-            </a:pPr>
-            <a:r>
-              <a:rPr lang="en-US" sz="2000" dirty="0" err="1">
-                <a:solidFill>
-                  <a:schemeClr val="accent5">
-                    <a:lumMod val="60000"/>
-                    <a:lumOff val="40000"/>
-                  </a:schemeClr>
-                </a:solidFill>
-                <a:latin typeface="Selawik Semibold" panose="020B0702040204020203" pitchFamily="34" charset="0"/>
-              </a:rPr>
-              <a:t>GTBets</a:t>
-            </a:r>
-            <a:endParaRPr lang="en-US" sz="2000" dirty="0">
-              <a:solidFill>
-                <a:schemeClr val="accent5">
-                  <a:lumMod val="60000"/>
-                  <a:lumOff val="40000"/>
-                </a:schemeClr>
-              </a:solidFill>
-              <a:latin typeface="Selawik Semibold" panose="020B0702040204020203" pitchFamily="34" charset="0"/>
-            </a:endParaRPr>
-          </a:p>
-          <a:p>
-            <a:pPr lvl="1">
-              <a:buClr>
-                <a:schemeClr val="bg2">
-                  <a:lumMod val="90000"/>
-                </a:schemeClr>
-              </a:buClr>
-              <a:buSzPct val="100000"/>
-            </a:pPr>
-            <a:r>
-              <a:rPr lang="en-US" sz="2000" dirty="0" err="1">
-                <a:solidFill>
-                  <a:schemeClr val="accent5">
-                    <a:lumMod val="60000"/>
-                    <a:lumOff val="40000"/>
-                  </a:schemeClr>
-                </a:solidFill>
-                <a:latin typeface="Selawik Semibold" panose="020B0702040204020203" pitchFamily="34" charset="0"/>
-              </a:rPr>
-              <a:t>Youwager</a:t>
-            </a:r>
-            <a:endParaRPr lang="en-US" sz="2000" dirty="0">
-              <a:solidFill>
-                <a:schemeClr val="accent5">
-                  <a:lumMod val="60000"/>
-                  <a:lumOff val="40000"/>
-                </a:schemeClr>
-              </a:solidFill>
-              <a:latin typeface="Selawik Semibold" panose="020B0702040204020203" pitchFamily="34" charset="0"/>
-            </a:endParaRPr>
-          </a:p>
-        </p:txBody>
-      </p:sp>
-      <p:pic>
-        <p:nvPicPr>
-          <p:cNvPr id="5" name="Content Placeholder 4" descr="A picture containing banana, sitting, yellow&#10;&#10;Description automatically generated">
-            <a:extLst>
-              <a:ext uri="{FF2B5EF4-FFF2-40B4-BE49-F238E27FC236}">
-                <a16:creationId xmlns:a16="http://schemas.microsoft.com/office/drawing/2014/main" id="{9F9AFDF2-6918-4AB4-A081-4ACBF234EB6E}"/>
-              </a:ext>
-            </a:extLst>
-          </p:cNvPr>
-          <p:cNvPicPr>
-            <a:picLocks noGrp="1" noChangeAspect="1"/>
-          </p:cNvPicPr>
-          <p:nvPr>
-            <p:ph idx="1"/>
-          </p:nvPr>
-        </p:nvPicPr>
-        <p:blipFill>
-          <a:blip r:embed="rId4">
-            <a:alphaModFix amt="69000"/>
-            <a:extLst>
-              <a:ext uri="{28A0092B-C50C-407E-A947-70E740481C1C}">
-                <a14:useLocalDpi xmlns:a14="http://schemas.microsoft.com/office/drawing/2010/main" val="0"/>
-              </a:ext>
-            </a:extLst>
-          </a:blip>
-          <a:stretch>
-            <a:fillRect/>
-          </a:stretch>
-        </p:blipFill>
-        <p:spPr>
-          <a:xfrm>
-            <a:off x="-4045184" y="-235089"/>
-            <a:ext cx="5823184" cy="7570140"/>
-          </a:xfrm>
-          <a:prstGeom prst="rect">
-            <a:avLst/>
-          </a:prstGeom>
-          <a:ln>
-            <a:noFill/>
-          </a:ln>
-          <a:effectLst>
-            <a:softEdge rad="112500"/>
-          </a:effectLst>
-        </p:spPr>
-      </p:pic>
-    </p:spTree>
-    <p:extLst>
-      <p:ext uri="{BB962C8B-B14F-4D97-AF65-F5344CB8AC3E}">
-        <p14:creationId xmlns:p14="http://schemas.microsoft.com/office/powerpoint/2010/main" val="3763973939"/>
-      </p:ext>
-    </p:extLst>
-  </p:cSld>
-  <p:clrMapOvr>
-    <a:masterClrMapping/>
-  </p:clrMapOvr>
-</p:sld>
-</file>
-
 <file path=ppt/slides/slide3.xml><?xml version="1.0" encoding="utf-8"?>
 <p:sld xmlns:a="http://schemas.openxmlformats.org/drawingml/2006/main" xmlns:r="http://schemas.openxmlformats.org/officeDocument/2006/relationships" xmlns:p="http://schemas.openxmlformats.org/presentationml/2006/main" showMasterSp="0">
   <p:cSld>
@@ -17054,8 +20928,8 @@
           </a:sp3d>
         </p:spPr>
       </p:pic>
-      <mc:AlternateContent xmlns:mc="http://schemas.openxmlformats.org/markup-compatibility/2006">
-        <mc:Choice xmlns:a14="http://schemas.microsoft.com/office/drawing/2010/main" Requires="a14">
+      <mc:AlternateContent xmlns:mc="http://schemas.openxmlformats.org/markup-compatibility/2006" xmlns:a14="http://schemas.microsoft.com/office/drawing/2010/main">
+        <mc:Choice Requires="a14">
           <p:sp>
             <p:nvSpPr>
               <p:cNvPr id="22" name="Subtitle 2">
@@ -17586,7 +21460,7 @@
                     <m:d>
                       <m:dPr>
                         <m:ctrlPr>
-                          <a:rPr lang="en-US" b="0" i="0" smtClean="0">
+                          <a:rPr lang="en-US" b="0" i="1" smtClean="0">
                             <a:solidFill>
                               <a:schemeClr val="accent5">
                                 <a:lumMod val="60000"/>
@@ -17792,7 +21666,7 @@
             </p:txBody>
           </p:sp>
         </mc:Choice>
-        <mc:Fallback>
+        <mc:Fallback xmlns="">
           <p:sp>
             <p:nvSpPr>
               <p:cNvPr id="22" name="Subtitle 2">
@@ -17882,8 +21756,8 @@
           </a:effectLst>
         </p:spPr>
       </p:pic>
-      <mc:AlternateContent xmlns:mc="http://schemas.openxmlformats.org/markup-compatibility/2006">
-        <mc:Choice xmlns:a14="http://schemas.microsoft.com/office/drawing/2010/main" Requires="a14">
+      <mc:AlternateContent xmlns:mc="http://schemas.openxmlformats.org/markup-compatibility/2006" xmlns:a14="http://schemas.microsoft.com/office/drawing/2010/main">
+        <mc:Choice Requires="a14">
           <p:sp>
             <p:nvSpPr>
               <p:cNvPr id="3" name="TextBox 2">
@@ -17912,6 +21786,7 @@
               </a:bodyPr>
               <a:lstStyle/>
               <a:p>
+                <a:pPr/>
                 <a14:m>
                   <m:oMathPara xmlns:m="http://schemas.openxmlformats.org/officeDocument/2006/math">
                     <m:oMathParaPr>
@@ -18127,7 +22002,7 @@
             </p:txBody>
           </p:sp>
         </mc:Choice>
-        <mc:Fallback>
+        <mc:Fallback xmlns="">
           <p:sp>
             <p:nvSpPr>
               <p:cNvPr id="3" name="TextBox 2">
@@ -20661,8 +24536,8 @@
           </a:effectLst>
         </p:spPr>
       </p:pic>
-      <mc:AlternateContent xmlns:mc="http://schemas.openxmlformats.org/markup-compatibility/2006">
-        <mc:Choice xmlns:a14="http://schemas.microsoft.com/office/drawing/2010/main" Requires="a14">
+      <mc:AlternateContent xmlns:mc="http://schemas.openxmlformats.org/markup-compatibility/2006" xmlns:a14="http://schemas.microsoft.com/office/drawing/2010/main">
+        <mc:Choice Requires="a14">
           <p:sp>
             <p:nvSpPr>
               <p:cNvPr id="7" name="TextBox 6">
@@ -20691,6 +24566,7 @@
               </a:bodyPr>
               <a:lstStyle/>
               <a:p>
+                <a:pPr/>
                 <a14:m>
                   <m:oMathPara xmlns:m="http://schemas.openxmlformats.org/officeDocument/2006/math">
                     <m:oMathParaPr>
@@ -20790,7 +24666,7 @@
             </p:txBody>
           </p:sp>
         </mc:Choice>
-        <mc:Fallback>
+        <mc:Fallback xmlns="">
           <p:sp>
             <p:nvSpPr>
               <p:cNvPr id="7" name="TextBox 6">
@@ -20835,8 +24711,8 @@
           </p:sp>
         </mc:Fallback>
       </mc:AlternateContent>
-      <mc:AlternateContent xmlns:mc="http://schemas.openxmlformats.org/markup-compatibility/2006">
-        <mc:Choice xmlns:a14="http://schemas.microsoft.com/office/drawing/2010/main" Requires="a14">
+      <mc:AlternateContent xmlns:mc="http://schemas.openxmlformats.org/markup-compatibility/2006" xmlns:a14="http://schemas.microsoft.com/office/drawing/2010/main">
+        <mc:Choice Requires="a14">
           <p:sp>
             <p:nvSpPr>
               <p:cNvPr id="8" name="TextBox 7">
@@ -20865,6 +24741,7 @@
               </a:bodyPr>
               <a:lstStyle/>
               <a:p>
+                <a:pPr/>
                 <a14:m>
                   <m:oMathPara xmlns:m="http://schemas.openxmlformats.org/officeDocument/2006/math">
                     <m:oMathParaPr>
@@ -20928,7 +24805,7 @@
             </p:txBody>
           </p:sp>
         </mc:Choice>
-        <mc:Fallback>
+        <mc:Fallback xmlns="">
           <p:sp>
             <p:nvSpPr>
               <p:cNvPr id="8" name="TextBox 7">
@@ -21837,8 +25714,8 @@
           </a:effectLst>
         </p:spPr>
       </p:pic>
-      <mc:AlternateContent xmlns:mc="http://schemas.openxmlformats.org/markup-compatibility/2006">
-        <mc:Choice xmlns:a14="http://schemas.microsoft.com/office/drawing/2010/main" Requires="a14">
+      <mc:AlternateContent xmlns:mc="http://schemas.openxmlformats.org/markup-compatibility/2006" xmlns:a14="http://schemas.microsoft.com/office/drawing/2010/main">
+        <mc:Choice Requires="a14">
           <p:sp>
             <p:nvSpPr>
               <p:cNvPr id="10" name="TextBox 9">
@@ -21867,6 +25744,7 @@
               </a:bodyPr>
               <a:lstStyle/>
               <a:p>
+                <a:pPr/>
                 <a14:m>
                   <m:oMathPara xmlns:m="http://schemas.openxmlformats.org/officeDocument/2006/math">
                     <m:oMathParaPr>
@@ -21987,7 +25865,7 @@
             </p:txBody>
           </p:sp>
         </mc:Choice>
-        <mc:Fallback>
+        <mc:Fallback xmlns="">
           <p:sp>
             <p:nvSpPr>
               <p:cNvPr id="10" name="TextBox 9">
@@ -22076,8 +25954,8 @@
           </a:fontRef>
         </p:style>
       </p:cxnSp>
-      <mc:AlternateContent xmlns:mc="http://schemas.openxmlformats.org/markup-compatibility/2006">
-        <mc:Choice xmlns:a14="http://schemas.microsoft.com/office/drawing/2010/main" Requires="a14">
+      <mc:AlternateContent xmlns:mc="http://schemas.openxmlformats.org/markup-compatibility/2006" xmlns:a14="http://schemas.microsoft.com/office/drawing/2010/main">
+        <mc:Choice Requires="a14">
           <p:sp>
             <p:nvSpPr>
               <p:cNvPr id="12" name="TextBox 11">
@@ -22106,6 +25984,7 @@
               </a:bodyPr>
               <a:lstStyle/>
               <a:p>
+                <a:pPr/>
                 <a14:m>
                   <m:oMathPara xmlns:m="http://schemas.openxmlformats.org/officeDocument/2006/math">
                     <m:oMathParaPr>
@@ -22142,7 +26021,7 @@
             </p:txBody>
           </p:sp>
         </mc:Choice>
-        <mc:Fallback>
+        <mc:Fallback xmlns="">
           <p:sp>
             <p:nvSpPr>
               <p:cNvPr id="12" name="TextBox 11">
@@ -22187,8 +26066,8 @@
           </p:sp>
         </mc:Fallback>
       </mc:AlternateContent>
-      <mc:AlternateContent xmlns:mc="http://schemas.openxmlformats.org/markup-compatibility/2006">
-        <mc:Choice xmlns:a14="http://schemas.microsoft.com/office/drawing/2010/main" Requires="a14">
+      <mc:AlternateContent xmlns:mc="http://schemas.openxmlformats.org/markup-compatibility/2006" xmlns:a14="http://schemas.microsoft.com/office/drawing/2010/main">
+        <mc:Choice Requires="a14">
           <p:sp>
             <p:nvSpPr>
               <p:cNvPr id="13" name="TextBox 12">
@@ -22217,6 +26096,7 @@
               </a:bodyPr>
               <a:lstStyle/>
               <a:p>
+                <a:pPr/>
                 <a14:m>
                   <m:oMathPara xmlns:m="http://schemas.openxmlformats.org/officeDocument/2006/math">
                     <m:oMathParaPr>
@@ -22296,7 +26176,7 @@
             </p:txBody>
           </p:sp>
         </mc:Choice>
-        <mc:Fallback>
+        <mc:Fallback xmlns="">
           <p:sp>
             <p:nvSpPr>
               <p:cNvPr id="13" name="TextBox 12">
@@ -23244,8 +27124,8 @@
           </a:effectLst>
         </p:spPr>
       </p:pic>
-      <mc:AlternateContent xmlns:mc="http://schemas.openxmlformats.org/markup-compatibility/2006">
-        <mc:Choice xmlns:a14="http://schemas.microsoft.com/office/drawing/2010/main" Requires="a14">
+      <mc:AlternateContent xmlns:mc="http://schemas.openxmlformats.org/markup-compatibility/2006" xmlns:a14="http://schemas.microsoft.com/office/drawing/2010/main">
+        <mc:Choice Requires="a14">
           <p:sp>
             <p:nvSpPr>
               <p:cNvPr id="14" name="TextBox 13">
@@ -23274,6 +27154,7 @@
               </a:bodyPr>
               <a:lstStyle/>
               <a:p>
+                <a:pPr/>
                 <a14:m>
                   <m:oMathPara xmlns:m="http://schemas.openxmlformats.org/officeDocument/2006/math">
                     <m:oMathParaPr>
@@ -23458,7 +27339,7 @@
             </p:txBody>
           </p:sp>
         </mc:Choice>
-        <mc:Fallback>
+        <mc:Fallback xmlns="">
           <p:sp>
             <p:nvSpPr>
               <p:cNvPr id="14" name="TextBox 13">
@@ -24350,8 +28231,8 @@
           </a:effectLst>
         </p:spPr>
       </p:pic>
-      <mc:AlternateContent xmlns:mc="http://schemas.openxmlformats.org/markup-compatibility/2006">
-        <mc:Choice xmlns:a14="http://schemas.microsoft.com/office/drawing/2010/main" Requires="a14">
+      <mc:AlternateContent xmlns:mc="http://schemas.openxmlformats.org/markup-compatibility/2006" xmlns:a14="http://schemas.microsoft.com/office/drawing/2010/main">
+        <mc:Choice Requires="a14">
           <p:sp>
             <p:nvSpPr>
               <p:cNvPr id="14" name="TextBox 13">
@@ -24380,6 +28261,7 @@
               </a:bodyPr>
               <a:lstStyle/>
               <a:p>
+                <a:pPr/>
                 <a14:m>
                   <m:oMathPara xmlns:m="http://schemas.openxmlformats.org/officeDocument/2006/math">
                     <m:oMathParaPr>
@@ -24564,7 +28446,7 @@
             </p:txBody>
           </p:sp>
         </mc:Choice>
-        <mc:Fallback>
+        <mc:Fallback xmlns="">
           <p:sp>
             <p:nvSpPr>
               <p:cNvPr id="14" name="TextBox 13">
@@ -24609,8 +28491,8 @@
           </p:sp>
         </mc:Fallback>
       </mc:AlternateContent>
-      <mc:AlternateContent xmlns:mc="http://schemas.openxmlformats.org/markup-compatibility/2006">
-        <mc:Choice xmlns:a14="http://schemas.microsoft.com/office/drawing/2010/main" Requires="a14">
+      <mc:AlternateContent xmlns:mc="http://schemas.openxmlformats.org/markup-compatibility/2006" xmlns:a14="http://schemas.microsoft.com/office/drawing/2010/main">
+        <mc:Choice Requires="a14">
           <p:sp>
             <p:nvSpPr>
               <p:cNvPr id="15" name="TextBox 14">
@@ -24639,6 +28521,7 @@
               </a:bodyPr>
               <a:lstStyle/>
               <a:p>
+                <a:pPr/>
                 <a14:m>
                   <m:oMathPara xmlns:m="http://schemas.openxmlformats.org/officeDocument/2006/math">
                     <m:oMathParaPr>
@@ -24791,7 +28674,7 @@
             </p:txBody>
           </p:sp>
         </mc:Choice>
-        <mc:Fallback>
+        <mc:Fallback xmlns="">
           <p:sp>
             <p:nvSpPr>
               <p:cNvPr id="15" name="TextBox 14">

--- a/Slides/Gambling 1/Gambling_1_Lecture.pptx
+++ b/Slides/Gambling 1/Gambling_1_Lecture.pptx
@@ -230,7 +230,7 @@
           <a:p>
             <a:fld id="{C04E5E84-956F-4423-97B3-5936A6D8EEEE}" type="datetimeFigureOut">
               <a:rPr lang="en-US" smtClean="0"/>
-              <a:t>11/5/2019</a:t>
+              <a:t>11/6/2019</a:t>
             </a:fld>
             <a:endParaRPr lang="en-US"/>
           </a:p>
@@ -900,7 +900,7 @@
           <a:p>
             <a:fld id="{3881C039-66A3-4640-815B-3B5A8B7D868D}" type="datetimeFigureOut">
               <a:rPr lang="en-US" smtClean="0"/>
-              <a:t>11/5/2019</a:t>
+              <a:t>11/6/2019</a:t>
             </a:fld>
             <a:endParaRPr lang="en-US"/>
           </a:p>
@@ -1084,7 +1084,7 @@
           <a:p>
             <a:fld id="{3881C039-66A3-4640-815B-3B5A8B7D868D}" type="datetimeFigureOut">
               <a:rPr lang="en-US" smtClean="0"/>
-              <a:t>11/5/2019</a:t>
+              <a:t>11/6/2019</a:t>
             </a:fld>
             <a:endParaRPr lang="en-US"/>
           </a:p>
@@ -1264,7 +1264,7 @@
           <a:p>
             <a:fld id="{3881C039-66A3-4640-815B-3B5A8B7D868D}" type="datetimeFigureOut">
               <a:rPr lang="en-US" smtClean="0"/>
-              <a:t>11/5/2019</a:t>
+              <a:t>11/6/2019</a:t>
             </a:fld>
             <a:endParaRPr lang="en-US"/>
           </a:p>
@@ -1434,7 +1434,7 @@
           <a:p>
             <a:fld id="{3881C039-66A3-4640-815B-3B5A8B7D868D}" type="datetimeFigureOut">
               <a:rPr lang="en-US" smtClean="0"/>
-              <a:t>11/5/2019</a:t>
+              <a:t>11/6/2019</a:t>
             </a:fld>
             <a:endParaRPr lang="en-US"/>
           </a:p>
@@ -1747,7 +1747,7 @@
           <a:p>
             <a:fld id="{3881C039-66A3-4640-815B-3B5A8B7D868D}" type="datetimeFigureOut">
               <a:rPr lang="en-US" smtClean="0"/>
-              <a:t>11/5/2019</a:t>
+              <a:t>11/6/2019</a:t>
             </a:fld>
             <a:endParaRPr lang="en-US"/>
           </a:p>
@@ -2133,7 +2133,7 @@
           <a:p>
             <a:fld id="{3881C039-66A3-4640-815B-3B5A8B7D868D}" type="datetimeFigureOut">
               <a:rPr lang="en-US" smtClean="0"/>
-              <a:t>11/5/2019</a:t>
+              <a:t>11/6/2019</a:t>
             </a:fld>
             <a:endParaRPr lang="en-US"/>
           </a:p>
@@ -2567,7 +2567,7 @@
           <a:p>
             <a:fld id="{3881C039-66A3-4640-815B-3B5A8B7D868D}" type="datetimeFigureOut">
               <a:rPr lang="en-US" smtClean="0"/>
-              <a:t>11/5/2019</a:t>
+              <a:t>11/6/2019</a:t>
             </a:fld>
             <a:endParaRPr lang="en-US"/>
           </a:p>
@@ -2685,7 +2685,7 @@
           <a:p>
             <a:fld id="{3881C039-66A3-4640-815B-3B5A8B7D868D}" type="datetimeFigureOut">
               <a:rPr lang="en-US" smtClean="0"/>
-              <a:t>11/5/2019</a:t>
+              <a:t>11/6/2019</a:t>
             </a:fld>
             <a:endParaRPr lang="en-US"/>
           </a:p>
@@ -2780,7 +2780,7 @@
           <a:p>
             <a:fld id="{3881C039-66A3-4640-815B-3B5A8B7D868D}" type="datetimeFigureOut">
               <a:rPr lang="en-US" smtClean="0"/>
-              <a:t>11/5/2019</a:t>
+              <a:t>11/6/2019</a:t>
             </a:fld>
             <a:endParaRPr lang="en-US"/>
           </a:p>
@@ -3135,7 +3135,7 @@
           <a:p>
             <a:fld id="{3881C039-66A3-4640-815B-3B5A8B7D868D}" type="datetimeFigureOut">
               <a:rPr lang="en-US" smtClean="0"/>
-              <a:t>11/5/2019</a:t>
+              <a:t>11/6/2019</a:t>
             </a:fld>
             <a:endParaRPr lang="en-US"/>
           </a:p>
@@ -3565,7 +3565,7 @@
           <a:p>
             <a:fld id="{3881C039-66A3-4640-815B-3B5A8B7D868D}" type="datetimeFigureOut">
               <a:rPr lang="en-US" smtClean="0"/>
-              <a:t>11/5/2019</a:t>
+              <a:t>11/6/2019</a:t>
             </a:fld>
             <a:endParaRPr lang="en-US"/>
           </a:p>
@@ -3846,7 +3846,7 @@
           <a:p>
             <a:fld id="{3881C039-66A3-4640-815B-3B5A8B7D868D}" type="datetimeFigureOut">
               <a:rPr lang="en-US" smtClean="0"/>
-              <a:t>11/5/2019</a:t>
+              <a:t>11/6/2019</a:t>
             </a:fld>
             <a:endParaRPr lang="en-US"/>
           </a:p>
@@ -18868,8 +18868,8 @@
           </a:effectLst>
         </p:spPr>
       </p:pic>
-      <mc:AlternateContent xmlns:mc="http://schemas.openxmlformats.org/markup-compatibility/2006">
-        <mc:Choice xmlns:a14="http://schemas.microsoft.com/office/drawing/2010/main" Requires="a14">
+      <mc:AlternateContent xmlns:mc="http://schemas.openxmlformats.org/markup-compatibility/2006" xmlns:a14="http://schemas.microsoft.com/office/drawing/2010/main">
+        <mc:Choice Requires="a14">
           <p:sp>
             <p:nvSpPr>
               <p:cNvPr id="8" name="TextBox 7">
@@ -18967,16 +18967,7 @@
                               </a:solidFill>
                               <a:latin typeface="Cambria Math" panose="02040503050406030204" pitchFamily="18" charset="0"/>
                             </a:rPr>
-                            <m:t>−</m:t>
-                          </m:r>
-                          <m:r>
-                            <a:rPr lang="en-US" sz="2000" b="0" i="1" smtClean="0">
-                              <a:solidFill>
-                                <a:srgbClr val="BDB5B6"/>
-                              </a:solidFill>
-                              <a:latin typeface="Cambria Math" panose="02040503050406030204" pitchFamily="18" charset="0"/>
-                            </a:rPr>
-                            <m:t>10</m:t>
+                            <m:t>−10</m:t>
                           </m:r>
                         </m:e>
                       </m:d>
@@ -18987,25 +18978,7 @@
                           </a:solidFill>
                           <a:latin typeface="Cambria Math" panose="02040503050406030204" pitchFamily="18" charset="0"/>
                         </a:rPr>
-                        <m:t>×</m:t>
-                      </m:r>
-                      <m:r>
-                        <a:rPr lang="en-US" sz="2000" b="0" i="1" smtClean="0">
-                          <a:solidFill>
-                            <a:srgbClr val="BDB5B6"/>
-                          </a:solidFill>
-                          <a:latin typeface="Cambria Math" panose="02040503050406030204" pitchFamily="18" charset="0"/>
-                        </a:rPr>
-                        <m:t>0.4945</m:t>
-                      </m:r>
-                      <m:r>
-                        <a:rPr lang="en-US" sz="2000" b="0" i="1" smtClean="0">
-                          <a:solidFill>
-                            <a:srgbClr val="BDB5B6"/>
-                          </a:solidFill>
-                          <a:latin typeface="Cambria Math" panose="02040503050406030204" pitchFamily="18" charset="0"/>
-                        </a:rPr>
-                        <m:t>+</m:t>
+                        <m:t>×0.4945+</m:t>
                       </m:r>
                       <m:d>
                         <m:dPr>
@@ -19037,16 +19010,7 @@
                           </a:solidFill>
                           <a:latin typeface="Cambria Math" panose="02040503050406030204" pitchFamily="18" charset="0"/>
                         </a:rPr>
-                        <m:t>×</m:t>
-                      </m:r>
-                      <m:r>
-                        <a:rPr lang="en-US" sz="2000" b="0" i="1" smtClean="0">
-                          <a:solidFill>
-                            <a:srgbClr val="BDB5B6"/>
-                          </a:solidFill>
-                          <a:latin typeface="Cambria Math" panose="02040503050406030204" pitchFamily="18" charset="0"/>
-                        </a:rPr>
-                        <m:t>0.5055=0.6156</m:t>
+                        <m:t>×0.5055=0.6156</m:t>
                       </m:r>
                     </m:oMath>
                   </m:oMathPara>
@@ -19060,7 +19024,7 @@
             </p:txBody>
           </p:sp>
         </mc:Choice>
-        <mc:Fallback>
+        <mc:Fallback xmlns="">
           <p:sp>
             <p:nvSpPr>
               <p:cNvPr id="8" name="TextBox 7">
@@ -19105,8 +19069,8 @@
           </p:sp>
         </mc:Fallback>
       </mc:AlternateContent>
-      <mc:AlternateContent xmlns:mc="http://schemas.openxmlformats.org/markup-compatibility/2006">
-        <mc:Choice xmlns:a14="http://schemas.microsoft.com/office/drawing/2010/main" Requires="a14">
+      <mc:AlternateContent xmlns:mc="http://schemas.openxmlformats.org/markup-compatibility/2006" xmlns:a14="http://schemas.microsoft.com/office/drawing/2010/main">
+        <mc:Choice Requires="a14">
           <p:sp>
             <p:nvSpPr>
               <p:cNvPr id="10" name="TextBox 9">
@@ -19204,16 +19168,7 @@
                               </a:solidFill>
                               <a:latin typeface="Cambria Math" panose="02040503050406030204" pitchFamily="18" charset="0"/>
                             </a:rPr>
-                            <m:t>−</m:t>
-                          </m:r>
-                          <m:r>
-                            <a:rPr lang="en-US" sz="2000" b="0" i="1" smtClean="0">
-                              <a:solidFill>
-                                <a:srgbClr val="BDB5B6"/>
-                              </a:solidFill>
-                              <a:latin typeface="Cambria Math" panose="02040503050406030204" pitchFamily="18" charset="0"/>
-                            </a:rPr>
-                            <m:t>10</m:t>
+                            <m:t>−10</m:t>
                           </m:r>
                         </m:e>
                       </m:d>
@@ -19224,25 +19179,7 @@
                           </a:solidFill>
                           <a:latin typeface="Cambria Math" panose="02040503050406030204" pitchFamily="18" charset="0"/>
                         </a:rPr>
-                        <m:t>×</m:t>
-                      </m:r>
-                      <m:r>
-                        <a:rPr lang="en-US" sz="2000" b="0" i="1" smtClean="0">
-                          <a:solidFill>
-                            <a:srgbClr val="BDB5B6"/>
-                          </a:solidFill>
-                          <a:latin typeface="Cambria Math" panose="02040503050406030204" pitchFamily="18" charset="0"/>
-                        </a:rPr>
-                        <m:t>0.5</m:t>
-                      </m:r>
-                      <m:r>
-                        <a:rPr lang="en-US" sz="2000" b="0" i="1" smtClean="0">
-                          <a:solidFill>
-                            <a:srgbClr val="BDB5B6"/>
-                          </a:solidFill>
-                          <a:latin typeface="Cambria Math" panose="02040503050406030204" pitchFamily="18" charset="0"/>
-                        </a:rPr>
-                        <m:t>+</m:t>
+                        <m:t>×0.5+</m:t>
                       </m:r>
                       <m:d>
                         <m:dPr>
@@ -19274,16 +19211,7 @@
                           </a:solidFill>
                           <a:latin typeface="Cambria Math" panose="02040503050406030204" pitchFamily="18" charset="0"/>
                         </a:rPr>
-                        <m:t>×</m:t>
-                      </m:r>
-                      <m:r>
-                        <a:rPr lang="en-US" sz="2000" b="0" i="1" smtClean="0">
-                          <a:solidFill>
-                            <a:srgbClr val="BDB5B6"/>
-                          </a:solidFill>
-                          <a:latin typeface="Cambria Math" panose="02040503050406030204" pitchFamily="18" charset="0"/>
-                        </a:rPr>
-                        <m:t>0.50=0.50</m:t>
+                        <m:t>×0.50=0.50</m:t>
                       </m:r>
                     </m:oMath>
                   </m:oMathPara>
@@ -19297,7 +19225,7 @@
             </p:txBody>
           </p:sp>
         </mc:Choice>
-        <mc:Fallback>
+        <mc:Fallback xmlns="">
           <p:sp>
             <p:nvSpPr>
               <p:cNvPr id="10" name="TextBox 9">
@@ -26901,132 +26829,14 @@
             </a:r>
           </a:p>
           <a:p>
-            <a:pPr lvl="1">
+            <a:pPr marL="548640" lvl="2" indent="0">
               <a:buClr>
                 <a:schemeClr val="bg2">
                   <a:lumMod val="90000"/>
                 </a:schemeClr>
               </a:buClr>
               <a:buSzPct val="100000"/>
-            </a:pPr>
-            <a:r>
-              <a:rPr lang="en-US" sz="2000" dirty="0">
-                <a:solidFill>
-                  <a:schemeClr val="accent5">
-                    <a:lumMod val="60000"/>
-                    <a:lumOff val="40000"/>
-                  </a:schemeClr>
-                </a:solidFill>
-                <a:latin typeface="Selawik Semibold" panose="020B0702040204020203" pitchFamily="34" charset="0"/>
-              </a:rPr>
-              <a:t>Strategy for Betting on Spurs</a:t>
-            </a:r>
-          </a:p>
-          <a:p>
-            <a:pPr lvl="2">
-              <a:buClr>
-                <a:schemeClr val="bg2">
-                  <a:lumMod val="90000"/>
-                </a:schemeClr>
-              </a:buClr>
-              <a:buSzPct val="100000"/>
-            </a:pPr>
-            <a:r>
-              <a:rPr lang="en-US" sz="1800" dirty="0">
-                <a:solidFill>
-                  <a:schemeClr val="accent5">
-                    <a:lumMod val="60000"/>
-                    <a:lumOff val="40000"/>
-                  </a:schemeClr>
-                </a:solidFill>
-                <a:latin typeface="Selawik Semibold" panose="020B0702040204020203" pitchFamily="34" charset="0"/>
-              </a:rPr>
-              <a:t>Want Expected Profit to Be More Than $0</a:t>
-            </a:r>
-          </a:p>
-          <a:p>
-            <a:pPr lvl="2">
-              <a:buClr>
-                <a:schemeClr val="bg2">
-                  <a:lumMod val="90000"/>
-                </a:schemeClr>
-              </a:buClr>
-              <a:buSzPct val="100000"/>
-            </a:pPr>
-            <a:r>
-              <a:rPr lang="en-US" sz="1800" i="1" dirty="0">
-                <a:solidFill>
-                  <a:schemeClr val="accent5">
-                    <a:lumMod val="60000"/>
-                    <a:lumOff val="40000"/>
-                  </a:schemeClr>
-                </a:solidFill>
-                <a:latin typeface="Selawik Semibold" panose="020B0702040204020203" pitchFamily="34" charset="0"/>
-              </a:rPr>
-              <a:t>p = </a:t>
-            </a:r>
-            <a:r>
-              <a:rPr lang="en-US" sz="1800" dirty="0">
-                <a:solidFill>
-                  <a:schemeClr val="accent5">
-                    <a:lumMod val="60000"/>
-                    <a:lumOff val="40000"/>
-                  </a:schemeClr>
-                </a:solidFill>
-                <a:latin typeface="Selawik Semibold" panose="020B0702040204020203" pitchFamily="34" charset="0"/>
-              </a:rPr>
-              <a:t>Probability Spurs Win</a:t>
-            </a:r>
-          </a:p>
-          <a:p>
-            <a:pPr lvl="2">
-              <a:buClr>
-                <a:schemeClr val="bg2">
-                  <a:lumMod val="90000"/>
-                </a:schemeClr>
-              </a:buClr>
-              <a:buSzPct val="100000"/>
-            </a:pPr>
-            <a:endParaRPr lang="en-US" sz="1800" i="1" dirty="0">
-              <a:solidFill>
-                <a:schemeClr val="accent5">
-                  <a:lumMod val="60000"/>
-                  <a:lumOff val="40000"/>
-                </a:schemeClr>
-              </a:solidFill>
-              <a:latin typeface="Selawik Semibold" panose="020B0702040204020203" pitchFamily="34" charset="0"/>
-            </a:endParaRPr>
-          </a:p>
-          <a:p>
-            <a:pPr lvl="2">
-              <a:buClr>
-                <a:schemeClr val="bg2">
-                  <a:lumMod val="90000"/>
-                </a:schemeClr>
-              </a:buClr>
-              <a:buSzPct val="100000"/>
-            </a:pPr>
-            <a:r>
-              <a:rPr lang="en-US" sz="1800" dirty="0">
-                <a:solidFill>
-                  <a:schemeClr val="accent5">
-                    <a:lumMod val="60000"/>
-                    <a:lumOff val="40000"/>
-                  </a:schemeClr>
-                </a:solidFill>
-                <a:latin typeface="Selawik Semibold" panose="020B0702040204020203" pitchFamily="34" charset="0"/>
-              </a:rPr>
-              <a:t>Believe Spurs Have 82% Chance of Winning</a:t>
-            </a:r>
-          </a:p>
-          <a:p>
-            <a:pPr lvl="2">
-              <a:buClr>
-                <a:schemeClr val="bg2">
-                  <a:lumMod val="90000"/>
-                </a:schemeClr>
-              </a:buClr>
-              <a:buSzPct val="100000"/>
+              <a:buNone/>
             </a:pPr>
             <a:endParaRPr lang="en-US" sz="2000" dirty="0">
               <a:solidFill>
@@ -27124,266 +26934,6 @@
           </a:effectLst>
         </p:spPr>
       </p:pic>
-      <mc:AlternateContent xmlns:mc="http://schemas.openxmlformats.org/markup-compatibility/2006" xmlns:a14="http://schemas.microsoft.com/office/drawing/2010/main">
-        <mc:Choice Requires="a14">
-          <p:sp>
-            <p:nvSpPr>
-              <p:cNvPr id="14" name="TextBox 13">
-                <a:extLst>
-                  <a:ext uri="{FF2B5EF4-FFF2-40B4-BE49-F238E27FC236}">
-                    <a16:creationId xmlns:a16="http://schemas.microsoft.com/office/drawing/2014/main" id="{DB974B65-8469-4979-8F0E-8B5FCB640EE4}"/>
-                  </a:ext>
-                </a:extLst>
-              </p:cNvPr>
-              <p:cNvSpPr txBox="1"/>
-              <p:nvPr/>
-            </p:nvSpPr>
-            <p:spPr>
-              <a:xfrm>
-                <a:off x="1948247" y="5928731"/>
-                <a:ext cx="8270791" cy="400110"/>
-              </a:xfrm>
-              <a:prstGeom prst="rect">
-                <a:avLst/>
-              </a:prstGeom>
-              <a:noFill/>
-            </p:spPr>
-            <p:txBody>
-              <a:bodyPr wrap="square" rtlCol="0">
-                <a:spAutoFit/>
-              </a:bodyPr>
-              <a:lstStyle/>
-              <a:p>
-                <a:pPr/>
-                <a14:m>
-                  <m:oMathPara xmlns:m="http://schemas.openxmlformats.org/officeDocument/2006/math">
-                    <m:oMathParaPr>
-                      <m:jc m:val="centerGroup"/>
-                    </m:oMathParaPr>
-                    <m:oMath xmlns:m="http://schemas.openxmlformats.org/officeDocument/2006/math">
-                      <m:r>
-                        <a:rPr lang="en-US" sz="2000" b="0" i="1" smtClean="0">
-                          <a:solidFill>
-                            <a:srgbClr val="BDB5B6"/>
-                          </a:solidFill>
-                          <a:latin typeface="Cambria Math" panose="02040503050406030204" pitchFamily="18" charset="0"/>
-                        </a:rPr>
-                        <m:t>𝐸</m:t>
-                      </m:r>
-                      <m:d>
-                        <m:dPr>
-                          <m:begChr m:val="["/>
-                          <m:endChr m:val="]"/>
-                          <m:ctrlPr>
-                            <a:rPr lang="en-US" sz="2000" b="0" i="1" smtClean="0">
-                              <a:solidFill>
-                                <a:srgbClr val="BDB5B6"/>
-                              </a:solidFill>
-                              <a:latin typeface="Cambria Math" panose="02040503050406030204" pitchFamily="18" charset="0"/>
-                            </a:rPr>
-                          </m:ctrlPr>
-                        </m:dPr>
-                        <m:e>
-                          <m:r>
-                            <a:rPr lang="en-US" sz="2000" b="0" i="1" smtClean="0">
-                              <a:solidFill>
-                                <a:srgbClr val="BDB5B6"/>
-                              </a:solidFill>
-                              <a:latin typeface="Cambria Math" panose="02040503050406030204" pitchFamily="18" charset="0"/>
-                            </a:rPr>
-                            <m:t>𝑃𝑟𝑜𝑓𝑖𝑡</m:t>
-                          </m:r>
-                        </m:e>
-                      </m:d>
-                      <m:r>
-                        <a:rPr lang="en-US" sz="2000" b="0" i="1" smtClean="0">
-                          <a:solidFill>
-                            <a:srgbClr val="BDB5B6"/>
-                          </a:solidFill>
-                          <a:latin typeface="Cambria Math" panose="02040503050406030204" pitchFamily="18" charset="0"/>
-                        </a:rPr>
-                        <m:t>=</m:t>
-                      </m:r>
-                      <m:d>
-                        <m:dPr>
-                          <m:ctrlPr>
-                            <a:rPr lang="en-US" sz="2000" b="0" i="1" smtClean="0">
-                              <a:solidFill>
-                                <a:srgbClr val="BDB5B6"/>
-                              </a:solidFill>
-                              <a:latin typeface="Cambria Math" panose="02040503050406030204" pitchFamily="18" charset="0"/>
-                            </a:rPr>
-                          </m:ctrlPr>
-                        </m:dPr>
-                        <m:e>
-                          <m:r>
-                            <a:rPr lang="en-US" sz="2000" b="0" i="1" smtClean="0">
-                              <a:solidFill>
-                                <a:srgbClr val="BDB5B6"/>
-                              </a:solidFill>
-                              <a:latin typeface="Cambria Math" panose="02040503050406030204" pitchFamily="18" charset="0"/>
-                            </a:rPr>
-                            <m:t>100</m:t>
-                          </m:r>
-                        </m:e>
-                      </m:d>
-                      <m:r>
-                        <a:rPr lang="en-US" sz="2000" b="0" i="1" smtClean="0">
-                          <a:solidFill>
-                            <a:srgbClr val="BDB5B6"/>
-                          </a:solidFill>
-                          <a:latin typeface="Cambria Math" panose="02040503050406030204" pitchFamily="18" charset="0"/>
-                        </a:rPr>
-                        <m:t>×</m:t>
-                      </m:r>
-                      <m:r>
-                        <a:rPr lang="en-US" sz="2000" b="0" i="1" smtClean="0">
-                          <a:solidFill>
-                            <a:srgbClr val="BDB5B6"/>
-                          </a:solidFill>
-                          <a:latin typeface="Cambria Math" panose="02040503050406030204" pitchFamily="18" charset="0"/>
-                        </a:rPr>
-                        <m:t>𝑝</m:t>
-                      </m:r>
-                      <m:r>
-                        <a:rPr lang="en-US" sz="2000" b="0" i="1" smtClean="0">
-                          <a:solidFill>
-                            <a:srgbClr val="BDB5B6"/>
-                          </a:solidFill>
-                          <a:latin typeface="Cambria Math" panose="02040503050406030204" pitchFamily="18" charset="0"/>
-                        </a:rPr>
-                        <m:t>+</m:t>
-                      </m:r>
-                      <m:d>
-                        <m:dPr>
-                          <m:ctrlPr>
-                            <a:rPr lang="en-US" sz="2000" b="0" i="1" smtClean="0">
-                              <a:solidFill>
-                                <a:srgbClr val="BDB5B6"/>
-                              </a:solidFill>
-                              <a:latin typeface="Cambria Math" panose="02040503050406030204" pitchFamily="18" charset="0"/>
-                            </a:rPr>
-                          </m:ctrlPr>
-                        </m:dPr>
-                        <m:e>
-                          <m:r>
-                            <a:rPr lang="en-US" sz="2000" b="0" i="1" smtClean="0">
-                              <a:solidFill>
-                                <a:srgbClr val="BDB5B6"/>
-                              </a:solidFill>
-                              <a:latin typeface="Cambria Math" panose="02040503050406030204" pitchFamily="18" charset="0"/>
-                            </a:rPr>
-                            <m:t>−450</m:t>
-                          </m:r>
-                        </m:e>
-                      </m:d>
-                      <m:r>
-                        <a:rPr lang="en-US" sz="2000" b="0" i="1" smtClean="0">
-                          <a:solidFill>
-                            <a:srgbClr val="BDB5B6"/>
-                          </a:solidFill>
-                          <a:latin typeface="Cambria Math" panose="02040503050406030204" pitchFamily="18" charset="0"/>
-                        </a:rPr>
-                        <m:t>×</m:t>
-                      </m:r>
-                      <m:d>
-                        <m:dPr>
-                          <m:ctrlPr>
-                            <a:rPr lang="en-US" sz="2000" b="0" i="1" smtClean="0">
-                              <a:solidFill>
-                                <a:srgbClr val="BDB5B6"/>
-                              </a:solidFill>
-                              <a:latin typeface="Cambria Math" panose="02040503050406030204" pitchFamily="18" charset="0"/>
-                            </a:rPr>
-                          </m:ctrlPr>
-                        </m:dPr>
-                        <m:e>
-                          <m:r>
-                            <a:rPr lang="en-US" sz="2000" b="0" i="1" smtClean="0">
-                              <a:solidFill>
-                                <a:srgbClr val="BDB5B6"/>
-                              </a:solidFill>
-                              <a:latin typeface="Cambria Math" panose="02040503050406030204" pitchFamily="18" charset="0"/>
-                            </a:rPr>
-                            <m:t>1−</m:t>
-                          </m:r>
-                          <m:r>
-                            <a:rPr lang="en-US" sz="2000" b="0" i="1" smtClean="0">
-                              <a:solidFill>
-                                <a:srgbClr val="BDB5B6"/>
-                              </a:solidFill>
-                              <a:latin typeface="Cambria Math" panose="02040503050406030204" pitchFamily="18" charset="0"/>
-                            </a:rPr>
-                            <m:t>𝑝</m:t>
-                          </m:r>
-                        </m:e>
-                      </m:d>
-                      <m:r>
-                        <a:rPr lang="en-US" sz="2000" b="0" i="1" smtClean="0">
-                          <a:solidFill>
-                            <a:srgbClr val="BDB5B6"/>
-                          </a:solidFill>
-                          <a:latin typeface="Cambria Math" panose="02040503050406030204" pitchFamily="18" charset="0"/>
-                        </a:rPr>
-                        <m:t>&gt;0</m:t>
-                      </m:r>
-                    </m:oMath>
-                  </m:oMathPara>
-                </a14:m>
-                <a:endParaRPr lang="en-US" sz="2000" dirty="0">
-                  <a:solidFill>
-                    <a:srgbClr val="BDB5B6"/>
-                  </a:solidFill>
-                </a:endParaRPr>
-              </a:p>
-            </p:txBody>
-          </p:sp>
-        </mc:Choice>
-        <mc:Fallback xmlns="">
-          <p:sp>
-            <p:nvSpPr>
-              <p:cNvPr id="14" name="TextBox 13">
-                <a:extLst>
-                  <a:ext uri="{FF2B5EF4-FFF2-40B4-BE49-F238E27FC236}">
-                    <a16:creationId xmlns:a16="http://schemas.microsoft.com/office/drawing/2014/main" id="{DB974B65-8469-4979-8F0E-8B5FCB640EE4}"/>
-                  </a:ext>
-                </a:extLst>
-              </p:cNvPr>
-              <p:cNvSpPr txBox="1">
-                <a:spLocks noRot="1" noChangeAspect="1" noMove="1" noResize="1" noEditPoints="1" noAdjustHandles="1" noChangeArrowheads="1" noChangeShapeType="1" noTextEdit="1"/>
-              </p:cNvSpPr>
-              <p:nvPr/>
-            </p:nvSpPr>
-            <p:spPr>
-              <a:xfrm>
-                <a:off x="1948247" y="5928731"/>
-                <a:ext cx="8270791" cy="400110"/>
-              </a:xfrm>
-              <a:prstGeom prst="rect">
-                <a:avLst/>
-              </a:prstGeom>
-              <a:blipFill>
-                <a:blip r:embed="rId5"/>
-                <a:stretch>
-                  <a:fillRect b="-16923"/>
-                </a:stretch>
-              </a:blipFill>
-            </p:spPr>
-            <p:txBody>
-              <a:bodyPr/>
-              <a:lstStyle/>
-              <a:p>
-                <a:r>
-                  <a:rPr lang="en-US">
-                    <a:noFill/>
-                  </a:rPr>
-                  <a:t> </a:t>
-                </a:r>
-              </a:p>
-            </p:txBody>
-          </p:sp>
-        </mc:Fallback>
-      </mc:AlternateContent>
     </p:spTree>
     <p:extLst>
       <p:ext uri="{BB962C8B-B14F-4D97-AF65-F5344CB8AC3E}">

--- a/Slides/Gambling 1/Gambling_1_Lecture.pptx
+++ b/Slides/Gambling 1/Gambling_1_Lecture.pptx
@@ -230,7 +230,7 @@
           <a:p>
             <a:fld id="{C04E5E84-956F-4423-97B3-5936A6D8EEEE}" type="datetimeFigureOut">
               <a:rPr lang="en-US" smtClean="0"/>
-              <a:t>11/6/2019</a:t>
+              <a:t>11/8/2019</a:t>
             </a:fld>
             <a:endParaRPr lang="en-US"/>
           </a:p>
@@ -900,7 +900,7 @@
           <a:p>
             <a:fld id="{3881C039-66A3-4640-815B-3B5A8B7D868D}" type="datetimeFigureOut">
               <a:rPr lang="en-US" smtClean="0"/>
-              <a:t>11/6/2019</a:t>
+              <a:t>11/8/2019</a:t>
             </a:fld>
             <a:endParaRPr lang="en-US"/>
           </a:p>
@@ -1084,7 +1084,7 @@
           <a:p>
             <a:fld id="{3881C039-66A3-4640-815B-3B5A8B7D868D}" type="datetimeFigureOut">
               <a:rPr lang="en-US" smtClean="0"/>
-              <a:t>11/6/2019</a:t>
+              <a:t>11/8/2019</a:t>
             </a:fld>
             <a:endParaRPr lang="en-US"/>
           </a:p>
@@ -1264,7 +1264,7 @@
           <a:p>
             <a:fld id="{3881C039-66A3-4640-815B-3B5A8B7D868D}" type="datetimeFigureOut">
               <a:rPr lang="en-US" smtClean="0"/>
-              <a:t>11/6/2019</a:t>
+              <a:t>11/8/2019</a:t>
             </a:fld>
             <a:endParaRPr lang="en-US"/>
           </a:p>
@@ -1434,7 +1434,7 @@
           <a:p>
             <a:fld id="{3881C039-66A3-4640-815B-3B5A8B7D868D}" type="datetimeFigureOut">
               <a:rPr lang="en-US" smtClean="0"/>
-              <a:t>11/6/2019</a:t>
+              <a:t>11/8/2019</a:t>
             </a:fld>
             <a:endParaRPr lang="en-US"/>
           </a:p>
@@ -1747,7 +1747,7 @@
           <a:p>
             <a:fld id="{3881C039-66A3-4640-815B-3B5A8B7D868D}" type="datetimeFigureOut">
               <a:rPr lang="en-US" smtClean="0"/>
-              <a:t>11/6/2019</a:t>
+              <a:t>11/8/2019</a:t>
             </a:fld>
             <a:endParaRPr lang="en-US"/>
           </a:p>
@@ -2133,7 +2133,7 @@
           <a:p>
             <a:fld id="{3881C039-66A3-4640-815B-3B5A8B7D868D}" type="datetimeFigureOut">
               <a:rPr lang="en-US" smtClean="0"/>
-              <a:t>11/6/2019</a:t>
+              <a:t>11/8/2019</a:t>
             </a:fld>
             <a:endParaRPr lang="en-US"/>
           </a:p>
@@ -2567,7 +2567,7 @@
           <a:p>
             <a:fld id="{3881C039-66A3-4640-815B-3B5A8B7D868D}" type="datetimeFigureOut">
               <a:rPr lang="en-US" smtClean="0"/>
-              <a:t>11/6/2019</a:t>
+              <a:t>11/8/2019</a:t>
             </a:fld>
             <a:endParaRPr lang="en-US"/>
           </a:p>
@@ -2685,7 +2685,7 @@
           <a:p>
             <a:fld id="{3881C039-66A3-4640-815B-3B5A8B7D868D}" type="datetimeFigureOut">
               <a:rPr lang="en-US" smtClean="0"/>
-              <a:t>11/6/2019</a:t>
+              <a:t>11/8/2019</a:t>
             </a:fld>
             <a:endParaRPr lang="en-US"/>
           </a:p>
@@ -2780,7 +2780,7 @@
           <a:p>
             <a:fld id="{3881C039-66A3-4640-815B-3B5A8B7D868D}" type="datetimeFigureOut">
               <a:rPr lang="en-US" smtClean="0"/>
-              <a:t>11/6/2019</a:t>
+              <a:t>11/8/2019</a:t>
             </a:fld>
             <a:endParaRPr lang="en-US"/>
           </a:p>
@@ -3135,7 +3135,7 @@
           <a:p>
             <a:fld id="{3881C039-66A3-4640-815B-3B5A8B7D868D}" type="datetimeFigureOut">
               <a:rPr lang="en-US" smtClean="0"/>
-              <a:t>11/6/2019</a:t>
+              <a:t>11/8/2019</a:t>
             </a:fld>
             <a:endParaRPr lang="en-US"/>
           </a:p>
@@ -3565,7 +3565,7 @@
           <a:p>
             <a:fld id="{3881C039-66A3-4640-815B-3B5A8B7D868D}" type="datetimeFigureOut">
               <a:rPr lang="en-US" smtClean="0"/>
-              <a:t>11/6/2019</a:t>
+              <a:t>11/8/2019</a:t>
             </a:fld>
             <a:endParaRPr lang="en-US"/>
           </a:p>
@@ -3846,7 +3846,7 @@
           <a:p>
             <a:fld id="{3881C039-66A3-4640-815B-3B5A8B7D868D}" type="datetimeFigureOut">
               <a:rPr lang="en-US" smtClean="0"/>
-              <a:t>11/6/2019</a:t>
+              <a:t>11/8/2019</a:t>
             </a:fld>
             <a:endParaRPr lang="en-US"/>
           </a:p>
@@ -16836,7 +16836,7 @@
                 </a:solidFill>
                 <a:latin typeface="Selawik Semibold" panose="020B0702040204020203" pitchFamily="34" charset="0"/>
               </a:rPr>
-              <a:t>UNC is 12 Points Better Than Duke</a:t>
+              <a:t>UNC is 10 Points Better Than Duke</a:t>
             </a:r>
           </a:p>
           <a:p>
